--- a/Batch_A1_ppt.pptx
+++ b/Batch_A1_ppt.pptx
@@ -8,40 +8,40 @@
     <p:sldId id="256" r:id="rId2"/>
     <p:sldId id="258" r:id="rId3"/>
     <p:sldId id="259" r:id="rId4"/>
-    <p:sldId id="289" r:id="rId5"/>
-    <p:sldId id="295" r:id="rId6"/>
-    <p:sldId id="263" r:id="rId7"/>
-    <p:sldId id="264" r:id="rId8"/>
-    <p:sldId id="266" r:id="rId9"/>
-    <p:sldId id="267" r:id="rId10"/>
-    <p:sldId id="268" r:id="rId11"/>
-    <p:sldId id="271" r:id="rId12"/>
-    <p:sldId id="273" r:id="rId13"/>
-    <p:sldId id="274" r:id="rId14"/>
-    <p:sldId id="275" r:id="rId15"/>
-    <p:sldId id="276" r:id="rId16"/>
-    <p:sldId id="277" r:id="rId17"/>
-    <p:sldId id="278" r:id="rId18"/>
-    <p:sldId id="290" r:id="rId19"/>
-    <p:sldId id="296" r:id="rId20"/>
-    <p:sldId id="297" r:id="rId21"/>
-    <p:sldId id="291" r:id="rId22"/>
-    <p:sldId id="292" r:id="rId23"/>
-    <p:sldId id="293" r:id="rId24"/>
-    <p:sldId id="279" r:id="rId25"/>
-    <p:sldId id="280" r:id="rId26"/>
-    <p:sldId id="281" r:id="rId27"/>
-    <p:sldId id="282" r:id="rId28"/>
-    <p:sldId id="283" r:id="rId29"/>
-    <p:sldId id="284" r:id="rId30"/>
-    <p:sldId id="294" r:id="rId31"/>
-    <p:sldId id="285" r:id="rId32"/>
-    <p:sldId id="287" r:id="rId33"/>
-    <p:sldId id="298" r:id="rId34"/>
-    <p:sldId id="260" r:id="rId35"/>
-    <p:sldId id="288" r:id="rId36"/>
-    <p:sldId id="269" r:id="rId37"/>
-    <p:sldId id="270" r:id="rId38"/>
+    <p:sldId id="260" r:id="rId5"/>
+    <p:sldId id="288" r:id="rId6"/>
+    <p:sldId id="289" r:id="rId7"/>
+    <p:sldId id="295" r:id="rId8"/>
+    <p:sldId id="263" r:id="rId9"/>
+    <p:sldId id="264" r:id="rId10"/>
+    <p:sldId id="266" r:id="rId11"/>
+    <p:sldId id="267" r:id="rId12"/>
+    <p:sldId id="268" r:id="rId13"/>
+    <p:sldId id="269" r:id="rId14"/>
+    <p:sldId id="270" r:id="rId15"/>
+    <p:sldId id="271" r:id="rId16"/>
+    <p:sldId id="273" r:id="rId17"/>
+    <p:sldId id="274" r:id="rId18"/>
+    <p:sldId id="275" r:id="rId19"/>
+    <p:sldId id="276" r:id="rId20"/>
+    <p:sldId id="277" r:id="rId21"/>
+    <p:sldId id="278" r:id="rId22"/>
+    <p:sldId id="290" r:id="rId23"/>
+    <p:sldId id="296" r:id="rId24"/>
+    <p:sldId id="297" r:id="rId25"/>
+    <p:sldId id="291" r:id="rId26"/>
+    <p:sldId id="292" r:id="rId27"/>
+    <p:sldId id="293" r:id="rId28"/>
+    <p:sldId id="279" r:id="rId29"/>
+    <p:sldId id="280" r:id="rId30"/>
+    <p:sldId id="281" r:id="rId31"/>
+    <p:sldId id="282" r:id="rId32"/>
+    <p:sldId id="283" r:id="rId33"/>
+    <p:sldId id="284" r:id="rId34"/>
+    <p:sldId id="294" r:id="rId35"/>
+    <p:sldId id="285" r:id="rId36"/>
+    <p:sldId id="287" r:id="rId37"/>
+    <p:sldId id="298" r:id="rId38"/>
   </p:sldIdLst>
   <p:sldSz cx="12192000" cy="6858000"/>
   <p:notesSz cx="6858000" cy="9144000"/>
@@ -6359,6 +6359,232 @@
           <p:cNvPr id="2" name="Title 1">
             <a:extLst>
               <a:ext uri="{FF2B5EF4-FFF2-40B4-BE49-F238E27FC236}">
+                <a16:creationId xmlns:a16="http://schemas.microsoft.com/office/drawing/2014/main" id="{67E3BDE7-D491-4285-9EF3-565E14284BC7}"/>
+              </a:ext>
+            </a:extLst>
+          </p:cNvPr>
+          <p:cNvSpPr>
+            <a:spLocks noGrp="1"/>
+          </p:cNvSpPr>
+          <p:nvPr>
+            <p:ph type="title"/>
+          </p:nvPr>
+        </p:nvSpPr>
+        <p:spPr>
+          <a:xfrm>
+            <a:off x="1484311" y="186431"/>
+            <a:ext cx="10018713" cy="1402672"/>
+          </a:xfrm>
+        </p:spPr>
+        <p:txBody>
+          <a:bodyPr>
+            <a:normAutofit fontScale="90000"/>
+          </a:bodyPr>
+          <a:lstStyle/>
+          <a:p>
+            <a:r>
+              <a:rPr lang="en-US" sz="4400" b="1" dirty="0">
+                <a:latin typeface="Times New Roman" panose="02020603050405020304" pitchFamily="18" charset="0"/>
+                <a:cs typeface="Times New Roman" panose="02020603050405020304" pitchFamily="18" charset="0"/>
+              </a:rPr>
+              <a:t>SYSTEM DESIGN</a:t>
+            </a:r>
+            <a:br>
+              <a:rPr lang="en-US" sz="4400" b="1" dirty="0">
+                <a:latin typeface="Times New Roman" panose="02020603050405020304" pitchFamily="18" charset="0"/>
+                <a:cs typeface="Times New Roman" panose="02020603050405020304" pitchFamily="18" charset="0"/>
+              </a:rPr>
+            </a:br>
+            <a:r>
+              <a:rPr lang="en-US" sz="3100" b="1" dirty="0">
+                <a:latin typeface="Times New Roman" panose="02020603050405020304" pitchFamily="18" charset="0"/>
+                <a:cs typeface="Times New Roman" panose="02020603050405020304" pitchFamily="18" charset="0"/>
+              </a:rPr>
+              <a:t>UML DIAGRAMS</a:t>
+            </a:r>
+            <a:br>
+              <a:rPr lang="en-US" sz="4400" b="1" dirty="0">
+                <a:latin typeface="Times New Roman" panose="02020603050405020304" pitchFamily="18" charset="0"/>
+                <a:cs typeface="Times New Roman" panose="02020603050405020304" pitchFamily="18" charset="0"/>
+              </a:rPr>
+            </a:br>
+            <a:r>
+              <a:rPr lang="en-US" sz="3100" b="1" dirty="0">
+                <a:latin typeface="Times New Roman" panose="02020603050405020304" pitchFamily="18" charset="0"/>
+                <a:cs typeface="Times New Roman" panose="02020603050405020304" pitchFamily="18" charset="0"/>
+              </a:rPr>
+              <a:t>USE CASE DIAGRAM</a:t>
+            </a:r>
+            <a:endParaRPr lang="en-IN" sz="3100" b="1" dirty="0">
+              <a:latin typeface="Times New Roman" panose="02020603050405020304" pitchFamily="18" charset="0"/>
+              <a:cs typeface="Times New Roman" panose="02020603050405020304" pitchFamily="18" charset="0"/>
+            </a:endParaRPr>
+          </a:p>
+        </p:txBody>
+      </p:sp>
+      <p:pic>
+        <p:nvPicPr>
+          <p:cNvPr id="5" name="Content Placeholder 4">
+            <a:extLst>
+              <a:ext uri="{FF2B5EF4-FFF2-40B4-BE49-F238E27FC236}">
+                <a16:creationId xmlns:a16="http://schemas.microsoft.com/office/drawing/2014/main" id="{2FFA2779-BB2A-4AB7-95F5-6E88B17CBB4B}"/>
+              </a:ext>
+            </a:extLst>
+          </p:cNvPr>
+          <p:cNvPicPr>
+            <a:picLocks noGrp="1" noChangeAspect="1"/>
+          </p:cNvPicPr>
+          <p:nvPr>
+            <p:ph idx="1"/>
+          </p:nvPr>
+        </p:nvPicPr>
+        <p:blipFill>
+          <a:blip r:embed="rId2"/>
+          <a:stretch>
+            <a:fillRect/>
+          </a:stretch>
+        </p:blipFill>
+        <p:spPr>
+          <a:xfrm>
+            <a:off x="2476870" y="1917699"/>
+            <a:ext cx="9170633" cy="4678409"/>
+          </a:xfrm>
+        </p:spPr>
+      </p:pic>
+    </p:spTree>
+    <p:extLst>
+      <p:ext uri="{BB962C8B-B14F-4D97-AF65-F5344CB8AC3E}">
+        <p14:creationId xmlns:p14="http://schemas.microsoft.com/office/powerpoint/2010/main" val="3926109631"/>
+      </p:ext>
+    </p:extLst>
+  </p:cSld>
+  <p:clrMapOvr>
+    <a:masterClrMapping/>
+  </p:clrMapOvr>
+</p:sld>
+</file>
+
+<file path=ppt/slides/slide11.xml><?xml version="1.0" encoding="utf-8"?>
+<p:sld xmlns:a="http://schemas.openxmlformats.org/drawingml/2006/main" xmlns:r="http://schemas.openxmlformats.org/officeDocument/2006/relationships" xmlns:p="http://schemas.openxmlformats.org/presentationml/2006/main">
+  <p:cSld>
+    <p:spTree>
+      <p:nvGrpSpPr>
+        <p:cNvPr id="1" name=""/>
+        <p:cNvGrpSpPr/>
+        <p:nvPr/>
+      </p:nvGrpSpPr>
+      <p:grpSpPr>
+        <a:xfrm>
+          <a:off x="0" y="0"/>
+          <a:ext cx="0" cy="0"/>
+          <a:chOff x="0" y="0"/>
+          <a:chExt cx="0" cy="0"/>
+        </a:xfrm>
+      </p:grpSpPr>
+      <p:sp>
+        <p:nvSpPr>
+          <p:cNvPr id="2" name="Title 1">
+            <a:extLst>
+              <a:ext uri="{FF2B5EF4-FFF2-40B4-BE49-F238E27FC236}">
+                <a16:creationId xmlns:a16="http://schemas.microsoft.com/office/drawing/2014/main" id="{F02AD415-CA9D-41DE-8DDD-1B4411BAC20F}"/>
+              </a:ext>
+            </a:extLst>
+          </p:cNvPr>
+          <p:cNvSpPr>
+            <a:spLocks noGrp="1"/>
+          </p:cNvSpPr>
+          <p:nvPr>
+            <p:ph type="title"/>
+          </p:nvPr>
+        </p:nvSpPr>
+        <p:spPr>
+          <a:xfrm>
+            <a:off x="1484311" y="124287"/>
+            <a:ext cx="10018713" cy="1438184"/>
+          </a:xfrm>
+        </p:spPr>
+        <p:txBody>
+          <a:bodyPr/>
+          <a:lstStyle/>
+          <a:p>
+            <a:r>
+              <a:rPr lang="en-US" b="1" dirty="0">
+                <a:latin typeface="Times New Roman" panose="02020603050405020304" pitchFamily="18" charset="0"/>
+                <a:cs typeface="Times New Roman" panose="02020603050405020304" pitchFamily="18" charset="0"/>
+              </a:rPr>
+              <a:t>ACTIVITY DIAGRAM</a:t>
+            </a:r>
+            <a:endParaRPr lang="en-IN" b="1" dirty="0">
+              <a:latin typeface="Times New Roman" panose="02020603050405020304" pitchFamily="18" charset="0"/>
+              <a:cs typeface="Times New Roman" panose="02020603050405020304" pitchFamily="18" charset="0"/>
+            </a:endParaRPr>
+          </a:p>
+        </p:txBody>
+      </p:sp>
+      <p:pic>
+        <p:nvPicPr>
+          <p:cNvPr id="5" name="Content Placeholder 4">
+            <a:extLst>
+              <a:ext uri="{FF2B5EF4-FFF2-40B4-BE49-F238E27FC236}">
+                <a16:creationId xmlns:a16="http://schemas.microsoft.com/office/drawing/2014/main" id="{BD71D8CE-730D-42F2-BBCF-C6502F3A9A8E}"/>
+              </a:ext>
+            </a:extLst>
+          </p:cNvPr>
+          <p:cNvPicPr>
+            <a:picLocks noGrp="1" noChangeAspect="1"/>
+          </p:cNvPicPr>
+          <p:nvPr>
+            <p:ph idx="1"/>
+          </p:nvPr>
+        </p:nvPicPr>
+        <p:blipFill>
+          <a:blip r:embed="rId2"/>
+          <a:stretch>
+            <a:fillRect/>
+          </a:stretch>
+        </p:blipFill>
+        <p:spPr>
+          <a:xfrm>
+            <a:off x="2299317" y="1562471"/>
+            <a:ext cx="9445840" cy="4971494"/>
+          </a:xfrm>
+        </p:spPr>
+      </p:pic>
+    </p:spTree>
+    <p:extLst>
+      <p:ext uri="{BB962C8B-B14F-4D97-AF65-F5344CB8AC3E}">
+        <p14:creationId xmlns:p14="http://schemas.microsoft.com/office/powerpoint/2010/main" val="3951707323"/>
+      </p:ext>
+    </p:extLst>
+  </p:cSld>
+  <p:clrMapOvr>
+    <a:masterClrMapping/>
+  </p:clrMapOvr>
+</p:sld>
+</file>
+
+<file path=ppt/slides/slide12.xml><?xml version="1.0" encoding="utf-8"?>
+<p:sld xmlns:a="http://schemas.openxmlformats.org/drawingml/2006/main" xmlns:r="http://schemas.openxmlformats.org/officeDocument/2006/relationships" xmlns:p="http://schemas.openxmlformats.org/presentationml/2006/main">
+  <p:cSld>
+    <p:spTree>
+      <p:nvGrpSpPr>
+        <p:cNvPr id="1" name=""/>
+        <p:cNvGrpSpPr/>
+        <p:nvPr/>
+      </p:nvGrpSpPr>
+      <p:grpSpPr>
+        <a:xfrm>
+          <a:off x="0" y="0"/>
+          <a:ext cx="0" cy="0"/>
+          <a:chOff x="0" y="0"/>
+          <a:chExt cx="0" cy="0"/>
+        </a:xfrm>
+      </p:grpSpPr>
+      <p:sp>
+        <p:nvSpPr>
+          <p:cNvPr id="2" name="Title 1">
+            <a:extLst>
+              <a:ext uri="{FF2B5EF4-FFF2-40B4-BE49-F238E27FC236}">
                 <a16:creationId xmlns:a16="http://schemas.microsoft.com/office/drawing/2014/main" id="{12A432F2-D89B-48D0-9A8E-2DE2C6EB8C06}"/>
               </a:ext>
             </a:extLst>
@@ -6436,7 +6662,205 @@
 </p:sld>
 </file>
 
-<file path=ppt/slides/slide11.xml><?xml version="1.0" encoding="utf-8"?>
+<file path=ppt/slides/slide13.xml><?xml version="1.0" encoding="utf-8"?>
+<p:sld xmlns:a="http://schemas.openxmlformats.org/drawingml/2006/main" xmlns:r="http://schemas.openxmlformats.org/officeDocument/2006/relationships" xmlns:p="http://schemas.openxmlformats.org/presentationml/2006/main">
+  <p:cSld>
+    <p:spTree>
+      <p:nvGrpSpPr>
+        <p:cNvPr id="1" name=""/>
+        <p:cNvGrpSpPr/>
+        <p:nvPr/>
+      </p:nvGrpSpPr>
+      <p:grpSpPr>
+        <a:xfrm>
+          <a:off x="0" y="0"/>
+          <a:ext cx="0" cy="0"/>
+          <a:chOff x="0" y="0"/>
+          <a:chExt cx="0" cy="0"/>
+        </a:xfrm>
+      </p:grpSpPr>
+      <p:sp>
+        <p:nvSpPr>
+          <p:cNvPr id="2" name="Title 1">
+            <a:extLst>
+              <a:ext uri="{FF2B5EF4-FFF2-40B4-BE49-F238E27FC236}">
+                <a16:creationId xmlns:a16="http://schemas.microsoft.com/office/drawing/2014/main" id="{66BC1719-A7A7-4523-AE04-932B3C9B25B4}"/>
+              </a:ext>
+            </a:extLst>
+          </p:cNvPr>
+          <p:cNvSpPr>
+            <a:spLocks noGrp="1"/>
+          </p:cNvSpPr>
+          <p:nvPr>
+            <p:ph type="title"/>
+          </p:nvPr>
+        </p:nvSpPr>
+        <p:spPr>
+          <a:xfrm>
+            <a:off x="1484311" y="213064"/>
+            <a:ext cx="10018713" cy="1278385"/>
+          </a:xfrm>
+        </p:spPr>
+        <p:txBody>
+          <a:bodyPr/>
+          <a:lstStyle/>
+          <a:p>
+            <a:r>
+              <a:rPr lang="en-US" b="1" dirty="0">
+                <a:latin typeface="Times New Roman" panose="02020603050405020304" pitchFamily="18" charset="0"/>
+                <a:cs typeface="Times New Roman" panose="02020603050405020304" pitchFamily="18" charset="0"/>
+              </a:rPr>
+              <a:t>COLLABERATION DIAGRAM</a:t>
+            </a:r>
+            <a:endParaRPr lang="en-IN" b="1" dirty="0">
+              <a:latin typeface="Times New Roman" panose="02020603050405020304" pitchFamily="18" charset="0"/>
+              <a:cs typeface="Times New Roman" panose="02020603050405020304" pitchFamily="18" charset="0"/>
+            </a:endParaRPr>
+          </a:p>
+        </p:txBody>
+      </p:sp>
+      <p:pic>
+        <p:nvPicPr>
+          <p:cNvPr id="5" name="Content Placeholder 4">
+            <a:extLst>
+              <a:ext uri="{FF2B5EF4-FFF2-40B4-BE49-F238E27FC236}">
+                <a16:creationId xmlns:a16="http://schemas.microsoft.com/office/drawing/2014/main" id="{2CF75A87-2174-4683-B104-CFA76B1BA24B}"/>
+              </a:ext>
+            </a:extLst>
+          </p:cNvPr>
+          <p:cNvPicPr>
+            <a:picLocks noGrp="1" noChangeAspect="1"/>
+          </p:cNvPicPr>
+          <p:nvPr>
+            <p:ph idx="1"/>
+          </p:nvPr>
+        </p:nvPicPr>
+        <p:blipFill>
+          <a:blip r:embed="rId2"/>
+          <a:stretch>
+            <a:fillRect/>
+          </a:stretch>
+        </p:blipFill>
+        <p:spPr>
+          <a:xfrm>
+            <a:off x="2041865" y="1322772"/>
+            <a:ext cx="9738804" cy="4856085"/>
+          </a:xfrm>
+        </p:spPr>
+      </p:pic>
+    </p:spTree>
+    <p:extLst>
+      <p:ext uri="{BB962C8B-B14F-4D97-AF65-F5344CB8AC3E}">
+        <p14:creationId xmlns:p14="http://schemas.microsoft.com/office/powerpoint/2010/main" val="2580784549"/>
+      </p:ext>
+    </p:extLst>
+  </p:cSld>
+  <p:clrMapOvr>
+    <a:masterClrMapping/>
+  </p:clrMapOvr>
+</p:sld>
+</file>
+
+<file path=ppt/slides/slide14.xml><?xml version="1.0" encoding="utf-8"?>
+<p:sld xmlns:a="http://schemas.openxmlformats.org/drawingml/2006/main" xmlns:r="http://schemas.openxmlformats.org/officeDocument/2006/relationships" xmlns:p="http://schemas.openxmlformats.org/presentationml/2006/main">
+  <p:cSld>
+    <p:spTree>
+      <p:nvGrpSpPr>
+        <p:cNvPr id="1" name=""/>
+        <p:cNvGrpSpPr/>
+        <p:nvPr/>
+      </p:nvGrpSpPr>
+      <p:grpSpPr>
+        <a:xfrm>
+          <a:off x="0" y="0"/>
+          <a:ext cx="0" cy="0"/>
+          <a:chOff x="0" y="0"/>
+          <a:chExt cx="0" cy="0"/>
+        </a:xfrm>
+      </p:grpSpPr>
+      <p:sp>
+        <p:nvSpPr>
+          <p:cNvPr id="2" name="Title 1">
+            <a:extLst>
+              <a:ext uri="{FF2B5EF4-FFF2-40B4-BE49-F238E27FC236}">
+                <a16:creationId xmlns:a16="http://schemas.microsoft.com/office/drawing/2014/main" id="{C0A31F5E-4FA2-4A87-90E0-7352E50C1582}"/>
+              </a:ext>
+            </a:extLst>
+          </p:cNvPr>
+          <p:cNvSpPr>
+            <a:spLocks noGrp="1"/>
+          </p:cNvSpPr>
+          <p:nvPr>
+            <p:ph type="title"/>
+          </p:nvPr>
+        </p:nvSpPr>
+        <p:spPr>
+          <a:xfrm>
+            <a:off x="1484311" y="71021"/>
+            <a:ext cx="10018713" cy="1331652"/>
+          </a:xfrm>
+        </p:spPr>
+        <p:txBody>
+          <a:bodyPr/>
+          <a:lstStyle/>
+          <a:p>
+            <a:r>
+              <a:rPr lang="en-US" b="1" dirty="0">
+                <a:latin typeface="Times New Roman" panose="02020603050405020304" pitchFamily="18" charset="0"/>
+                <a:cs typeface="Times New Roman" panose="02020603050405020304" pitchFamily="18" charset="0"/>
+              </a:rPr>
+              <a:t>SEQUENCE DIAGRAM</a:t>
+            </a:r>
+            <a:endParaRPr lang="en-IN" b="1" dirty="0">
+              <a:latin typeface="Times New Roman" panose="02020603050405020304" pitchFamily="18" charset="0"/>
+              <a:cs typeface="Times New Roman" panose="02020603050405020304" pitchFamily="18" charset="0"/>
+            </a:endParaRPr>
+          </a:p>
+        </p:txBody>
+      </p:sp>
+      <p:pic>
+        <p:nvPicPr>
+          <p:cNvPr id="5" name="Content Placeholder 4">
+            <a:extLst>
+              <a:ext uri="{FF2B5EF4-FFF2-40B4-BE49-F238E27FC236}">
+                <a16:creationId xmlns:a16="http://schemas.microsoft.com/office/drawing/2014/main" id="{595824CB-136A-467C-87D8-09A3CADC412E}"/>
+              </a:ext>
+            </a:extLst>
+          </p:cNvPr>
+          <p:cNvPicPr>
+            <a:picLocks noGrp="1" noChangeAspect="1"/>
+          </p:cNvPicPr>
+          <p:nvPr>
+            <p:ph idx="1"/>
+          </p:nvPr>
+        </p:nvPicPr>
+        <p:blipFill>
+          <a:blip r:embed="rId2"/>
+          <a:stretch>
+            <a:fillRect/>
+          </a:stretch>
+        </p:blipFill>
+        <p:spPr>
+          <a:xfrm>
+            <a:off x="2228295" y="1402672"/>
+            <a:ext cx="9392575" cy="5033639"/>
+          </a:xfrm>
+        </p:spPr>
+      </p:pic>
+    </p:spTree>
+    <p:extLst>
+      <p:ext uri="{BB962C8B-B14F-4D97-AF65-F5344CB8AC3E}">
+        <p14:creationId xmlns:p14="http://schemas.microsoft.com/office/powerpoint/2010/main" val="2691927280"/>
+      </p:ext>
+    </p:extLst>
+  </p:cSld>
+  <p:clrMapOvr>
+    <a:masterClrMapping/>
+  </p:clrMapOvr>
+</p:sld>
+</file>
+
+<file path=ppt/slides/slide15.xml><?xml version="1.0" encoding="utf-8"?>
 <p:sld xmlns:a="http://schemas.openxmlformats.org/drawingml/2006/main" xmlns:r="http://schemas.openxmlformats.org/officeDocument/2006/relationships" xmlns:p="http://schemas.openxmlformats.org/presentationml/2006/main">
   <p:cSld>
     <p:spTree>
@@ -7216,604 +7640,6 @@
 </p:sld>
 </file>
 
-<file path=ppt/slides/slide12.xml><?xml version="1.0" encoding="utf-8"?>
-<p:sld xmlns:a="http://schemas.openxmlformats.org/drawingml/2006/main" xmlns:r="http://schemas.openxmlformats.org/officeDocument/2006/relationships" xmlns:p="http://schemas.openxmlformats.org/presentationml/2006/main">
-  <p:cSld>
-    <p:spTree>
-      <p:nvGrpSpPr>
-        <p:cNvPr id="1" name=""/>
-        <p:cNvGrpSpPr/>
-        <p:nvPr/>
-      </p:nvGrpSpPr>
-      <p:grpSpPr>
-        <a:xfrm>
-          <a:off x="0" y="0"/>
-          <a:ext cx="0" cy="0"/>
-          <a:chOff x="0" y="0"/>
-          <a:chExt cx="0" cy="0"/>
-        </a:xfrm>
-      </p:grpSpPr>
-      <p:sp>
-        <p:nvSpPr>
-          <p:cNvPr id="2" name="Title 1">
-            <a:extLst>
-              <a:ext uri="{FF2B5EF4-FFF2-40B4-BE49-F238E27FC236}">
-                <a16:creationId xmlns:a16="http://schemas.microsoft.com/office/drawing/2014/main" id="{DD759E9C-650E-4036-BC9B-4AA3A4C189A1}"/>
-              </a:ext>
-            </a:extLst>
-          </p:cNvPr>
-          <p:cNvSpPr>
-            <a:spLocks noGrp="1"/>
-          </p:cNvSpPr>
-          <p:nvPr>
-            <p:ph type="title"/>
-          </p:nvPr>
-        </p:nvSpPr>
-        <p:spPr>
-          <a:xfrm>
-            <a:off x="1484311" y="310717"/>
-            <a:ext cx="10018713" cy="1615737"/>
-          </a:xfrm>
-        </p:spPr>
-        <p:txBody>
-          <a:bodyPr/>
-          <a:lstStyle/>
-          <a:p>
-            <a:r>
-              <a:rPr lang="en-US" b="1" dirty="0">
-                <a:latin typeface="Times New Roman" panose="02020603050405020304" pitchFamily="18" charset="0"/>
-                <a:cs typeface="Times New Roman" panose="02020603050405020304" pitchFamily="18" charset="0"/>
-              </a:rPr>
-              <a:t>MODULE DESCRIPTION</a:t>
-            </a:r>
-            <a:endParaRPr lang="en-IN" dirty="0"/>
-          </a:p>
-        </p:txBody>
-      </p:sp>
-      <p:sp>
-        <p:nvSpPr>
-          <p:cNvPr id="3" name="Content Placeholder 2">
-            <a:extLst>
-              <a:ext uri="{FF2B5EF4-FFF2-40B4-BE49-F238E27FC236}">
-                <a16:creationId xmlns:a16="http://schemas.microsoft.com/office/drawing/2014/main" id="{DA79BAF2-60E5-4902-A349-F81800F7910A}"/>
-              </a:ext>
-            </a:extLst>
-          </p:cNvPr>
-          <p:cNvSpPr>
-            <a:spLocks noGrp="1"/>
-          </p:cNvSpPr>
-          <p:nvPr>
-            <p:ph idx="1"/>
-          </p:nvPr>
-        </p:nvSpPr>
-        <p:spPr>
-          <a:xfrm>
-            <a:off x="1484310" y="2201663"/>
-            <a:ext cx="10018713" cy="3589538"/>
-          </a:xfrm>
-        </p:spPr>
-        <p:txBody>
-          <a:bodyPr anchor="t"/>
-          <a:lstStyle/>
-          <a:p>
-            <a:pPr lvl="0" algn="just"/>
-            <a:r>
-              <a:rPr lang="en-US" sz="2800" dirty="0">
-                <a:latin typeface="Times New Roman" pitchFamily="18" charset="0"/>
-                <a:cs typeface="Times New Roman" pitchFamily="18" charset="0"/>
-              </a:rPr>
-              <a:t>Server Configuration</a:t>
-            </a:r>
-          </a:p>
-          <a:p>
-            <a:pPr lvl="0" algn="just"/>
-            <a:r>
-              <a:rPr lang="en-US" sz="2800" dirty="0">
-                <a:latin typeface="Times New Roman" pitchFamily="18" charset="0"/>
-                <a:cs typeface="Times New Roman" pitchFamily="18" charset="0"/>
-              </a:rPr>
-              <a:t>Data Upload and Block Split</a:t>
-            </a:r>
-          </a:p>
-          <a:p>
-            <a:pPr lvl="0" algn="just"/>
-            <a:r>
-              <a:rPr lang="en-US" sz="2800" dirty="0">
-                <a:latin typeface="Times New Roman" pitchFamily="18" charset="0"/>
-                <a:cs typeface="Times New Roman" pitchFamily="18" charset="0"/>
-              </a:rPr>
-              <a:t>Data Integrity Checking and Update </a:t>
-            </a:r>
-          </a:p>
-          <a:p>
-            <a:pPr lvl="0" algn="just"/>
-            <a:r>
-              <a:rPr lang="en-US" sz="2800" dirty="0">
-                <a:latin typeface="Times New Roman" pitchFamily="18" charset="0"/>
-                <a:cs typeface="Times New Roman" pitchFamily="18" charset="0"/>
-              </a:rPr>
-              <a:t>File Recovery and Certificate Generation</a:t>
-            </a:r>
-          </a:p>
-          <a:p>
-            <a:endParaRPr lang="en-IN" sz="2800" dirty="0"/>
-          </a:p>
-          <a:p>
-            <a:endParaRPr lang="en-IN" dirty="0"/>
-          </a:p>
-        </p:txBody>
-      </p:sp>
-    </p:spTree>
-    <p:extLst>
-      <p:ext uri="{BB962C8B-B14F-4D97-AF65-F5344CB8AC3E}">
-        <p14:creationId xmlns:p14="http://schemas.microsoft.com/office/powerpoint/2010/main" val="3512129785"/>
-      </p:ext>
-    </p:extLst>
-  </p:cSld>
-  <p:clrMapOvr>
-    <a:masterClrMapping/>
-  </p:clrMapOvr>
-</p:sld>
-</file>
-
-<file path=ppt/slides/slide13.xml><?xml version="1.0" encoding="utf-8"?>
-<p:sld xmlns:a="http://schemas.openxmlformats.org/drawingml/2006/main" xmlns:r="http://schemas.openxmlformats.org/officeDocument/2006/relationships" xmlns:p="http://schemas.openxmlformats.org/presentationml/2006/main">
-  <p:cSld>
-    <p:spTree>
-      <p:nvGrpSpPr>
-        <p:cNvPr id="1" name=""/>
-        <p:cNvGrpSpPr/>
-        <p:nvPr/>
-      </p:nvGrpSpPr>
-      <p:grpSpPr>
-        <a:xfrm>
-          <a:off x="0" y="0"/>
-          <a:ext cx="0" cy="0"/>
-          <a:chOff x="0" y="0"/>
-          <a:chExt cx="0" cy="0"/>
-        </a:xfrm>
-      </p:grpSpPr>
-      <p:sp>
-        <p:nvSpPr>
-          <p:cNvPr id="2" name="Title 1">
-            <a:extLst>
-              <a:ext uri="{FF2B5EF4-FFF2-40B4-BE49-F238E27FC236}">
-                <a16:creationId xmlns:a16="http://schemas.microsoft.com/office/drawing/2014/main" id="{02526D54-BF97-451B-8344-344B57F42FE5}"/>
-              </a:ext>
-            </a:extLst>
-          </p:cNvPr>
-          <p:cNvSpPr>
-            <a:spLocks noGrp="1"/>
-          </p:cNvSpPr>
-          <p:nvPr>
-            <p:ph type="title"/>
-          </p:nvPr>
-        </p:nvSpPr>
-        <p:spPr>
-          <a:xfrm>
-            <a:off x="1484311" y="1"/>
-            <a:ext cx="10018713" cy="1669002"/>
-          </a:xfrm>
-        </p:spPr>
-        <p:txBody>
-          <a:bodyPr/>
-          <a:lstStyle/>
-          <a:p>
-            <a:r>
-              <a:rPr lang="en-US" b="1" dirty="0">
-                <a:latin typeface="Times New Roman" pitchFamily="18" charset="0"/>
-                <a:cs typeface="Times New Roman" pitchFamily="18" charset="0"/>
-              </a:rPr>
-              <a:t>Server Configuration</a:t>
-            </a:r>
-            <a:endParaRPr lang="en-IN" dirty="0"/>
-          </a:p>
-        </p:txBody>
-      </p:sp>
-      <p:sp>
-        <p:nvSpPr>
-          <p:cNvPr id="3" name="Content Placeholder 2">
-            <a:extLst>
-              <a:ext uri="{FF2B5EF4-FFF2-40B4-BE49-F238E27FC236}">
-                <a16:creationId xmlns:a16="http://schemas.microsoft.com/office/drawing/2014/main" id="{555FCB28-DB9F-4677-B80F-E078EFC543E8}"/>
-              </a:ext>
-            </a:extLst>
-          </p:cNvPr>
-          <p:cNvSpPr>
-            <a:spLocks noGrp="1"/>
-          </p:cNvSpPr>
-          <p:nvPr>
-            <p:ph idx="1"/>
-          </p:nvPr>
-        </p:nvSpPr>
-        <p:spPr>
-          <a:xfrm>
-            <a:off x="1484310" y="1811045"/>
-            <a:ext cx="10018713" cy="3980156"/>
-          </a:xfrm>
-        </p:spPr>
-        <p:txBody>
-          <a:bodyPr anchor="t"/>
-          <a:lstStyle/>
-          <a:p>
-            <a:pPr algn="just"/>
-            <a:r>
-              <a:rPr lang="en-US" sz="2400" dirty="0">
-                <a:latin typeface="Times New Roman" pitchFamily="18" charset="0"/>
-                <a:cs typeface="Times New Roman" pitchFamily="18" charset="0"/>
-              </a:rPr>
-              <a:t>Admin configure Multi-Cloud server setup. Server IP Address and Port number is given by the admin for each Cloud. Now a Server Architecture is created for Multi-Cloud Storage. </a:t>
-            </a:r>
-          </a:p>
-          <a:p>
-            <a:pPr algn="just"/>
-            <a:r>
-              <a:rPr lang="en-US" sz="2400" dirty="0">
-                <a:latin typeface="Times New Roman" pitchFamily="18" charset="0"/>
-                <a:cs typeface="Times New Roman" pitchFamily="18" charset="0"/>
-              </a:rPr>
-              <a:t>If the admin has to reconfigure the old Multi-Cloud server setup, it can be done. For old server setup, FAT file can be modified or remain same. </a:t>
-            </a:r>
-          </a:p>
-          <a:p>
-            <a:pPr algn="just"/>
-            <a:r>
-              <a:rPr lang="en-US" sz="2400" dirty="0">
-                <a:latin typeface="Times New Roman" pitchFamily="18" charset="0"/>
-                <a:cs typeface="Times New Roman" pitchFamily="18" charset="0"/>
-              </a:rPr>
-              <a:t>Audit time will be set by the admin for Data Integrity checking process.</a:t>
-            </a:r>
-          </a:p>
-          <a:p>
-            <a:pPr algn="just"/>
-            <a:endParaRPr lang="en-US" sz="2400" dirty="0">
-              <a:latin typeface="Times New Roman" pitchFamily="18" charset="0"/>
-              <a:cs typeface="Times New Roman" pitchFamily="18" charset="0"/>
-            </a:endParaRPr>
-          </a:p>
-        </p:txBody>
-      </p:sp>
-    </p:spTree>
-    <p:extLst>
-      <p:ext uri="{BB962C8B-B14F-4D97-AF65-F5344CB8AC3E}">
-        <p14:creationId xmlns:p14="http://schemas.microsoft.com/office/powerpoint/2010/main" val="2992501368"/>
-      </p:ext>
-    </p:extLst>
-  </p:cSld>
-  <p:clrMapOvr>
-    <a:masterClrMapping/>
-  </p:clrMapOvr>
-</p:sld>
-</file>
-
-<file path=ppt/slides/slide14.xml><?xml version="1.0" encoding="utf-8"?>
-<p:sld xmlns:a="http://schemas.openxmlformats.org/drawingml/2006/main" xmlns:r="http://schemas.openxmlformats.org/officeDocument/2006/relationships" xmlns:p="http://schemas.openxmlformats.org/presentationml/2006/main">
-  <p:cSld>
-    <p:spTree>
-      <p:nvGrpSpPr>
-        <p:cNvPr id="1" name=""/>
-        <p:cNvGrpSpPr/>
-        <p:nvPr/>
-      </p:nvGrpSpPr>
-      <p:grpSpPr>
-        <a:xfrm>
-          <a:off x="0" y="0"/>
-          <a:ext cx="0" cy="0"/>
-          <a:chOff x="0" y="0"/>
-          <a:chExt cx="0" cy="0"/>
-        </a:xfrm>
-      </p:grpSpPr>
-      <p:sp>
-        <p:nvSpPr>
-          <p:cNvPr id="2" name="Title 1">
-            <a:extLst>
-              <a:ext uri="{FF2B5EF4-FFF2-40B4-BE49-F238E27FC236}">
-                <a16:creationId xmlns:a16="http://schemas.microsoft.com/office/drawing/2014/main" id="{BFBD9BBB-5CC9-4A26-8D32-BBA7521B702F}"/>
-              </a:ext>
-            </a:extLst>
-          </p:cNvPr>
-          <p:cNvSpPr>
-            <a:spLocks noGrp="1"/>
-          </p:cNvSpPr>
-          <p:nvPr>
-            <p:ph type="title"/>
-          </p:nvPr>
-        </p:nvSpPr>
-        <p:spPr>
-          <a:xfrm>
-            <a:off x="1297879" y="1"/>
-            <a:ext cx="10018713" cy="1393794"/>
-          </a:xfrm>
-        </p:spPr>
-        <p:txBody>
-          <a:bodyPr/>
-          <a:lstStyle/>
-          <a:p>
-            <a:r>
-              <a:rPr lang="en-US" sz="4000" b="1" dirty="0">
-                <a:latin typeface="Times New Roman" pitchFamily="18" charset="0"/>
-                <a:cs typeface="Times New Roman" pitchFamily="18" charset="0"/>
-              </a:rPr>
-              <a:t>Data Upload and Block Split</a:t>
-            </a:r>
-            <a:endParaRPr lang="en-IN" dirty="0"/>
-          </a:p>
-        </p:txBody>
-      </p:sp>
-      <p:sp>
-        <p:nvSpPr>
-          <p:cNvPr id="3" name="Content Placeholder 2">
-            <a:extLst>
-              <a:ext uri="{FF2B5EF4-FFF2-40B4-BE49-F238E27FC236}">
-                <a16:creationId xmlns:a16="http://schemas.microsoft.com/office/drawing/2014/main" id="{AE516A74-23BA-4F71-8A34-69A1F833ED27}"/>
-              </a:ext>
-            </a:extLst>
-          </p:cNvPr>
-          <p:cNvSpPr>
-            <a:spLocks noGrp="1"/>
-          </p:cNvSpPr>
-          <p:nvPr>
-            <p:ph idx="1"/>
-          </p:nvPr>
-        </p:nvSpPr>
-        <p:spPr>
-          <a:xfrm>
-            <a:off x="1484310" y="1393795"/>
-            <a:ext cx="10018713" cy="5149048"/>
-          </a:xfrm>
-        </p:spPr>
-        <p:txBody>
-          <a:bodyPr anchor="t"/>
-          <a:lstStyle/>
-          <a:p>
-            <a:r>
-              <a:rPr lang="en-US" sz="2800" dirty="0">
-                <a:latin typeface="Times New Roman" pitchFamily="18" charset="0"/>
-                <a:cs typeface="Times New Roman" pitchFamily="18" charset="0"/>
-              </a:rPr>
-              <a:t> User has an initial level Registration Process at the web end. The users provide their own personal information for this process.</a:t>
-            </a:r>
-          </a:p>
-          <a:p>
-            <a:r>
-              <a:rPr lang="en-US" sz="2800" dirty="0">
-                <a:latin typeface="Times New Roman" pitchFamily="18" charset="0"/>
-                <a:cs typeface="Times New Roman" pitchFamily="18" charset="0"/>
-              </a:rPr>
-              <a:t> The server in turn stores the information in its database. After Registration, user can upload files to the server. </a:t>
-            </a:r>
-          </a:p>
-          <a:p>
-            <a:r>
-              <a:rPr lang="en-US" sz="2800" dirty="0">
-                <a:latin typeface="Times New Roman" pitchFamily="18" charset="0"/>
-                <a:cs typeface="Times New Roman" pitchFamily="18" charset="0"/>
-              </a:rPr>
-              <a:t>Uploaded files will be stored in a Server. When the user upload the data to different cloud by the time it is </a:t>
-            </a:r>
-            <a:r>
-              <a:rPr lang="en-US" sz="2800" dirty="0" err="1">
-                <a:latin typeface="Times New Roman" pitchFamily="18" charset="0"/>
-                <a:cs typeface="Times New Roman" pitchFamily="18" charset="0"/>
-              </a:rPr>
-              <a:t>splitted</a:t>
-            </a:r>
-            <a:r>
-              <a:rPr lang="en-US" sz="2800" dirty="0">
-                <a:latin typeface="Times New Roman" pitchFamily="18" charset="0"/>
-                <a:cs typeface="Times New Roman" pitchFamily="18" charset="0"/>
-              </a:rPr>
-              <a:t> into different blocks using dynamic block generation Algorithm and each block will be appended with Signatures before storing the data in FATFS.</a:t>
-            </a:r>
-          </a:p>
-          <a:p>
-            <a:r>
-              <a:rPr lang="en-US" sz="2800" dirty="0">
-                <a:latin typeface="Times New Roman" pitchFamily="18" charset="0"/>
-                <a:cs typeface="Times New Roman" pitchFamily="18" charset="0"/>
-              </a:rPr>
-              <a:t>Signature generated using MD5 Algorithm. Also the data gets encoded using for Base64 Algorithm.</a:t>
-            </a:r>
-          </a:p>
-          <a:p>
-            <a:endParaRPr lang="en-IN" dirty="0">
-              <a:latin typeface="Times New Roman" panose="02020603050405020304" pitchFamily="18" charset="0"/>
-              <a:cs typeface="Times New Roman" panose="02020603050405020304" pitchFamily="18" charset="0"/>
-            </a:endParaRPr>
-          </a:p>
-        </p:txBody>
-      </p:sp>
-    </p:spTree>
-    <p:extLst>
-      <p:ext uri="{BB962C8B-B14F-4D97-AF65-F5344CB8AC3E}">
-        <p14:creationId xmlns:p14="http://schemas.microsoft.com/office/powerpoint/2010/main" val="2260880273"/>
-      </p:ext>
-    </p:extLst>
-  </p:cSld>
-  <p:clrMapOvr>
-    <a:masterClrMapping/>
-  </p:clrMapOvr>
-</p:sld>
-</file>
-
-<file path=ppt/slides/slide15.xml><?xml version="1.0" encoding="utf-8"?>
-<p:sld xmlns:a="http://schemas.openxmlformats.org/drawingml/2006/main" xmlns:r="http://schemas.openxmlformats.org/officeDocument/2006/relationships" xmlns:p="http://schemas.openxmlformats.org/presentationml/2006/main">
-  <p:cSld>
-    <p:spTree>
-      <p:nvGrpSpPr>
-        <p:cNvPr id="1" name=""/>
-        <p:cNvGrpSpPr/>
-        <p:nvPr/>
-      </p:nvGrpSpPr>
-      <p:grpSpPr>
-        <a:xfrm>
-          <a:off x="0" y="0"/>
-          <a:ext cx="0" cy="0"/>
-          <a:chOff x="0" y="0"/>
-          <a:chExt cx="0" cy="0"/>
-        </a:xfrm>
-      </p:grpSpPr>
-      <p:sp>
-        <p:nvSpPr>
-          <p:cNvPr id="2" name="Title 1">
-            <a:extLst>
-              <a:ext uri="{FF2B5EF4-FFF2-40B4-BE49-F238E27FC236}">
-                <a16:creationId xmlns:a16="http://schemas.microsoft.com/office/drawing/2014/main" id="{6CB15F2A-99B1-46B3-A44A-F7DC8BE0313A}"/>
-              </a:ext>
-            </a:extLst>
-          </p:cNvPr>
-          <p:cNvSpPr>
-            <a:spLocks noGrp="1"/>
-          </p:cNvSpPr>
-          <p:nvPr>
-            <p:ph type="title"/>
-          </p:nvPr>
-        </p:nvSpPr>
-        <p:spPr>
-          <a:xfrm>
-            <a:off x="1484311" y="213064"/>
-            <a:ext cx="10018713" cy="1473693"/>
-          </a:xfrm>
-        </p:spPr>
-        <p:txBody>
-          <a:bodyPr>
-            <a:normAutofit/>
-          </a:bodyPr>
-          <a:lstStyle/>
-          <a:p>
-            <a:r>
-              <a:rPr lang="en-US" b="1" dirty="0">
-                <a:latin typeface="Times New Roman" pitchFamily="18" charset="0"/>
-                <a:cs typeface="Times New Roman" pitchFamily="18" charset="0"/>
-              </a:rPr>
-              <a:t>Data Integrity Checking and Update</a:t>
-            </a:r>
-            <a:br>
-              <a:rPr lang="en-US" dirty="0">
-                <a:latin typeface="Times New Roman" pitchFamily="18" charset="0"/>
-                <a:cs typeface="Times New Roman" pitchFamily="18" charset="0"/>
-              </a:rPr>
-            </a:br>
-            <a:endParaRPr lang="en-IN" dirty="0"/>
-          </a:p>
-        </p:txBody>
-      </p:sp>
-      <p:sp>
-        <p:nvSpPr>
-          <p:cNvPr id="3" name="Content Placeholder 2">
-            <a:extLst>
-              <a:ext uri="{FF2B5EF4-FFF2-40B4-BE49-F238E27FC236}">
-                <a16:creationId xmlns:a16="http://schemas.microsoft.com/office/drawing/2014/main" id="{0F0BEF39-47A0-43F4-B7A8-F145F83BD33E}"/>
-              </a:ext>
-            </a:extLst>
-          </p:cNvPr>
-          <p:cNvSpPr>
-            <a:spLocks noGrp="1"/>
-          </p:cNvSpPr>
-          <p:nvPr>
-            <p:ph idx="1"/>
-          </p:nvPr>
-        </p:nvSpPr>
-        <p:spPr>
-          <a:xfrm>
-            <a:off x="1484310" y="1455939"/>
-            <a:ext cx="10018713" cy="4335262"/>
-          </a:xfrm>
-        </p:spPr>
-        <p:txBody>
-          <a:bodyPr anchor="t">
-            <a:normAutofit fontScale="92500" lnSpcReduction="20000"/>
-          </a:bodyPr>
-          <a:lstStyle/>
-          <a:p>
-            <a:pPr algn="just"/>
-            <a:r>
-              <a:rPr lang="en-US" sz="2200" dirty="0">
-                <a:latin typeface="Times New Roman" pitchFamily="18" charset="0"/>
-                <a:cs typeface="Times New Roman" pitchFamily="18" charset="0"/>
-              </a:rPr>
-              <a:t>FATFS has proper Indexing and Metadata’s for the different Chunks of the Data that is being uploaded by User. Verifier performs Remote Integrity Checking on Cloud Data.</a:t>
-            </a:r>
-          </a:p>
-          <a:p>
-            <a:pPr algn="just"/>
-            <a:r>
-              <a:rPr lang="en-US" sz="2200" dirty="0">
-                <a:latin typeface="Times New Roman" pitchFamily="18" charset="0"/>
-                <a:cs typeface="Times New Roman" pitchFamily="18" charset="0"/>
-              </a:rPr>
-              <a:t> Cloud allocates random combination of all the blocks to the Verifier, instead of the whole file is retrieved during integrity checking. This is to protect user privacy from a third party (Verifier). </a:t>
-            </a:r>
-          </a:p>
-          <a:p>
-            <a:pPr algn="just"/>
-            <a:r>
-              <a:rPr lang="en-US" sz="2200" dirty="0">
-                <a:latin typeface="Times New Roman" pitchFamily="18" charset="0"/>
-                <a:cs typeface="Times New Roman" pitchFamily="18" charset="0"/>
-              </a:rPr>
-              <a:t>Verifiable Data Integrity Checking Algorithm is done in two steps: Block Checking and File Checking. In Block Checking step: Three signatures are generated for Block level Checking. </a:t>
-            </a:r>
-          </a:p>
-          <a:p>
-            <a:pPr lvl="0" algn="just"/>
-            <a:r>
-              <a:rPr lang="en-US" dirty="0">
-                <a:latin typeface="Times New Roman" pitchFamily="18" charset="0"/>
-                <a:cs typeface="Times New Roman" pitchFamily="18" charset="0"/>
-              </a:rPr>
-              <a:t>A signature of a block retrieved from a FATFS</a:t>
-            </a:r>
-          </a:p>
-          <a:p>
-            <a:pPr lvl="0" algn="just"/>
-            <a:r>
-              <a:rPr lang="en-US" dirty="0">
-                <a:latin typeface="Times New Roman" pitchFamily="18" charset="0"/>
-                <a:cs typeface="Times New Roman" pitchFamily="18" charset="0"/>
-              </a:rPr>
-              <a:t>A new signature is generated for block to be checked</a:t>
-            </a:r>
-          </a:p>
-          <a:p>
-            <a:pPr lvl="0" algn="just"/>
-            <a:r>
-              <a:rPr lang="en-US" dirty="0">
-                <a:latin typeface="Times New Roman" pitchFamily="18" charset="0"/>
-                <a:cs typeface="Times New Roman" pitchFamily="18" charset="0"/>
-              </a:rPr>
-              <a:t>A Signature is retrieved from the block appended with the signature which is stored in the Cloud</a:t>
-            </a:r>
-          </a:p>
-          <a:p>
-            <a:pPr algn="just"/>
-            <a:r>
-              <a:rPr lang="en-US" dirty="0">
-                <a:latin typeface="Times New Roman" pitchFamily="18" charset="0"/>
-                <a:cs typeface="Times New Roman" pitchFamily="18" charset="0"/>
-              </a:rPr>
-              <a:t>The above three signatures are cross checked for Block level Integrity Checking. And the block contents are appended to verify with File level Integrity Checking.  </a:t>
-            </a:r>
-          </a:p>
-          <a:p>
-            <a:endParaRPr lang="en-IN" dirty="0"/>
-          </a:p>
-        </p:txBody>
-      </p:sp>
-    </p:spTree>
-    <p:extLst>
-      <p:ext uri="{BB962C8B-B14F-4D97-AF65-F5344CB8AC3E}">
-        <p14:creationId xmlns:p14="http://schemas.microsoft.com/office/powerpoint/2010/main" val="688330321"/>
-      </p:ext>
-    </p:extLst>
-  </p:cSld>
-  <p:clrMapOvr>
-    <a:masterClrMapping/>
-  </p:clrMapOvr>
-</p:sld>
-</file>
-
 <file path=ppt/slides/slide16.xml><?xml version="1.0" encoding="utf-8"?>
 <p:sld xmlns:a="http://schemas.openxmlformats.org/drawingml/2006/main" xmlns:r="http://schemas.openxmlformats.org/officeDocument/2006/relationships" xmlns:p="http://schemas.openxmlformats.org/presentationml/2006/main">
   <p:cSld>
@@ -7836,7 +7662,7 @@
           <p:cNvPr id="2" name="Title 1">
             <a:extLst>
               <a:ext uri="{FF2B5EF4-FFF2-40B4-BE49-F238E27FC236}">
-                <a16:creationId xmlns:a16="http://schemas.microsoft.com/office/drawing/2014/main" id="{88ABAB9D-3AF8-46FA-B010-E259BC02A1F0}"/>
+                <a16:creationId xmlns:a16="http://schemas.microsoft.com/office/drawing/2014/main" id="{DD759E9C-650E-4036-BC9B-4AA3A4C189A1}"/>
               </a:ext>
             </a:extLst>
           </p:cNvPr>
@@ -7849,29 +7675,21 @@
         </p:nvSpPr>
         <p:spPr>
           <a:xfrm>
-            <a:off x="1484311" y="559293"/>
-            <a:ext cx="10018713" cy="914400"/>
+            <a:off x="1484311" y="310717"/>
+            <a:ext cx="10018713" cy="1615737"/>
           </a:xfrm>
         </p:spPr>
         <p:txBody>
-          <a:bodyPr>
-            <a:normAutofit fontScale="90000"/>
-          </a:bodyPr>
+          <a:bodyPr/>
           <a:lstStyle/>
           <a:p>
             <a:r>
-              <a:rPr lang="en-US" sz="4000" b="1" dirty="0">
-                <a:latin typeface="Times New Roman" pitchFamily="18" charset="0"/>
-                <a:cs typeface="Times New Roman" pitchFamily="18" charset="0"/>
-              </a:rPr>
-              <a:t>File Recovery and Certificate Generation</a:t>
-            </a:r>
-            <a:br>
-              <a:rPr lang="en-US" sz="4000" dirty="0">
-                <a:latin typeface="Times New Roman" pitchFamily="18" charset="0"/>
-                <a:cs typeface="Times New Roman" pitchFamily="18" charset="0"/>
-              </a:rPr>
-            </a:br>
+              <a:rPr lang="en-US" b="1" dirty="0">
+                <a:latin typeface="Times New Roman" panose="02020603050405020304" pitchFamily="18" charset="0"/>
+                <a:cs typeface="Times New Roman" panose="02020603050405020304" pitchFamily="18" charset="0"/>
+              </a:rPr>
+              <a:t>MODULE DESCRIPTION</a:t>
+            </a:r>
             <a:endParaRPr lang="en-IN" dirty="0"/>
           </a:p>
         </p:txBody>
@@ -7881,7 +7699,7 @@
           <p:cNvPr id="3" name="Content Placeholder 2">
             <a:extLst>
               <a:ext uri="{FF2B5EF4-FFF2-40B4-BE49-F238E27FC236}">
-                <a16:creationId xmlns:a16="http://schemas.microsoft.com/office/drawing/2014/main" id="{BB500CF3-BEFC-41F8-9377-F948CE9F5671}"/>
+                <a16:creationId xmlns:a16="http://schemas.microsoft.com/office/drawing/2014/main" id="{DA79BAF2-60E5-4902-A349-F81800F7910A}"/>
               </a:ext>
             </a:extLst>
           </p:cNvPr>
@@ -7894,66 +7712,55 @@
         </p:nvSpPr>
         <p:spPr>
           <a:xfrm>
-            <a:off x="1484310" y="1748901"/>
-            <a:ext cx="10018713" cy="4042299"/>
+            <a:off x="1484310" y="2201663"/>
+            <a:ext cx="10018713" cy="3589538"/>
           </a:xfrm>
         </p:spPr>
         <p:txBody>
-          <a:bodyPr anchor="t">
-            <a:normAutofit fontScale="92500" lnSpcReduction="20000"/>
-          </a:bodyPr>
+          <a:bodyPr anchor="t"/>
           <a:lstStyle/>
           <a:p>
-            <a:r>
-              <a:rPr lang="en-US" dirty="0">
+            <a:pPr lvl="0" algn="just"/>
+            <a:r>
+              <a:rPr lang="en-US" sz="2800" dirty="0">
                 <a:latin typeface="Times New Roman" pitchFamily="18" charset="0"/>
                 <a:cs typeface="Times New Roman" pitchFamily="18" charset="0"/>
               </a:rPr>
-              <a:t>Attacker can corrupt data in any one of the cloud servers. On Data Integrity Checking done by the Verifier, Verifier informs Corrupted blocks to the Cloud. Recovery Process will be done by the verifier automatically when data gets corrupted. </a:t>
-            </a:r>
-          </a:p>
-          <a:p>
-            <a:r>
-              <a:rPr lang="en-US" dirty="0">
+              <a:t>Server Configuration</a:t>
+            </a:r>
+          </a:p>
+          <a:p>
+            <a:pPr lvl="0" algn="just"/>
+            <a:r>
+              <a:rPr lang="en-US" sz="2800" dirty="0">
                 <a:latin typeface="Times New Roman" pitchFamily="18" charset="0"/>
                 <a:cs typeface="Times New Roman" pitchFamily="18" charset="0"/>
               </a:rPr>
-              <a:t>User can complaint to the Cloud if the user file get corrupted (Verifier doesn’t perform checking on this file).</a:t>
-            </a:r>
-          </a:p>
-          <a:p>
-            <a:r>
-              <a:rPr lang="en-US" dirty="0">
+              <a:t>Data Upload and Block Split</a:t>
+            </a:r>
+          </a:p>
+          <a:p>
+            <a:pPr lvl="0" algn="just"/>
+            <a:r>
+              <a:rPr lang="en-US" sz="2800" dirty="0">
                 <a:latin typeface="Times New Roman" pitchFamily="18" charset="0"/>
                 <a:cs typeface="Times New Roman" pitchFamily="18" charset="0"/>
               </a:rPr>
-              <a:t>Whenever user access file, Blocks will be reallocated dynamically to provide access confidentiality in cloud and FAT File System will get updated.</a:t>
-            </a:r>
-            <a:r>
-              <a:rPr lang="en-US" b="1" dirty="0">
+              <a:t>Data Integrity Checking and Update </a:t>
+            </a:r>
+          </a:p>
+          <a:p>
+            <a:pPr lvl="0" algn="just"/>
+            <a:r>
+              <a:rPr lang="en-US" sz="2800" dirty="0">
                 <a:latin typeface="Times New Roman" pitchFamily="18" charset="0"/>
                 <a:cs typeface="Times New Roman" pitchFamily="18" charset="0"/>
               </a:rPr>
-              <a:t> </a:t>
-            </a:r>
-          </a:p>
-          <a:p>
-            <a:r>
-              <a:rPr lang="en-US" dirty="0">
-                <a:latin typeface="Times New Roman" pitchFamily="18" charset="0"/>
-                <a:cs typeface="Times New Roman" pitchFamily="18" charset="0"/>
-              </a:rPr>
-              <a:t>Auditor will monitor the cloud continuously and they provide the certificate based on the cloud performance. </a:t>
-            </a:r>
-          </a:p>
-          <a:p>
-            <a:r>
-              <a:rPr lang="en-US" dirty="0">
-                <a:latin typeface="Times New Roman" pitchFamily="18" charset="0"/>
-                <a:cs typeface="Times New Roman" pitchFamily="18" charset="0"/>
-              </a:rPr>
-              <a:t>When new user join in the cloud they will read the certificate and then they can create an account in the cloud. </a:t>
-            </a:r>
+              <a:t>File Recovery and Certificate Generation</a:t>
+            </a:r>
+          </a:p>
+          <a:p>
+            <a:endParaRPr lang="en-IN" sz="2800" dirty="0"/>
           </a:p>
           <a:p>
             <a:endParaRPr lang="en-IN" dirty="0"/>
@@ -7963,7 +7770,7 @@
     </p:spTree>
     <p:extLst>
       <p:ext uri="{BB962C8B-B14F-4D97-AF65-F5344CB8AC3E}">
-        <p14:creationId xmlns:p14="http://schemas.microsoft.com/office/powerpoint/2010/main" val="934747386"/>
+        <p14:creationId xmlns:p14="http://schemas.microsoft.com/office/powerpoint/2010/main" val="3512129785"/>
       </p:ext>
     </p:extLst>
   </p:cSld>
@@ -7995,7 +7802,7 @@
           <p:cNvPr id="2" name="Title 1">
             <a:extLst>
               <a:ext uri="{FF2B5EF4-FFF2-40B4-BE49-F238E27FC236}">
-                <a16:creationId xmlns:a16="http://schemas.microsoft.com/office/drawing/2014/main" id="{CA4F3478-8E61-4284-ACFD-A2BAA0F1E56E}"/>
+                <a16:creationId xmlns:a16="http://schemas.microsoft.com/office/drawing/2014/main" id="{02526D54-BF97-451B-8344-344B57F42FE5}"/>
               </a:ext>
             </a:extLst>
           </p:cNvPr>
@@ -8008,14 +7815,12 @@
         </p:nvSpPr>
         <p:spPr>
           <a:xfrm>
-            <a:off x="1484311" y="248575"/>
-            <a:ext cx="10018713" cy="1233995"/>
+            <a:off x="1484311" y="1"/>
+            <a:ext cx="10018713" cy="1669002"/>
           </a:xfrm>
         </p:spPr>
         <p:txBody>
-          <a:bodyPr>
-            <a:normAutofit/>
-          </a:bodyPr>
+          <a:bodyPr/>
           <a:lstStyle/>
           <a:p>
             <a:r>
@@ -8023,7 +7828,7 @@
                 <a:latin typeface="Times New Roman" pitchFamily="18" charset="0"/>
                 <a:cs typeface="Times New Roman" pitchFamily="18" charset="0"/>
               </a:rPr>
-              <a:t>ALGORITHMS</a:t>
+              <a:t>Server Configuration</a:t>
             </a:r>
             <a:endParaRPr lang="en-IN" dirty="0"/>
           </a:p>
@@ -8034,7 +7839,7 @@
           <p:cNvPr id="3" name="Content Placeholder 2">
             <a:extLst>
               <a:ext uri="{FF2B5EF4-FFF2-40B4-BE49-F238E27FC236}">
-                <a16:creationId xmlns:a16="http://schemas.microsoft.com/office/drawing/2014/main" id="{1DE81F83-1B2E-4654-A959-5FC88717DEC3}"/>
+                <a16:creationId xmlns:a16="http://schemas.microsoft.com/office/drawing/2014/main" id="{555FCB28-DB9F-4677-B80F-E078EFC543E8}"/>
               </a:ext>
             </a:extLst>
           </p:cNvPr>
@@ -8047,49 +7852,56 @@
         </p:nvSpPr>
         <p:spPr>
           <a:xfrm>
-            <a:off x="1484310" y="2201662"/>
-            <a:ext cx="10018713" cy="3589538"/>
+            <a:off x="1484310" y="1811045"/>
+            <a:ext cx="10018713" cy="3980156"/>
           </a:xfrm>
         </p:spPr>
         <p:txBody>
           <a:bodyPr anchor="t"/>
           <a:lstStyle/>
           <a:p>
-            <a:pPr lvl="0"/>
-            <a:r>
-              <a:rPr lang="en-US" dirty="0">
+            <a:pPr algn="just"/>
+            <a:r>
+              <a:rPr lang="en-US" sz="2400" dirty="0">
                 <a:latin typeface="Times New Roman" pitchFamily="18" charset="0"/>
                 <a:cs typeface="Times New Roman" pitchFamily="18" charset="0"/>
               </a:rPr>
-              <a:t>Base64 Algorithm</a:t>
-            </a:r>
-          </a:p>
-          <a:p>
-            <a:pPr lvl="0"/>
-            <a:r>
-              <a:rPr lang="en-US" dirty="0">
+              <a:t>Admin configure Multi-Cloud server setup. Server IP Address and Port number is given by the admin for each Cloud. Now a Server Architecture is created for Multi-Cloud Storage. </a:t>
+            </a:r>
+          </a:p>
+          <a:p>
+            <a:pPr algn="just"/>
+            <a:r>
+              <a:rPr lang="en-US" sz="2400" dirty="0">
                 <a:latin typeface="Times New Roman" pitchFamily="18" charset="0"/>
                 <a:cs typeface="Times New Roman" pitchFamily="18" charset="0"/>
               </a:rPr>
-              <a:t>Message Digest(MD5)</a:t>
-            </a:r>
-          </a:p>
-          <a:p>
-            <a:pPr lvl="0"/>
-            <a:r>
-              <a:rPr lang="en-US" dirty="0">
+              <a:t>If the admin has to reconfigure the old Multi-Cloud server setup, it can be done. For old server setup, FAT file can be modified or remain same. </a:t>
+            </a:r>
+          </a:p>
+          <a:p>
+            <a:pPr algn="just"/>
+            <a:r>
+              <a:rPr lang="en-US" sz="2400" dirty="0">
                 <a:latin typeface="Times New Roman" pitchFamily="18" charset="0"/>
                 <a:cs typeface="Times New Roman" pitchFamily="18" charset="0"/>
               </a:rPr>
-              <a:t>Dynamic block generation</a:t>
-            </a:r>
+              <a:t>Audit time will be set by the admin for Data Integrity checking process.</a:t>
+            </a:r>
+          </a:p>
+          <a:p>
+            <a:pPr algn="just"/>
+            <a:endParaRPr lang="en-US" sz="2400" dirty="0">
+              <a:latin typeface="Times New Roman" pitchFamily="18" charset="0"/>
+              <a:cs typeface="Times New Roman" pitchFamily="18" charset="0"/>
+            </a:endParaRPr>
           </a:p>
         </p:txBody>
       </p:sp>
     </p:spTree>
     <p:extLst>
       <p:ext uri="{BB962C8B-B14F-4D97-AF65-F5344CB8AC3E}">
-        <p14:creationId xmlns:p14="http://schemas.microsoft.com/office/powerpoint/2010/main" val="1883133996"/>
+        <p14:creationId xmlns:p14="http://schemas.microsoft.com/office/powerpoint/2010/main" val="2992501368"/>
       </p:ext>
     </p:extLst>
   </p:cSld>
@@ -8121,6 +7933,872 @@
           <p:cNvPr id="2" name="Title 1">
             <a:extLst>
               <a:ext uri="{FF2B5EF4-FFF2-40B4-BE49-F238E27FC236}">
+                <a16:creationId xmlns:a16="http://schemas.microsoft.com/office/drawing/2014/main" id="{BFBD9BBB-5CC9-4A26-8D32-BBA7521B702F}"/>
+              </a:ext>
+            </a:extLst>
+          </p:cNvPr>
+          <p:cNvSpPr>
+            <a:spLocks noGrp="1"/>
+          </p:cNvSpPr>
+          <p:nvPr>
+            <p:ph type="title"/>
+          </p:nvPr>
+        </p:nvSpPr>
+        <p:spPr>
+          <a:xfrm>
+            <a:off x="1297879" y="1"/>
+            <a:ext cx="10018713" cy="1393794"/>
+          </a:xfrm>
+        </p:spPr>
+        <p:txBody>
+          <a:bodyPr/>
+          <a:lstStyle/>
+          <a:p>
+            <a:r>
+              <a:rPr lang="en-US" sz="4000" b="1" dirty="0">
+                <a:latin typeface="Times New Roman" pitchFamily="18" charset="0"/>
+                <a:cs typeface="Times New Roman" pitchFamily="18" charset="0"/>
+              </a:rPr>
+              <a:t>Data Upload and Block Split</a:t>
+            </a:r>
+            <a:endParaRPr lang="en-IN" dirty="0"/>
+          </a:p>
+        </p:txBody>
+      </p:sp>
+      <p:sp>
+        <p:nvSpPr>
+          <p:cNvPr id="3" name="Content Placeholder 2">
+            <a:extLst>
+              <a:ext uri="{FF2B5EF4-FFF2-40B4-BE49-F238E27FC236}">
+                <a16:creationId xmlns:a16="http://schemas.microsoft.com/office/drawing/2014/main" id="{AE516A74-23BA-4F71-8A34-69A1F833ED27}"/>
+              </a:ext>
+            </a:extLst>
+          </p:cNvPr>
+          <p:cNvSpPr>
+            <a:spLocks noGrp="1"/>
+          </p:cNvSpPr>
+          <p:nvPr>
+            <p:ph idx="1"/>
+          </p:nvPr>
+        </p:nvSpPr>
+        <p:spPr>
+          <a:xfrm>
+            <a:off x="1484310" y="1393795"/>
+            <a:ext cx="10018713" cy="5149048"/>
+          </a:xfrm>
+        </p:spPr>
+        <p:txBody>
+          <a:bodyPr anchor="t"/>
+          <a:lstStyle/>
+          <a:p>
+            <a:r>
+              <a:rPr lang="en-US" sz="2800" dirty="0">
+                <a:latin typeface="Times New Roman" pitchFamily="18" charset="0"/>
+                <a:cs typeface="Times New Roman" pitchFamily="18" charset="0"/>
+              </a:rPr>
+              <a:t> User has an initial level Registration Process at the web end. The users provide their own personal information for this process.</a:t>
+            </a:r>
+          </a:p>
+          <a:p>
+            <a:r>
+              <a:rPr lang="en-US" sz="2800" dirty="0">
+                <a:latin typeface="Times New Roman" pitchFamily="18" charset="0"/>
+                <a:cs typeface="Times New Roman" pitchFamily="18" charset="0"/>
+              </a:rPr>
+              <a:t> The server in turn stores the information in its database. After Registration, user can upload files to the server. </a:t>
+            </a:r>
+          </a:p>
+          <a:p>
+            <a:r>
+              <a:rPr lang="en-US" sz="2800" dirty="0">
+                <a:latin typeface="Times New Roman" pitchFamily="18" charset="0"/>
+                <a:cs typeface="Times New Roman" pitchFamily="18" charset="0"/>
+              </a:rPr>
+              <a:t>Uploaded files will be stored in a Server. When the user upload the data to different cloud by the time it is </a:t>
+            </a:r>
+            <a:r>
+              <a:rPr lang="en-US" sz="2800" dirty="0" err="1">
+                <a:latin typeface="Times New Roman" pitchFamily="18" charset="0"/>
+                <a:cs typeface="Times New Roman" pitchFamily="18" charset="0"/>
+              </a:rPr>
+              <a:t>splitted</a:t>
+            </a:r>
+            <a:r>
+              <a:rPr lang="en-US" sz="2800" dirty="0">
+                <a:latin typeface="Times New Roman" pitchFamily="18" charset="0"/>
+                <a:cs typeface="Times New Roman" pitchFamily="18" charset="0"/>
+              </a:rPr>
+              <a:t> into different blocks using dynamic block generation Algorithm and each block will be appended with Signatures before storing the data in FATFS.</a:t>
+            </a:r>
+          </a:p>
+          <a:p>
+            <a:r>
+              <a:rPr lang="en-US" sz="2800" dirty="0">
+                <a:latin typeface="Times New Roman" pitchFamily="18" charset="0"/>
+                <a:cs typeface="Times New Roman" pitchFamily="18" charset="0"/>
+              </a:rPr>
+              <a:t>Signature generated using MD5 Algorithm. Also the data gets encoded using for Base64 Algorithm.</a:t>
+            </a:r>
+          </a:p>
+          <a:p>
+            <a:endParaRPr lang="en-IN" dirty="0">
+              <a:latin typeface="Times New Roman" panose="02020603050405020304" pitchFamily="18" charset="0"/>
+              <a:cs typeface="Times New Roman" panose="02020603050405020304" pitchFamily="18" charset="0"/>
+            </a:endParaRPr>
+          </a:p>
+        </p:txBody>
+      </p:sp>
+    </p:spTree>
+    <p:extLst>
+      <p:ext uri="{BB962C8B-B14F-4D97-AF65-F5344CB8AC3E}">
+        <p14:creationId xmlns:p14="http://schemas.microsoft.com/office/powerpoint/2010/main" val="2260880273"/>
+      </p:ext>
+    </p:extLst>
+  </p:cSld>
+  <p:clrMapOvr>
+    <a:masterClrMapping/>
+  </p:clrMapOvr>
+</p:sld>
+</file>
+
+<file path=ppt/slides/slide19.xml><?xml version="1.0" encoding="utf-8"?>
+<p:sld xmlns:a="http://schemas.openxmlformats.org/drawingml/2006/main" xmlns:r="http://schemas.openxmlformats.org/officeDocument/2006/relationships" xmlns:p="http://schemas.openxmlformats.org/presentationml/2006/main">
+  <p:cSld>
+    <p:spTree>
+      <p:nvGrpSpPr>
+        <p:cNvPr id="1" name=""/>
+        <p:cNvGrpSpPr/>
+        <p:nvPr/>
+      </p:nvGrpSpPr>
+      <p:grpSpPr>
+        <a:xfrm>
+          <a:off x="0" y="0"/>
+          <a:ext cx="0" cy="0"/>
+          <a:chOff x="0" y="0"/>
+          <a:chExt cx="0" cy="0"/>
+        </a:xfrm>
+      </p:grpSpPr>
+      <p:sp>
+        <p:nvSpPr>
+          <p:cNvPr id="2" name="Title 1">
+            <a:extLst>
+              <a:ext uri="{FF2B5EF4-FFF2-40B4-BE49-F238E27FC236}">
+                <a16:creationId xmlns:a16="http://schemas.microsoft.com/office/drawing/2014/main" id="{6CB15F2A-99B1-46B3-A44A-F7DC8BE0313A}"/>
+              </a:ext>
+            </a:extLst>
+          </p:cNvPr>
+          <p:cNvSpPr>
+            <a:spLocks noGrp="1"/>
+          </p:cNvSpPr>
+          <p:nvPr>
+            <p:ph type="title"/>
+          </p:nvPr>
+        </p:nvSpPr>
+        <p:spPr>
+          <a:xfrm>
+            <a:off x="1484311" y="213064"/>
+            <a:ext cx="10018713" cy="1473693"/>
+          </a:xfrm>
+        </p:spPr>
+        <p:txBody>
+          <a:bodyPr>
+            <a:normAutofit/>
+          </a:bodyPr>
+          <a:lstStyle/>
+          <a:p>
+            <a:r>
+              <a:rPr lang="en-US" b="1" dirty="0">
+                <a:latin typeface="Times New Roman" pitchFamily="18" charset="0"/>
+                <a:cs typeface="Times New Roman" pitchFamily="18" charset="0"/>
+              </a:rPr>
+              <a:t>Data Integrity Checking and Update</a:t>
+            </a:r>
+            <a:br>
+              <a:rPr lang="en-US" dirty="0">
+                <a:latin typeface="Times New Roman" pitchFamily="18" charset="0"/>
+                <a:cs typeface="Times New Roman" pitchFamily="18" charset="0"/>
+              </a:rPr>
+            </a:br>
+            <a:endParaRPr lang="en-IN" dirty="0"/>
+          </a:p>
+        </p:txBody>
+      </p:sp>
+      <p:sp>
+        <p:nvSpPr>
+          <p:cNvPr id="3" name="Content Placeholder 2">
+            <a:extLst>
+              <a:ext uri="{FF2B5EF4-FFF2-40B4-BE49-F238E27FC236}">
+                <a16:creationId xmlns:a16="http://schemas.microsoft.com/office/drawing/2014/main" id="{0F0BEF39-47A0-43F4-B7A8-F145F83BD33E}"/>
+              </a:ext>
+            </a:extLst>
+          </p:cNvPr>
+          <p:cNvSpPr>
+            <a:spLocks noGrp="1"/>
+          </p:cNvSpPr>
+          <p:nvPr>
+            <p:ph idx="1"/>
+          </p:nvPr>
+        </p:nvSpPr>
+        <p:spPr>
+          <a:xfrm>
+            <a:off x="1484310" y="1455939"/>
+            <a:ext cx="10018713" cy="4335262"/>
+          </a:xfrm>
+        </p:spPr>
+        <p:txBody>
+          <a:bodyPr anchor="t">
+            <a:normAutofit fontScale="92500" lnSpcReduction="20000"/>
+          </a:bodyPr>
+          <a:lstStyle/>
+          <a:p>
+            <a:pPr algn="just"/>
+            <a:r>
+              <a:rPr lang="en-US" sz="2200" dirty="0">
+                <a:latin typeface="Times New Roman" pitchFamily="18" charset="0"/>
+                <a:cs typeface="Times New Roman" pitchFamily="18" charset="0"/>
+              </a:rPr>
+              <a:t>FATFS has proper Indexing and Metadata’s for the different Chunks of the Data that is being uploaded by User. Verifier performs Remote Integrity Checking on Cloud Data.</a:t>
+            </a:r>
+          </a:p>
+          <a:p>
+            <a:pPr algn="just"/>
+            <a:r>
+              <a:rPr lang="en-US" sz="2200" dirty="0">
+                <a:latin typeface="Times New Roman" pitchFamily="18" charset="0"/>
+                <a:cs typeface="Times New Roman" pitchFamily="18" charset="0"/>
+              </a:rPr>
+              <a:t> Cloud allocates random combination of all the blocks to the Verifier, instead of the whole file is retrieved during integrity checking. This is to protect user privacy from a third party (Verifier). </a:t>
+            </a:r>
+          </a:p>
+          <a:p>
+            <a:pPr algn="just"/>
+            <a:r>
+              <a:rPr lang="en-US" sz="2200" dirty="0">
+                <a:latin typeface="Times New Roman" pitchFamily="18" charset="0"/>
+                <a:cs typeface="Times New Roman" pitchFamily="18" charset="0"/>
+              </a:rPr>
+              <a:t>Verifiable Data Integrity Checking Algorithm is done in two steps: Block Checking and File Checking. In Block Checking step: Three signatures are generated for Block level Checking. </a:t>
+            </a:r>
+          </a:p>
+          <a:p>
+            <a:pPr lvl="0" algn="just"/>
+            <a:r>
+              <a:rPr lang="en-US" dirty="0">
+                <a:latin typeface="Times New Roman" pitchFamily="18" charset="0"/>
+                <a:cs typeface="Times New Roman" pitchFamily="18" charset="0"/>
+              </a:rPr>
+              <a:t>A signature of a block retrieved from a FATFS</a:t>
+            </a:r>
+          </a:p>
+          <a:p>
+            <a:pPr lvl="0" algn="just"/>
+            <a:r>
+              <a:rPr lang="en-US" dirty="0">
+                <a:latin typeface="Times New Roman" pitchFamily="18" charset="0"/>
+                <a:cs typeface="Times New Roman" pitchFamily="18" charset="0"/>
+              </a:rPr>
+              <a:t>A new signature is generated for block to be checked</a:t>
+            </a:r>
+          </a:p>
+          <a:p>
+            <a:pPr lvl="0" algn="just"/>
+            <a:r>
+              <a:rPr lang="en-US" dirty="0">
+                <a:latin typeface="Times New Roman" pitchFamily="18" charset="0"/>
+                <a:cs typeface="Times New Roman" pitchFamily="18" charset="0"/>
+              </a:rPr>
+              <a:t>A Signature is retrieved from the block appended with the signature which is stored in the Cloud</a:t>
+            </a:r>
+          </a:p>
+          <a:p>
+            <a:pPr algn="just"/>
+            <a:r>
+              <a:rPr lang="en-US" dirty="0">
+                <a:latin typeface="Times New Roman" pitchFamily="18" charset="0"/>
+                <a:cs typeface="Times New Roman" pitchFamily="18" charset="0"/>
+              </a:rPr>
+              <a:t>The above three signatures are cross checked for Block level Integrity Checking. And the block contents are appended to verify with File level Integrity Checking.  </a:t>
+            </a:r>
+          </a:p>
+          <a:p>
+            <a:endParaRPr lang="en-IN" dirty="0"/>
+          </a:p>
+        </p:txBody>
+      </p:sp>
+    </p:spTree>
+    <p:extLst>
+      <p:ext uri="{BB962C8B-B14F-4D97-AF65-F5344CB8AC3E}">
+        <p14:creationId xmlns:p14="http://schemas.microsoft.com/office/powerpoint/2010/main" val="688330321"/>
+      </p:ext>
+    </p:extLst>
+  </p:cSld>
+  <p:clrMapOvr>
+    <a:masterClrMapping/>
+  </p:clrMapOvr>
+</p:sld>
+</file>
+
+<file path=ppt/slides/slide2.xml><?xml version="1.0" encoding="utf-8"?>
+<p:sld xmlns:a="http://schemas.openxmlformats.org/drawingml/2006/main" xmlns:r="http://schemas.openxmlformats.org/officeDocument/2006/relationships" xmlns:p="http://schemas.openxmlformats.org/presentationml/2006/main">
+  <p:cSld>
+    <p:spTree>
+      <p:nvGrpSpPr>
+        <p:cNvPr id="1" name=""/>
+        <p:cNvGrpSpPr/>
+        <p:nvPr/>
+      </p:nvGrpSpPr>
+      <p:grpSpPr>
+        <a:xfrm>
+          <a:off x="0" y="0"/>
+          <a:ext cx="0" cy="0"/>
+          <a:chOff x="0" y="0"/>
+          <a:chExt cx="0" cy="0"/>
+        </a:xfrm>
+      </p:grpSpPr>
+      <p:sp>
+        <p:nvSpPr>
+          <p:cNvPr id="2" name="Title 1">
+            <a:extLst>
+              <a:ext uri="{FF2B5EF4-FFF2-40B4-BE49-F238E27FC236}">
+                <a16:creationId xmlns:a16="http://schemas.microsoft.com/office/drawing/2014/main" id="{68FF44CC-30C7-4DCD-A047-49222D2D19D5}"/>
+              </a:ext>
+            </a:extLst>
+          </p:cNvPr>
+          <p:cNvSpPr>
+            <a:spLocks noGrp="1"/>
+          </p:cNvSpPr>
+          <p:nvPr>
+            <p:ph type="title"/>
+          </p:nvPr>
+        </p:nvSpPr>
+        <p:spPr>
+          <a:xfrm>
+            <a:off x="1484311" y="248576"/>
+            <a:ext cx="10018713" cy="754602"/>
+          </a:xfrm>
+        </p:spPr>
+        <p:txBody>
+          <a:bodyPr>
+            <a:normAutofit/>
+          </a:bodyPr>
+          <a:lstStyle/>
+          <a:p>
+            <a:r>
+              <a:rPr lang="en-US" b="1" dirty="0">
+                <a:latin typeface="Baskerville Old Face" panose="02020602080505020303" pitchFamily="18" charset="0"/>
+                <a:ea typeface="Verdana" panose="020B0604030504040204" pitchFamily="34" charset="0"/>
+                <a:cs typeface="Times New Roman" panose="02020603050405020304" pitchFamily="18" charset="0"/>
+              </a:rPr>
+              <a:t>INTRODUCTION</a:t>
+            </a:r>
+            <a:endParaRPr lang="en-IN" b="1" dirty="0"/>
+          </a:p>
+        </p:txBody>
+      </p:sp>
+      <p:sp>
+        <p:nvSpPr>
+          <p:cNvPr id="3" name="Content Placeholder 2">
+            <a:extLst>
+              <a:ext uri="{FF2B5EF4-FFF2-40B4-BE49-F238E27FC236}">
+                <a16:creationId xmlns:a16="http://schemas.microsoft.com/office/drawing/2014/main" id="{B26148EB-968B-4199-9C3D-18CF8892A6D5}"/>
+              </a:ext>
+            </a:extLst>
+          </p:cNvPr>
+          <p:cNvSpPr>
+            <a:spLocks noGrp="1"/>
+          </p:cNvSpPr>
+          <p:nvPr>
+            <p:ph idx="1"/>
+          </p:nvPr>
+        </p:nvSpPr>
+        <p:spPr>
+          <a:xfrm>
+            <a:off x="1606859" y="1176291"/>
+            <a:ext cx="10153618" cy="5433133"/>
+          </a:xfrm>
+        </p:spPr>
+        <p:txBody>
+          <a:bodyPr anchor="t">
+            <a:normAutofit/>
+          </a:bodyPr>
+          <a:lstStyle/>
+          <a:p>
+            <a:pPr>
+              <a:lnSpc>
+                <a:spcPct val="107000"/>
+              </a:lnSpc>
+              <a:spcAft>
+                <a:spcPts val="800"/>
+              </a:spcAft>
+              <a:buFont typeface="Arial" panose="020B0604020202020204" pitchFamily="34" charset="0"/>
+              <a:buChar char="•"/>
+            </a:pPr>
+            <a:r>
+              <a:rPr lang="en-IN" sz="1900" dirty="0">
+                <a:solidFill>
+                  <a:srgbClr val="222222"/>
+                </a:solidFill>
+                <a:effectLst/>
+                <a:latin typeface="Times New Roman" panose="02020603050405020304" pitchFamily="18" charset="0"/>
+                <a:ea typeface="Times New Roman" panose="02020603050405020304" pitchFamily="18" charset="0"/>
+                <a:cs typeface="Times New Roman" panose="02020603050405020304" pitchFamily="18" charset="0"/>
+              </a:rPr>
+              <a:t>	There are lots of options for how to store and access your data. </a:t>
+            </a:r>
+            <a:r>
+              <a:rPr lang="en-IN" sz="1900" dirty="0">
+                <a:solidFill>
+                  <a:srgbClr val="222222"/>
+                </a:solidFill>
+                <a:latin typeface="Times New Roman" panose="02020603050405020304" pitchFamily="18" charset="0"/>
+                <a:ea typeface="Times New Roman" panose="02020603050405020304" pitchFamily="18" charset="0"/>
+                <a:cs typeface="Times New Roman" panose="02020603050405020304" pitchFamily="18" charset="0"/>
+              </a:rPr>
+              <a:t>T</a:t>
+            </a:r>
+            <a:r>
+              <a:rPr lang="en-IN" sz="1900" dirty="0">
+                <a:solidFill>
+                  <a:srgbClr val="222222"/>
+                </a:solidFill>
+                <a:effectLst/>
+                <a:latin typeface="Times New Roman" panose="02020603050405020304" pitchFamily="18" charset="0"/>
+                <a:ea typeface="Times New Roman" panose="02020603050405020304" pitchFamily="18" charset="0"/>
+                <a:cs typeface="Times New Roman" panose="02020603050405020304" pitchFamily="18" charset="0"/>
+              </a:rPr>
+              <a:t>he main reason why cloud storage is appealing is that files can be accessed and edited with ease. </a:t>
+            </a:r>
+          </a:p>
+          <a:p>
+            <a:pPr>
+              <a:lnSpc>
+                <a:spcPct val="107000"/>
+              </a:lnSpc>
+              <a:spcAft>
+                <a:spcPts val="800"/>
+              </a:spcAft>
+              <a:buFont typeface="Arial" panose="020B0604020202020204" pitchFamily="34" charset="0"/>
+              <a:buChar char="•"/>
+            </a:pPr>
+            <a:r>
+              <a:rPr lang="en-IN" sz="1900" dirty="0">
+                <a:solidFill>
+                  <a:srgbClr val="222222"/>
+                </a:solidFill>
+                <a:effectLst/>
+                <a:latin typeface="Times New Roman" panose="02020603050405020304" pitchFamily="18" charset="0"/>
+                <a:ea typeface="Times New Roman" panose="02020603050405020304" pitchFamily="18" charset="0"/>
+                <a:cs typeface="Times New Roman" panose="02020603050405020304" pitchFamily="18" charset="0"/>
+              </a:rPr>
+              <a:t>All you need is an internet connection and you can access your files from any device, anywhere. A crucial component of cloud data security is data integrity — preventing unauthorized modification or deletion, and ensuring that data remains as it was when originally uploaded. </a:t>
+            </a:r>
+          </a:p>
+          <a:p>
+            <a:pPr>
+              <a:lnSpc>
+                <a:spcPct val="107000"/>
+              </a:lnSpc>
+              <a:spcAft>
+                <a:spcPts val="800"/>
+              </a:spcAft>
+              <a:buFont typeface="Arial" panose="020B0604020202020204" pitchFamily="34" charset="0"/>
+              <a:buChar char="•"/>
+            </a:pPr>
+            <a:r>
+              <a:rPr lang="en-IN" sz="1900" dirty="0">
+                <a:solidFill>
+                  <a:srgbClr val="222222"/>
+                </a:solidFill>
+                <a:effectLst/>
+                <a:latin typeface="Times New Roman" panose="02020603050405020304" pitchFamily="18" charset="0"/>
+                <a:ea typeface="Times New Roman" panose="02020603050405020304" pitchFamily="18" charset="0"/>
+                <a:cs typeface="Times New Roman" panose="02020603050405020304" pitchFamily="18" charset="0"/>
+              </a:rPr>
+              <a:t>This will be usually monitored by Third party auditor appointed by the organizations. But it may result in top risks related to data integrity which includes human errors(procrastination),insider threats(corruption of files),malicious intruders, compromised hardware and configuration error etc. Our solution aims at resolving the above mentioned problems. </a:t>
+            </a:r>
+          </a:p>
+          <a:p>
+            <a:pPr>
+              <a:lnSpc>
+                <a:spcPct val="107000"/>
+              </a:lnSpc>
+              <a:spcAft>
+                <a:spcPts val="800"/>
+              </a:spcAft>
+              <a:buFont typeface="Arial" panose="020B0604020202020204" pitchFamily="34" charset="0"/>
+              <a:buChar char="•"/>
+            </a:pPr>
+            <a:r>
+              <a:rPr lang="en-IN" sz="1900" dirty="0">
+                <a:solidFill>
+                  <a:srgbClr val="222222"/>
+                </a:solidFill>
+                <a:effectLst/>
+                <a:latin typeface="Times New Roman" panose="02020603050405020304" pitchFamily="18" charset="0"/>
+                <a:ea typeface="Times New Roman" panose="02020603050405020304" pitchFamily="18" charset="0"/>
+                <a:cs typeface="Times New Roman" panose="02020603050405020304" pitchFamily="18" charset="0"/>
+              </a:rPr>
+              <a:t>In this work, we proposed a novel integrity verification framework in multi-cloud environment for securing cloud storage using Ternary Hash Tree (THT) .</a:t>
+            </a:r>
+          </a:p>
+          <a:p>
+            <a:pPr>
+              <a:lnSpc>
+                <a:spcPct val="107000"/>
+              </a:lnSpc>
+              <a:spcAft>
+                <a:spcPts val="800"/>
+              </a:spcAft>
+              <a:buFont typeface="Arial" panose="020B0604020202020204" pitchFamily="34" charset="0"/>
+              <a:buChar char="•"/>
+            </a:pPr>
+            <a:r>
+              <a:rPr lang="en-IN" sz="1900" dirty="0">
+                <a:solidFill>
+                  <a:srgbClr val="222222"/>
+                </a:solidFill>
+                <a:effectLst/>
+                <a:latin typeface="Times New Roman" panose="02020603050405020304" pitchFamily="18" charset="0"/>
+                <a:ea typeface="Times New Roman" panose="02020603050405020304" pitchFamily="18" charset="0"/>
+                <a:cs typeface="Times New Roman" panose="02020603050405020304" pitchFamily="18" charset="0"/>
+              </a:rPr>
+              <a:t>The results show that the proposed secure cloud auditing framework is highly secure and efficient in storage, communication and computation costs.</a:t>
+            </a:r>
+            <a:endParaRPr lang="en-IN" sz="1900" dirty="0">
+              <a:effectLst/>
+              <a:latin typeface="Times New Roman" panose="02020603050405020304" pitchFamily="18" charset="0"/>
+              <a:ea typeface="Calibri" panose="020F0502020204030204" pitchFamily="34" charset="0"/>
+              <a:cs typeface="Times New Roman" panose="02020603050405020304" pitchFamily="18" charset="0"/>
+            </a:endParaRPr>
+          </a:p>
+          <a:p>
+            <a:pPr marL="0" indent="0">
+              <a:buNone/>
+            </a:pPr>
+            <a:endParaRPr lang="en-IN" dirty="0"/>
+          </a:p>
+        </p:txBody>
+      </p:sp>
+    </p:spTree>
+    <p:extLst>
+      <p:ext uri="{BB962C8B-B14F-4D97-AF65-F5344CB8AC3E}">
+        <p14:creationId xmlns:p14="http://schemas.microsoft.com/office/powerpoint/2010/main" val="3056152729"/>
+      </p:ext>
+    </p:extLst>
+  </p:cSld>
+  <p:clrMapOvr>
+    <a:masterClrMapping/>
+  </p:clrMapOvr>
+</p:sld>
+</file>
+
+<file path=ppt/slides/slide20.xml><?xml version="1.0" encoding="utf-8"?>
+<p:sld xmlns:a="http://schemas.openxmlformats.org/drawingml/2006/main" xmlns:r="http://schemas.openxmlformats.org/officeDocument/2006/relationships" xmlns:p="http://schemas.openxmlformats.org/presentationml/2006/main">
+  <p:cSld>
+    <p:spTree>
+      <p:nvGrpSpPr>
+        <p:cNvPr id="1" name=""/>
+        <p:cNvGrpSpPr/>
+        <p:nvPr/>
+      </p:nvGrpSpPr>
+      <p:grpSpPr>
+        <a:xfrm>
+          <a:off x="0" y="0"/>
+          <a:ext cx="0" cy="0"/>
+          <a:chOff x="0" y="0"/>
+          <a:chExt cx="0" cy="0"/>
+        </a:xfrm>
+      </p:grpSpPr>
+      <p:sp>
+        <p:nvSpPr>
+          <p:cNvPr id="2" name="Title 1">
+            <a:extLst>
+              <a:ext uri="{FF2B5EF4-FFF2-40B4-BE49-F238E27FC236}">
+                <a16:creationId xmlns:a16="http://schemas.microsoft.com/office/drawing/2014/main" id="{88ABAB9D-3AF8-46FA-B010-E259BC02A1F0}"/>
+              </a:ext>
+            </a:extLst>
+          </p:cNvPr>
+          <p:cNvSpPr>
+            <a:spLocks noGrp="1"/>
+          </p:cNvSpPr>
+          <p:nvPr>
+            <p:ph type="title"/>
+          </p:nvPr>
+        </p:nvSpPr>
+        <p:spPr>
+          <a:xfrm>
+            <a:off x="1484311" y="559293"/>
+            <a:ext cx="10018713" cy="914400"/>
+          </a:xfrm>
+        </p:spPr>
+        <p:txBody>
+          <a:bodyPr>
+            <a:normAutofit fontScale="90000"/>
+          </a:bodyPr>
+          <a:lstStyle/>
+          <a:p>
+            <a:r>
+              <a:rPr lang="en-US" sz="4000" b="1" dirty="0">
+                <a:latin typeface="Times New Roman" pitchFamily="18" charset="0"/>
+                <a:cs typeface="Times New Roman" pitchFamily="18" charset="0"/>
+              </a:rPr>
+              <a:t>File Recovery and Certificate Generation</a:t>
+            </a:r>
+            <a:br>
+              <a:rPr lang="en-US" sz="4000" dirty="0">
+                <a:latin typeface="Times New Roman" pitchFamily="18" charset="0"/>
+                <a:cs typeface="Times New Roman" pitchFamily="18" charset="0"/>
+              </a:rPr>
+            </a:br>
+            <a:endParaRPr lang="en-IN" dirty="0"/>
+          </a:p>
+        </p:txBody>
+      </p:sp>
+      <p:sp>
+        <p:nvSpPr>
+          <p:cNvPr id="3" name="Content Placeholder 2">
+            <a:extLst>
+              <a:ext uri="{FF2B5EF4-FFF2-40B4-BE49-F238E27FC236}">
+                <a16:creationId xmlns:a16="http://schemas.microsoft.com/office/drawing/2014/main" id="{BB500CF3-BEFC-41F8-9377-F948CE9F5671}"/>
+              </a:ext>
+            </a:extLst>
+          </p:cNvPr>
+          <p:cNvSpPr>
+            <a:spLocks noGrp="1"/>
+          </p:cNvSpPr>
+          <p:nvPr>
+            <p:ph idx="1"/>
+          </p:nvPr>
+        </p:nvSpPr>
+        <p:spPr>
+          <a:xfrm>
+            <a:off x="1484310" y="1748901"/>
+            <a:ext cx="10018713" cy="4042299"/>
+          </a:xfrm>
+        </p:spPr>
+        <p:txBody>
+          <a:bodyPr anchor="t">
+            <a:normAutofit fontScale="92500" lnSpcReduction="20000"/>
+          </a:bodyPr>
+          <a:lstStyle/>
+          <a:p>
+            <a:r>
+              <a:rPr lang="en-US" dirty="0">
+                <a:latin typeface="Times New Roman" pitchFamily="18" charset="0"/>
+                <a:cs typeface="Times New Roman" pitchFamily="18" charset="0"/>
+              </a:rPr>
+              <a:t>Attacker can corrupt data in any one of the cloud servers. On Data Integrity Checking done by the Verifier, Verifier informs Corrupted blocks to the Cloud. Recovery Process will be done by the verifier automatically when data gets corrupted. </a:t>
+            </a:r>
+          </a:p>
+          <a:p>
+            <a:r>
+              <a:rPr lang="en-US" dirty="0">
+                <a:latin typeface="Times New Roman" pitchFamily="18" charset="0"/>
+                <a:cs typeface="Times New Roman" pitchFamily="18" charset="0"/>
+              </a:rPr>
+              <a:t>User can complaint to the Cloud if the user file get corrupted (Verifier doesn’t perform checking on this file).</a:t>
+            </a:r>
+          </a:p>
+          <a:p>
+            <a:r>
+              <a:rPr lang="en-US" dirty="0">
+                <a:latin typeface="Times New Roman" pitchFamily="18" charset="0"/>
+                <a:cs typeface="Times New Roman" pitchFamily="18" charset="0"/>
+              </a:rPr>
+              <a:t>Whenever user access file, Blocks will be reallocated dynamically to provide access confidentiality in cloud and FAT File System will get updated.</a:t>
+            </a:r>
+            <a:r>
+              <a:rPr lang="en-US" b="1" dirty="0">
+                <a:latin typeface="Times New Roman" pitchFamily="18" charset="0"/>
+                <a:cs typeface="Times New Roman" pitchFamily="18" charset="0"/>
+              </a:rPr>
+              <a:t> </a:t>
+            </a:r>
+          </a:p>
+          <a:p>
+            <a:r>
+              <a:rPr lang="en-US" dirty="0">
+                <a:latin typeface="Times New Roman" pitchFamily="18" charset="0"/>
+                <a:cs typeface="Times New Roman" pitchFamily="18" charset="0"/>
+              </a:rPr>
+              <a:t>Auditor will monitor the cloud continuously and they provide the certificate based on the cloud performance. </a:t>
+            </a:r>
+          </a:p>
+          <a:p>
+            <a:r>
+              <a:rPr lang="en-US" dirty="0">
+                <a:latin typeface="Times New Roman" pitchFamily="18" charset="0"/>
+                <a:cs typeface="Times New Roman" pitchFamily="18" charset="0"/>
+              </a:rPr>
+              <a:t>When new user join in the cloud they will read the certificate and then they can create an account in the cloud. </a:t>
+            </a:r>
+          </a:p>
+          <a:p>
+            <a:endParaRPr lang="en-IN" dirty="0"/>
+          </a:p>
+        </p:txBody>
+      </p:sp>
+    </p:spTree>
+    <p:extLst>
+      <p:ext uri="{BB962C8B-B14F-4D97-AF65-F5344CB8AC3E}">
+        <p14:creationId xmlns:p14="http://schemas.microsoft.com/office/powerpoint/2010/main" val="934747386"/>
+      </p:ext>
+    </p:extLst>
+  </p:cSld>
+  <p:clrMapOvr>
+    <a:masterClrMapping/>
+  </p:clrMapOvr>
+</p:sld>
+</file>
+
+<file path=ppt/slides/slide21.xml><?xml version="1.0" encoding="utf-8"?>
+<p:sld xmlns:a="http://schemas.openxmlformats.org/drawingml/2006/main" xmlns:r="http://schemas.openxmlformats.org/officeDocument/2006/relationships" xmlns:p="http://schemas.openxmlformats.org/presentationml/2006/main">
+  <p:cSld>
+    <p:spTree>
+      <p:nvGrpSpPr>
+        <p:cNvPr id="1" name=""/>
+        <p:cNvGrpSpPr/>
+        <p:nvPr/>
+      </p:nvGrpSpPr>
+      <p:grpSpPr>
+        <a:xfrm>
+          <a:off x="0" y="0"/>
+          <a:ext cx="0" cy="0"/>
+          <a:chOff x="0" y="0"/>
+          <a:chExt cx="0" cy="0"/>
+        </a:xfrm>
+      </p:grpSpPr>
+      <p:sp>
+        <p:nvSpPr>
+          <p:cNvPr id="2" name="Title 1">
+            <a:extLst>
+              <a:ext uri="{FF2B5EF4-FFF2-40B4-BE49-F238E27FC236}">
+                <a16:creationId xmlns:a16="http://schemas.microsoft.com/office/drawing/2014/main" id="{CA4F3478-8E61-4284-ACFD-A2BAA0F1E56E}"/>
+              </a:ext>
+            </a:extLst>
+          </p:cNvPr>
+          <p:cNvSpPr>
+            <a:spLocks noGrp="1"/>
+          </p:cNvSpPr>
+          <p:nvPr>
+            <p:ph type="title"/>
+          </p:nvPr>
+        </p:nvSpPr>
+        <p:spPr>
+          <a:xfrm>
+            <a:off x="1484311" y="248575"/>
+            <a:ext cx="10018713" cy="1233995"/>
+          </a:xfrm>
+        </p:spPr>
+        <p:txBody>
+          <a:bodyPr>
+            <a:normAutofit/>
+          </a:bodyPr>
+          <a:lstStyle/>
+          <a:p>
+            <a:r>
+              <a:rPr lang="en-US" b="1" dirty="0">
+                <a:latin typeface="Times New Roman" pitchFamily="18" charset="0"/>
+                <a:cs typeface="Times New Roman" pitchFamily="18" charset="0"/>
+              </a:rPr>
+              <a:t>ALGORITHMS</a:t>
+            </a:r>
+            <a:endParaRPr lang="en-IN" dirty="0"/>
+          </a:p>
+        </p:txBody>
+      </p:sp>
+      <p:sp>
+        <p:nvSpPr>
+          <p:cNvPr id="3" name="Content Placeholder 2">
+            <a:extLst>
+              <a:ext uri="{FF2B5EF4-FFF2-40B4-BE49-F238E27FC236}">
+                <a16:creationId xmlns:a16="http://schemas.microsoft.com/office/drawing/2014/main" id="{1DE81F83-1B2E-4654-A959-5FC88717DEC3}"/>
+              </a:ext>
+            </a:extLst>
+          </p:cNvPr>
+          <p:cNvSpPr>
+            <a:spLocks noGrp="1"/>
+          </p:cNvSpPr>
+          <p:nvPr>
+            <p:ph idx="1"/>
+          </p:nvPr>
+        </p:nvSpPr>
+        <p:spPr>
+          <a:xfrm>
+            <a:off x="1484310" y="2201662"/>
+            <a:ext cx="10018713" cy="3589538"/>
+          </a:xfrm>
+        </p:spPr>
+        <p:txBody>
+          <a:bodyPr anchor="t"/>
+          <a:lstStyle/>
+          <a:p>
+            <a:pPr lvl="0"/>
+            <a:r>
+              <a:rPr lang="en-US" dirty="0">
+                <a:latin typeface="Times New Roman" pitchFamily="18" charset="0"/>
+                <a:cs typeface="Times New Roman" pitchFamily="18" charset="0"/>
+              </a:rPr>
+              <a:t>Base64 Algorithm</a:t>
+            </a:r>
+          </a:p>
+          <a:p>
+            <a:pPr lvl="0"/>
+            <a:r>
+              <a:rPr lang="en-US" dirty="0">
+                <a:latin typeface="Times New Roman" pitchFamily="18" charset="0"/>
+                <a:cs typeface="Times New Roman" pitchFamily="18" charset="0"/>
+              </a:rPr>
+              <a:t>Message Digest(MD5)</a:t>
+            </a:r>
+          </a:p>
+          <a:p>
+            <a:pPr lvl="0"/>
+            <a:r>
+              <a:rPr lang="en-US" dirty="0">
+                <a:latin typeface="Times New Roman" pitchFamily="18" charset="0"/>
+                <a:cs typeface="Times New Roman" pitchFamily="18" charset="0"/>
+              </a:rPr>
+              <a:t>Dynamic block generation</a:t>
+            </a:r>
+          </a:p>
+        </p:txBody>
+      </p:sp>
+    </p:spTree>
+    <p:extLst>
+      <p:ext uri="{BB962C8B-B14F-4D97-AF65-F5344CB8AC3E}">
+        <p14:creationId xmlns:p14="http://schemas.microsoft.com/office/powerpoint/2010/main" val="1883133996"/>
+      </p:ext>
+    </p:extLst>
+  </p:cSld>
+  <p:clrMapOvr>
+    <a:masterClrMapping/>
+  </p:clrMapOvr>
+</p:sld>
+</file>
+
+<file path=ppt/slides/slide22.xml><?xml version="1.0" encoding="utf-8"?>
+<p:sld xmlns:a="http://schemas.openxmlformats.org/drawingml/2006/main" xmlns:r="http://schemas.openxmlformats.org/officeDocument/2006/relationships" xmlns:p="http://schemas.openxmlformats.org/presentationml/2006/main">
+  <p:cSld>
+    <p:spTree>
+      <p:nvGrpSpPr>
+        <p:cNvPr id="1" name=""/>
+        <p:cNvGrpSpPr/>
+        <p:nvPr/>
+      </p:nvGrpSpPr>
+      <p:grpSpPr>
+        <a:xfrm>
+          <a:off x="0" y="0"/>
+          <a:ext cx="0" cy="0"/>
+          <a:chOff x="0" y="0"/>
+          <a:chExt cx="0" cy="0"/>
+        </a:xfrm>
+      </p:grpSpPr>
+      <p:sp>
+        <p:nvSpPr>
+          <p:cNvPr id="2" name="Title 1">
+            <a:extLst>
+              <a:ext uri="{FF2B5EF4-FFF2-40B4-BE49-F238E27FC236}">
                 <a16:creationId xmlns:a16="http://schemas.microsoft.com/office/drawing/2014/main" id="{D06D0323-0C0A-4BF2-A95D-1B3F2B383024}"/>
               </a:ext>
             </a:extLst>
@@ -8218,7 +8896,7 @@
 </p:sld>
 </file>
 
-<file path=ppt/slides/slide19.xml><?xml version="1.0" encoding="utf-8"?>
+<file path=ppt/slides/slide23.xml><?xml version="1.0" encoding="utf-8"?>
 <p:sld xmlns:a="http://schemas.openxmlformats.org/drawingml/2006/main" xmlns:r="http://schemas.openxmlformats.org/officeDocument/2006/relationships" xmlns:p="http://schemas.openxmlformats.org/presentationml/2006/main">
   <p:cSld>
     <p:spTree>
@@ -8453,7 +9131,7 @@
 </p:sld>
 </file>
 
-<file path=ppt/slides/slide2.xml><?xml version="1.0" encoding="utf-8"?>
+<file path=ppt/slides/slide24.xml><?xml version="1.0" encoding="utf-8"?>
 <p:sld xmlns:a="http://schemas.openxmlformats.org/drawingml/2006/main" xmlns:r="http://schemas.openxmlformats.org/officeDocument/2006/relationships" xmlns:p="http://schemas.openxmlformats.org/presentationml/2006/main">
   <p:cSld>
     <p:spTree>
@@ -8475,260 +9153,6 @@
           <p:cNvPr id="2" name="Title 1">
             <a:extLst>
               <a:ext uri="{FF2B5EF4-FFF2-40B4-BE49-F238E27FC236}">
-                <a16:creationId xmlns:a16="http://schemas.microsoft.com/office/drawing/2014/main" id="{68FF44CC-30C7-4DCD-A047-49222D2D19D5}"/>
-              </a:ext>
-            </a:extLst>
-          </p:cNvPr>
-          <p:cNvSpPr>
-            <a:spLocks noGrp="1"/>
-          </p:cNvSpPr>
-          <p:nvPr>
-            <p:ph type="title"/>
-          </p:nvPr>
-        </p:nvSpPr>
-        <p:spPr>
-          <a:xfrm>
-            <a:off x="1484311" y="248576"/>
-            <a:ext cx="10018713" cy="754602"/>
-          </a:xfrm>
-        </p:spPr>
-        <p:txBody>
-          <a:bodyPr>
-            <a:normAutofit/>
-          </a:bodyPr>
-          <a:lstStyle/>
-          <a:p>
-            <a:r>
-              <a:rPr lang="en-US" b="1" dirty="0">
-                <a:latin typeface="Baskerville Old Face" panose="02020602080505020303" pitchFamily="18" charset="0"/>
-                <a:ea typeface="Verdana" panose="020B0604030504040204" pitchFamily="34" charset="0"/>
-                <a:cs typeface="Times New Roman" panose="02020603050405020304" pitchFamily="18" charset="0"/>
-              </a:rPr>
-              <a:t>INTRODUCTION</a:t>
-            </a:r>
-            <a:endParaRPr lang="en-IN" b="1" dirty="0"/>
-          </a:p>
-        </p:txBody>
-      </p:sp>
-      <p:sp>
-        <p:nvSpPr>
-          <p:cNvPr id="3" name="Content Placeholder 2">
-            <a:extLst>
-              <a:ext uri="{FF2B5EF4-FFF2-40B4-BE49-F238E27FC236}">
-                <a16:creationId xmlns:a16="http://schemas.microsoft.com/office/drawing/2014/main" id="{B26148EB-968B-4199-9C3D-18CF8892A6D5}"/>
-              </a:ext>
-            </a:extLst>
-          </p:cNvPr>
-          <p:cNvSpPr>
-            <a:spLocks noGrp="1"/>
-          </p:cNvSpPr>
-          <p:nvPr>
-            <p:ph idx="1"/>
-          </p:nvPr>
-        </p:nvSpPr>
-        <p:spPr>
-          <a:xfrm>
-            <a:off x="1606859" y="1176291"/>
-            <a:ext cx="10153618" cy="5433133"/>
-          </a:xfrm>
-        </p:spPr>
-        <p:txBody>
-          <a:bodyPr anchor="t">
-            <a:normAutofit/>
-          </a:bodyPr>
-          <a:lstStyle/>
-          <a:p>
-            <a:pPr>
-              <a:lnSpc>
-                <a:spcPct val="107000"/>
-              </a:lnSpc>
-              <a:spcAft>
-                <a:spcPts val="800"/>
-              </a:spcAft>
-              <a:buFont typeface="Arial" panose="020B0604020202020204" pitchFamily="34" charset="0"/>
-              <a:buChar char="•"/>
-            </a:pPr>
-            <a:r>
-              <a:rPr lang="en-IN" sz="1900" dirty="0">
-                <a:solidFill>
-                  <a:srgbClr val="222222"/>
-                </a:solidFill>
-                <a:effectLst/>
-                <a:latin typeface="Times New Roman" panose="02020603050405020304" pitchFamily="18" charset="0"/>
-                <a:ea typeface="Times New Roman" panose="02020603050405020304" pitchFamily="18" charset="0"/>
-                <a:cs typeface="Times New Roman" panose="02020603050405020304" pitchFamily="18" charset="0"/>
-              </a:rPr>
-              <a:t>	There are lots of options for how to store and access your data. </a:t>
-            </a:r>
-            <a:r>
-              <a:rPr lang="en-IN" sz="1900" dirty="0">
-                <a:solidFill>
-                  <a:srgbClr val="222222"/>
-                </a:solidFill>
-                <a:latin typeface="Times New Roman" panose="02020603050405020304" pitchFamily="18" charset="0"/>
-                <a:ea typeface="Times New Roman" panose="02020603050405020304" pitchFamily="18" charset="0"/>
-                <a:cs typeface="Times New Roman" panose="02020603050405020304" pitchFamily="18" charset="0"/>
-              </a:rPr>
-              <a:t>T</a:t>
-            </a:r>
-            <a:r>
-              <a:rPr lang="en-IN" sz="1900" dirty="0">
-                <a:solidFill>
-                  <a:srgbClr val="222222"/>
-                </a:solidFill>
-                <a:effectLst/>
-                <a:latin typeface="Times New Roman" panose="02020603050405020304" pitchFamily="18" charset="0"/>
-                <a:ea typeface="Times New Roman" panose="02020603050405020304" pitchFamily="18" charset="0"/>
-                <a:cs typeface="Times New Roman" panose="02020603050405020304" pitchFamily="18" charset="0"/>
-              </a:rPr>
-              <a:t>he main reason why cloud storage is appealing is that files can be accessed and edited with ease. </a:t>
-            </a:r>
-          </a:p>
-          <a:p>
-            <a:pPr>
-              <a:lnSpc>
-                <a:spcPct val="107000"/>
-              </a:lnSpc>
-              <a:spcAft>
-                <a:spcPts val="800"/>
-              </a:spcAft>
-              <a:buFont typeface="Arial" panose="020B0604020202020204" pitchFamily="34" charset="0"/>
-              <a:buChar char="•"/>
-            </a:pPr>
-            <a:r>
-              <a:rPr lang="en-IN" sz="1900" dirty="0">
-                <a:solidFill>
-                  <a:srgbClr val="222222"/>
-                </a:solidFill>
-                <a:effectLst/>
-                <a:latin typeface="Times New Roman" panose="02020603050405020304" pitchFamily="18" charset="0"/>
-                <a:ea typeface="Times New Roman" panose="02020603050405020304" pitchFamily="18" charset="0"/>
-                <a:cs typeface="Times New Roman" panose="02020603050405020304" pitchFamily="18" charset="0"/>
-              </a:rPr>
-              <a:t>All you need is an internet connection and you can access your files from any device, anywhere. A crucial component of cloud data security is data integrity — preventing unauthorized modification or deletion, and ensuring that data remains as it was when originally uploaded. </a:t>
-            </a:r>
-          </a:p>
-          <a:p>
-            <a:pPr>
-              <a:lnSpc>
-                <a:spcPct val="107000"/>
-              </a:lnSpc>
-              <a:spcAft>
-                <a:spcPts val="800"/>
-              </a:spcAft>
-              <a:buFont typeface="Arial" panose="020B0604020202020204" pitchFamily="34" charset="0"/>
-              <a:buChar char="•"/>
-            </a:pPr>
-            <a:r>
-              <a:rPr lang="en-IN" sz="1900" dirty="0">
-                <a:solidFill>
-                  <a:srgbClr val="222222"/>
-                </a:solidFill>
-                <a:effectLst/>
-                <a:latin typeface="Times New Roman" panose="02020603050405020304" pitchFamily="18" charset="0"/>
-                <a:ea typeface="Times New Roman" panose="02020603050405020304" pitchFamily="18" charset="0"/>
-                <a:cs typeface="Times New Roman" panose="02020603050405020304" pitchFamily="18" charset="0"/>
-              </a:rPr>
-              <a:t>This will be usually monitored by Third party auditor appointed by the organizations. But it may result in top risks related to data integrity which includes human errors(procrastination),insider threats(corruption of files),malicious intruders, compromised hardware and configuration error etc. Our solution aims at resolving the above mentioned problems. </a:t>
-            </a:r>
-          </a:p>
-          <a:p>
-            <a:pPr>
-              <a:lnSpc>
-                <a:spcPct val="107000"/>
-              </a:lnSpc>
-              <a:spcAft>
-                <a:spcPts val="800"/>
-              </a:spcAft>
-              <a:buFont typeface="Arial" panose="020B0604020202020204" pitchFamily="34" charset="0"/>
-              <a:buChar char="•"/>
-            </a:pPr>
-            <a:r>
-              <a:rPr lang="en-IN" sz="1900" dirty="0">
-                <a:solidFill>
-                  <a:srgbClr val="222222"/>
-                </a:solidFill>
-                <a:effectLst/>
-                <a:latin typeface="Times New Roman" panose="02020603050405020304" pitchFamily="18" charset="0"/>
-                <a:ea typeface="Times New Roman" panose="02020603050405020304" pitchFamily="18" charset="0"/>
-                <a:cs typeface="Times New Roman" panose="02020603050405020304" pitchFamily="18" charset="0"/>
-              </a:rPr>
-              <a:t>In this work, we proposed a novel integrity verification framework in multi-cloud environment for securing cloud storage using Ternary Hash Tree (THT) .</a:t>
-            </a:r>
-          </a:p>
-          <a:p>
-            <a:pPr>
-              <a:lnSpc>
-                <a:spcPct val="107000"/>
-              </a:lnSpc>
-              <a:spcAft>
-                <a:spcPts val="800"/>
-              </a:spcAft>
-              <a:buFont typeface="Arial" panose="020B0604020202020204" pitchFamily="34" charset="0"/>
-              <a:buChar char="•"/>
-            </a:pPr>
-            <a:r>
-              <a:rPr lang="en-IN" sz="1900" dirty="0">
-                <a:solidFill>
-                  <a:srgbClr val="222222"/>
-                </a:solidFill>
-                <a:effectLst/>
-                <a:latin typeface="Times New Roman" panose="02020603050405020304" pitchFamily="18" charset="0"/>
-                <a:ea typeface="Times New Roman" panose="02020603050405020304" pitchFamily="18" charset="0"/>
-                <a:cs typeface="Times New Roman" panose="02020603050405020304" pitchFamily="18" charset="0"/>
-              </a:rPr>
-              <a:t>The results show that the proposed secure cloud auditing framework is highly secure and efficient in storage, communication and computation costs.</a:t>
-            </a:r>
-            <a:endParaRPr lang="en-IN" sz="1900" dirty="0">
-              <a:effectLst/>
-              <a:latin typeface="Times New Roman" panose="02020603050405020304" pitchFamily="18" charset="0"/>
-              <a:ea typeface="Calibri" panose="020F0502020204030204" pitchFamily="34" charset="0"/>
-              <a:cs typeface="Times New Roman" panose="02020603050405020304" pitchFamily="18" charset="0"/>
-            </a:endParaRPr>
-          </a:p>
-          <a:p>
-            <a:pPr marL="0" indent="0">
-              <a:buNone/>
-            </a:pPr>
-            <a:endParaRPr lang="en-IN" dirty="0"/>
-          </a:p>
-        </p:txBody>
-      </p:sp>
-    </p:spTree>
-    <p:extLst>
-      <p:ext uri="{BB962C8B-B14F-4D97-AF65-F5344CB8AC3E}">
-        <p14:creationId xmlns:p14="http://schemas.microsoft.com/office/powerpoint/2010/main" val="3056152729"/>
-      </p:ext>
-    </p:extLst>
-  </p:cSld>
-  <p:clrMapOvr>
-    <a:masterClrMapping/>
-  </p:clrMapOvr>
-</p:sld>
-</file>
-
-<file path=ppt/slides/slide20.xml><?xml version="1.0" encoding="utf-8"?>
-<p:sld xmlns:a="http://schemas.openxmlformats.org/drawingml/2006/main" xmlns:r="http://schemas.openxmlformats.org/officeDocument/2006/relationships" xmlns:p="http://schemas.openxmlformats.org/presentationml/2006/main">
-  <p:cSld>
-    <p:spTree>
-      <p:nvGrpSpPr>
-        <p:cNvPr id="1" name=""/>
-        <p:cNvGrpSpPr/>
-        <p:nvPr/>
-      </p:nvGrpSpPr>
-      <p:grpSpPr>
-        <a:xfrm>
-          <a:off x="0" y="0"/>
-          <a:ext cx="0" cy="0"/>
-          <a:chOff x="0" y="0"/>
-          <a:chExt cx="0" cy="0"/>
-        </a:xfrm>
-      </p:grpSpPr>
-      <p:sp>
-        <p:nvSpPr>
-          <p:cNvPr id="2" name="Title 1">
-            <a:extLst>
-              <a:ext uri="{FF2B5EF4-FFF2-40B4-BE49-F238E27FC236}">
                 <a16:creationId xmlns:a16="http://schemas.microsoft.com/office/drawing/2014/main" id="{47E49F7B-A5E0-4ED8-9C12-E4E1122EF21C}"/>
               </a:ext>
             </a:extLst>
@@ -8859,7 +9283,7 @@
 </p:sld>
 </file>
 
-<file path=ppt/slides/slide21.xml><?xml version="1.0" encoding="utf-8"?>
+<file path=ppt/slides/slide25.xml><?xml version="1.0" encoding="utf-8"?>
 <p:sld xmlns:a="http://schemas.openxmlformats.org/drawingml/2006/main" xmlns:r="http://schemas.openxmlformats.org/officeDocument/2006/relationships" xmlns:p="http://schemas.openxmlformats.org/presentationml/2006/main">
   <p:cSld>
     <p:spTree>
@@ -9439,7 +9863,7 @@
 </p:sld>
 </file>
 
-<file path=ppt/slides/slide22.xml><?xml version="1.0" encoding="utf-8"?>
+<file path=ppt/slides/slide26.xml><?xml version="1.0" encoding="utf-8"?>
 <p:sld xmlns:a="http://schemas.openxmlformats.org/drawingml/2006/main" xmlns:r="http://schemas.openxmlformats.org/officeDocument/2006/relationships" xmlns:p="http://schemas.openxmlformats.org/presentationml/2006/main">
   <p:cSld>
     <p:spTree>
@@ -10081,7 +10505,7 @@
 </p:sld>
 </file>
 
-<file path=ppt/slides/slide23.xml><?xml version="1.0" encoding="utf-8"?>
+<file path=ppt/slides/slide27.xml><?xml version="1.0" encoding="utf-8"?>
 <p:sld xmlns:a="http://schemas.openxmlformats.org/drawingml/2006/main" xmlns:r="http://schemas.openxmlformats.org/officeDocument/2006/relationships" xmlns:p="http://schemas.openxmlformats.org/presentationml/2006/main">
   <p:cSld>
     <p:spTree>
@@ -10447,7 +10871,7 @@
 </p:sld>
 </file>
 
-<file path=ppt/slides/slide24.xml><?xml version="1.0" encoding="utf-8"?>
+<file path=ppt/slides/slide28.xml><?xml version="1.0" encoding="utf-8"?>
 <p:sld xmlns:a="http://schemas.openxmlformats.org/drawingml/2006/main" xmlns:r="http://schemas.openxmlformats.org/officeDocument/2006/relationships" xmlns:p="http://schemas.openxmlformats.org/presentationml/2006/main">
   <p:cSld>
     <p:spTree>
@@ -10587,485 +11011,6 @@
     <p:extLst>
       <p:ext uri="{BB962C8B-B14F-4D97-AF65-F5344CB8AC3E}">
         <p14:creationId xmlns:p14="http://schemas.microsoft.com/office/powerpoint/2010/main" val="1403927972"/>
-      </p:ext>
-    </p:extLst>
-  </p:cSld>
-  <p:clrMapOvr>
-    <a:masterClrMapping/>
-  </p:clrMapOvr>
-</p:sld>
-</file>
-
-<file path=ppt/slides/slide25.xml><?xml version="1.0" encoding="utf-8"?>
-<p:sld xmlns:a="http://schemas.openxmlformats.org/drawingml/2006/main" xmlns:r="http://schemas.openxmlformats.org/officeDocument/2006/relationships" xmlns:p="http://schemas.openxmlformats.org/presentationml/2006/main">
-  <p:cSld>
-    <p:spTree>
-      <p:nvGrpSpPr>
-        <p:cNvPr id="1" name=""/>
-        <p:cNvGrpSpPr/>
-        <p:nvPr/>
-      </p:nvGrpSpPr>
-      <p:grpSpPr>
-        <a:xfrm>
-          <a:off x="0" y="0"/>
-          <a:ext cx="0" cy="0"/>
-          <a:chOff x="0" y="0"/>
-          <a:chExt cx="0" cy="0"/>
-        </a:xfrm>
-      </p:grpSpPr>
-      <p:sp>
-        <p:nvSpPr>
-          <p:cNvPr id="2" name="Title 1">
-            <a:extLst>
-              <a:ext uri="{FF2B5EF4-FFF2-40B4-BE49-F238E27FC236}">
-                <a16:creationId xmlns:a16="http://schemas.microsoft.com/office/drawing/2014/main" id="{EC0D7FBC-55A6-4555-823D-15FEF92AB921}"/>
-              </a:ext>
-            </a:extLst>
-          </p:cNvPr>
-          <p:cNvSpPr>
-            <a:spLocks noGrp="1"/>
-          </p:cNvSpPr>
-          <p:nvPr>
-            <p:ph type="title"/>
-          </p:nvPr>
-        </p:nvSpPr>
-        <p:spPr/>
-        <p:txBody>
-          <a:bodyPr/>
-          <a:lstStyle/>
-          <a:p>
-            <a:endParaRPr lang="en-IN"/>
-          </a:p>
-        </p:txBody>
-      </p:sp>
-      <p:pic>
-        <p:nvPicPr>
-          <p:cNvPr id="4" name="Content Placeholder 3">
-            <a:extLst>
-              <a:ext uri="{FF2B5EF4-FFF2-40B4-BE49-F238E27FC236}">
-                <a16:creationId xmlns:a16="http://schemas.microsoft.com/office/drawing/2014/main" id="{71C01783-82FD-406B-B247-E88DE6D45ADE}"/>
-              </a:ext>
-            </a:extLst>
-          </p:cNvPr>
-          <p:cNvPicPr>
-            <a:picLocks noGrp="1"/>
-          </p:cNvPicPr>
-          <p:nvPr>
-            <p:ph idx="1"/>
-          </p:nvPr>
-        </p:nvPicPr>
-        <p:blipFill>
-          <a:blip r:embed="rId2"/>
-          <a:srcRect/>
-          <a:stretch>
-            <a:fillRect/>
-          </a:stretch>
-        </p:blipFill>
-        <p:spPr bwMode="auto">
-          <a:xfrm>
-            <a:off x="0" y="685800"/>
-            <a:ext cx="12192000" cy="6172200"/>
-          </a:xfrm>
-          <a:prstGeom prst="rect">
-            <a:avLst/>
-          </a:prstGeom>
-          <a:noFill/>
-          <a:ln w="9525">
-            <a:noFill/>
-            <a:miter lim="800000"/>
-            <a:headEnd/>
-            <a:tailEnd/>
-          </a:ln>
-        </p:spPr>
-      </p:pic>
-      <p:sp>
-        <p:nvSpPr>
-          <p:cNvPr id="5" name="TextBox 4">
-            <a:extLst>
-              <a:ext uri="{FF2B5EF4-FFF2-40B4-BE49-F238E27FC236}">
-                <a16:creationId xmlns:a16="http://schemas.microsoft.com/office/drawing/2014/main" id="{38ED379E-8556-4497-89BF-CD007E9B2D04}"/>
-              </a:ext>
-            </a:extLst>
-          </p:cNvPr>
-          <p:cNvSpPr txBox="1"/>
-          <p:nvPr/>
-        </p:nvSpPr>
-        <p:spPr>
-          <a:xfrm>
-            <a:off x="2701030" y="162580"/>
-            <a:ext cx="6094520" cy="523220"/>
-          </a:xfrm>
-          <a:prstGeom prst="rect">
-            <a:avLst/>
-          </a:prstGeom>
-          <a:noFill/>
-        </p:spPr>
-        <p:txBody>
-          <a:bodyPr wrap="square">
-            <a:spAutoFit/>
-          </a:bodyPr>
-          <a:lstStyle/>
-          <a:p>
-            <a:pPr lvl="0" algn="ctr"/>
-            <a:r>
-              <a:rPr lang="en-US" sz="2800" b="1" dirty="0">
-                <a:latin typeface="Times New Roman" pitchFamily="18" charset="0"/>
-                <a:cs typeface="Times New Roman" pitchFamily="18" charset="0"/>
-              </a:rPr>
-              <a:t>Admin Login:</a:t>
-            </a:r>
-          </a:p>
-        </p:txBody>
-      </p:sp>
-    </p:spTree>
-    <p:extLst>
-      <p:ext uri="{BB962C8B-B14F-4D97-AF65-F5344CB8AC3E}">
-        <p14:creationId xmlns:p14="http://schemas.microsoft.com/office/powerpoint/2010/main" val="1561943145"/>
-      </p:ext>
-    </p:extLst>
-  </p:cSld>
-  <p:clrMapOvr>
-    <a:masterClrMapping/>
-  </p:clrMapOvr>
-</p:sld>
-</file>
-
-<file path=ppt/slides/slide26.xml><?xml version="1.0" encoding="utf-8"?>
-<p:sld xmlns:a="http://schemas.openxmlformats.org/drawingml/2006/main" xmlns:r="http://schemas.openxmlformats.org/officeDocument/2006/relationships" xmlns:p="http://schemas.openxmlformats.org/presentationml/2006/main">
-  <p:cSld>
-    <p:spTree>
-      <p:nvGrpSpPr>
-        <p:cNvPr id="1" name=""/>
-        <p:cNvGrpSpPr/>
-        <p:nvPr/>
-      </p:nvGrpSpPr>
-      <p:grpSpPr>
-        <a:xfrm>
-          <a:off x="0" y="0"/>
-          <a:ext cx="0" cy="0"/>
-          <a:chOff x="0" y="0"/>
-          <a:chExt cx="0" cy="0"/>
-        </a:xfrm>
-      </p:grpSpPr>
-      <p:sp>
-        <p:nvSpPr>
-          <p:cNvPr id="2" name="Title 1">
-            <a:extLst>
-              <a:ext uri="{FF2B5EF4-FFF2-40B4-BE49-F238E27FC236}">
-                <a16:creationId xmlns:a16="http://schemas.microsoft.com/office/drawing/2014/main" id="{3BF1F918-268C-451C-B165-B3756016D46B}"/>
-              </a:ext>
-            </a:extLst>
-          </p:cNvPr>
-          <p:cNvSpPr>
-            <a:spLocks noGrp="1"/>
-          </p:cNvSpPr>
-          <p:nvPr>
-            <p:ph type="title"/>
-          </p:nvPr>
-        </p:nvSpPr>
-        <p:spPr>
-          <a:xfrm>
-            <a:off x="1086643" y="82119"/>
-            <a:ext cx="10018713" cy="929936"/>
-          </a:xfrm>
-        </p:spPr>
-        <p:txBody>
-          <a:bodyPr>
-            <a:normAutofit/>
-          </a:bodyPr>
-          <a:lstStyle/>
-          <a:p>
-            <a:endParaRPr lang="en-IN" sz="2800" b="1" dirty="0"/>
-          </a:p>
-        </p:txBody>
-      </p:sp>
-      <p:pic>
-        <p:nvPicPr>
-          <p:cNvPr id="4" name="Content Placeholder 3">
-            <a:extLst>
-              <a:ext uri="{FF2B5EF4-FFF2-40B4-BE49-F238E27FC236}">
-                <a16:creationId xmlns:a16="http://schemas.microsoft.com/office/drawing/2014/main" id="{C2074AB0-1967-48AB-9554-1D89D8A3B503}"/>
-              </a:ext>
-            </a:extLst>
-          </p:cNvPr>
-          <p:cNvPicPr>
-            <a:picLocks noGrp="1"/>
-          </p:cNvPicPr>
-          <p:nvPr>
-            <p:ph idx="1"/>
-          </p:nvPr>
-        </p:nvPicPr>
-        <p:blipFill>
-          <a:blip r:embed="rId2"/>
-          <a:srcRect/>
-          <a:stretch>
-            <a:fillRect/>
-          </a:stretch>
-        </p:blipFill>
-        <p:spPr bwMode="auto">
-          <a:xfrm>
-            <a:off x="0" y="0"/>
-            <a:ext cx="12192000" cy="6991165"/>
-          </a:xfrm>
-          <a:prstGeom prst="rect">
-            <a:avLst/>
-          </a:prstGeom>
-          <a:noFill/>
-          <a:ln w="9525">
-            <a:noFill/>
-            <a:miter lim="800000"/>
-            <a:headEnd/>
-            <a:tailEnd/>
-          </a:ln>
-        </p:spPr>
-      </p:pic>
-    </p:spTree>
-    <p:extLst>
-      <p:ext uri="{BB962C8B-B14F-4D97-AF65-F5344CB8AC3E}">
-        <p14:creationId xmlns:p14="http://schemas.microsoft.com/office/powerpoint/2010/main" val="805908347"/>
-      </p:ext>
-    </p:extLst>
-  </p:cSld>
-  <p:clrMapOvr>
-    <a:masterClrMapping/>
-  </p:clrMapOvr>
-</p:sld>
-</file>
-
-<file path=ppt/slides/slide27.xml><?xml version="1.0" encoding="utf-8"?>
-<p:sld xmlns:a="http://schemas.openxmlformats.org/drawingml/2006/main" xmlns:r="http://schemas.openxmlformats.org/officeDocument/2006/relationships" xmlns:p="http://schemas.openxmlformats.org/presentationml/2006/main">
-  <p:cSld>
-    <p:spTree>
-      <p:nvGrpSpPr>
-        <p:cNvPr id="1" name=""/>
-        <p:cNvGrpSpPr/>
-        <p:nvPr/>
-      </p:nvGrpSpPr>
-      <p:grpSpPr>
-        <a:xfrm>
-          <a:off x="0" y="0"/>
-          <a:ext cx="0" cy="0"/>
-          <a:chOff x="0" y="0"/>
-          <a:chExt cx="0" cy="0"/>
-        </a:xfrm>
-      </p:grpSpPr>
-      <p:sp>
-        <p:nvSpPr>
-          <p:cNvPr id="2" name="Title 1">
-            <a:extLst>
-              <a:ext uri="{FF2B5EF4-FFF2-40B4-BE49-F238E27FC236}">
-                <a16:creationId xmlns:a16="http://schemas.microsoft.com/office/drawing/2014/main" id="{BFC74F8F-170E-4E2A-A3C7-E13AE4508747}"/>
-              </a:ext>
-            </a:extLst>
-          </p:cNvPr>
-          <p:cNvSpPr>
-            <a:spLocks noGrp="1"/>
-          </p:cNvSpPr>
-          <p:nvPr>
-            <p:ph type="title"/>
-          </p:nvPr>
-        </p:nvSpPr>
-        <p:spPr/>
-        <p:txBody>
-          <a:bodyPr/>
-          <a:lstStyle/>
-          <a:p>
-            <a:endParaRPr lang="en-IN"/>
-          </a:p>
-        </p:txBody>
-      </p:sp>
-      <p:pic>
-        <p:nvPicPr>
-          <p:cNvPr id="4" name="Content Placeholder 3">
-            <a:extLst>
-              <a:ext uri="{FF2B5EF4-FFF2-40B4-BE49-F238E27FC236}">
-                <a16:creationId xmlns:a16="http://schemas.microsoft.com/office/drawing/2014/main" id="{034AD6E9-0A22-4E2F-BA6F-81700BC94600}"/>
-              </a:ext>
-            </a:extLst>
-          </p:cNvPr>
-          <p:cNvPicPr>
-            <a:picLocks noGrp="1"/>
-          </p:cNvPicPr>
-          <p:nvPr>
-            <p:ph idx="1"/>
-          </p:nvPr>
-        </p:nvPicPr>
-        <p:blipFill>
-          <a:blip r:embed="rId2"/>
-          <a:srcRect/>
-          <a:stretch>
-            <a:fillRect/>
-          </a:stretch>
-        </p:blipFill>
-        <p:spPr bwMode="auto">
-          <a:xfrm>
-            <a:off x="0" y="798990"/>
-            <a:ext cx="12192000" cy="6059010"/>
-          </a:xfrm>
-          <a:prstGeom prst="rect">
-            <a:avLst/>
-          </a:prstGeom>
-          <a:noFill/>
-          <a:ln w="9525">
-            <a:noFill/>
-            <a:miter lim="800000"/>
-            <a:headEnd/>
-            <a:tailEnd/>
-          </a:ln>
-        </p:spPr>
-      </p:pic>
-      <p:sp>
-        <p:nvSpPr>
-          <p:cNvPr id="5" name="TextBox 4">
-            <a:extLst>
-              <a:ext uri="{FF2B5EF4-FFF2-40B4-BE49-F238E27FC236}">
-                <a16:creationId xmlns:a16="http://schemas.microsoft.com/office/drawing/2014/main" id="{63CB098A-EE3A-4F3C-9EE0-68143C77585E}"/>
-              </a:ext>
-            </a:extLst>
-          </p:cNvPr>
-          <p:cNvSpPr txBox="1"/>
-          <p:nvPr/>
-        </p:nvSpPr>
-        <p:spPr>
-          <a:xfrm>
-            <a:off x="2931850" y="81865"/>
-            <a:ext cx="6094520" cy="523220"/>
-          </a:xfrm>
-          <a:prstGeom prst="rect">
-            <a:avLst/>
-          </a:prstGeom>
-          <a:noFill/>
-        </p:spPr>
-        <p:txBody>
-          <a:bodyPr wrap="square">
-            <a:spAutoFit/>
-          </a:bodyPr>
-          <a:lstStyle/>
-          <a:p>
-            <a:pPr lvl="0" algn="ctr"/>
-            <a:r>
-              <a:rPr lang="en-US" sz="2800" b="1" dirty="0">
-                <a:latin typeface="Times New Roman" pitchFamily="18" charset="0"/>
-                <a:cs typeface="Times New Roman" pitchFamily="18" charset="0"/>
-              </a:rPr>
-              <a:t>Configurations</a:t>
-            </a:r>
-          </a:p>
-        </p:txBody>
-      </p:sp>
-    </p:spTree>
-    <p:extLst>
-      <p:ext uri="{BB962C8B-B14F-4D97-AF65-F5344CB8AC3E}">
-        <p14:creationId xmlns:p14="http://schemas.microsoft.com/office/powerpoint/2010/main" val="1167787990"/>
-      </p:ext>
-    </p:extLst>
-  </p:cSld>
-  <p:clrMapOvr>
-    <a:masterClrMapping/>
-  </p:clrMapOvr>
-</p:sld>
-</file>
-
-<file path=ppt/slides/slide28.xml><?xml version="1.0" encoding="utf-8"?>
-<p:sld xmlns:a="http://schemas.openxmlformats.org/drawingml/2006/main" xmlns:r="http://schemas.openxmlformats.org/officeDocument/2006/relationships" xmlns:p="http://schemas.openxmlformats.org/presentationml/2006/main">
-  <p:cSld>
-    <p:spTree>
-      <p:nvGrpSpPr>
-        <p:cNvPr id="1" name=""/>
-        <p:cNvGrpSpPr/>
-        <p:nvPr/>
-      </p:nvGrpSpPr>
-      <p:grpSpPr>
-        <a:xfrm>
-          <a:off x="0" y="0"/>
-          <a:ext cx="0" cy="0"/>
-          <a:chOff x="0" y="0"/>
-          <a:chExt cx="0" cy="0"/>
-        </a:xfrm>
-      </p:grpSpPr>
-      <p:sp>
-        <p:nvSpPr>
-          <p:cNvPr id="2" name="Title 1">
-            <a:extLst>
-              <a:ext uri="{FF2B5EF4-FFF2-40B4-BE49-F238E27FC236}">
-                <a16:creationId xmlns:a16="http://schemas.microsoft.com/office/drawing/2014/main" id="{B89325AE-3721-4459-8525-577EE0DAD5BD}"/>
-              </a:ext>
-            </a:extLst>
-          </p:cNvPr>
-          <p:cNvSpPr>
-            <a:spLocks noGrp="1"/>
-          </p:cNvSpPr>
-          <p:nvPr>
-            <p:ph type="title"/>
-          </p:nvPr>
-        </p:nvSpPr>
-        <p:spPr>
-          <a:xfrm>
-            <a:off x="1086643" y="310717"/>
-            <a:ext cx="10018713" cy="790113"/>
-          </a:xfrm>
-        </p:spPr>
-        <p:txBody>
-          <a:bodyPr>
-            <a:normAutofit/>
-          </a:bodyPr>
-          <a:lstStyle/>
-          <a:p>
-            <a:pPr lvl="0"/>
-            <a:r>
-              <a:rPr lang="en-US" sz="2800" b="1" dirty="0">
-                <a:latin typeface="Times New Roman" pitchFamily="18" charset="0"/>
-                <a:cs typeface="Times New Roman" pitchFamily="18" charset="0"/>
-              </a:rPr>
-              <a:t>Server Configuration</a:t>
-            </a:r>
-          </a:p>
-        </p:txBody>
-      </p:sp>
-      <p:pic>
-        <p:nvPicPr>
-          <p:cNvPr id="4" name="Content Placeholder 3">
-            <a:extLst>
-              <a:ext uri="{FF2B5EF4-FFF2-40B4-BE49-F238E27FC236}">
-                <a16:creationId xmlns:a16="http://schemas.microsoft.com/office/drawing/2014/main" id="{B427693B-CBB1-4AA2-8BB7-25901D042B95}"/>
-              </a:ext>
-            </a:extLst>
-          </p:cNvPr>
-          <p:cNvPicPr>
-            <a:picLocks noGrp="1"/>
-          </p:cNvPicPr>
-          <p:nvPr>
-            <p:ph idx="1"/>
-          </p:nvPr>
-        </p:nvPicPr>
-        <p:blipFill>
-          <a:blip r:embed="rId2"/>
-          <a:srcRect/>
-          <a:stretch>
-            <a:fillRect/>
-          </a:stretch>
-        </p:blipFill>
-        <p:spPr bwMode="auto">
-          <a:xfrm>
-            <a:off x="0" y="1100830"/>
-            <a:ext cx="12192000" cy="5757169"/>
-          </a:xfrm>
-          <a:prstGeom prst="rect">
-            <a:avLst/>
-          </a:prstGeom>
-          <a:noFill/>
-          <a:ln w="9525">
-            <a:noFill/>
-            <a:miter lim="800000"/>
-            <a:headEnd/>
-            <a:tailEnd/>
-          </a:ln>
-        </p:spPr>
-      </p:pic>
-    </p:spTree>
-    <p:extLst>
-      <p:ext uri="{BB962C8B-B14F-4D97-AF65-F5344CB8AC3E}">
-        <p14:creationId xmlns:p14="http://schemas.microsoft.com/office/powerpoint/2010/main" val="3047224078"/>
       </p:ext>
     </p:extLst>
   </p:cSld>
@@ -11097,7 +11042,7 @@
           <p:cNvPr id="2" name="Title 1">
             <a:extLst>
               <a:ext uri="{FF2B5EF4-FFF2-40B4-BE49-F238E27FC236}">
-                <a16:creationId xmlns:a16="http://schemas.microsoft.com/office/drawing/2014/main" id="{05DB440B-E0C7-4ED6-8B6E-5B0C13E7D17C}"/>
+                <a16:creationId xmlns:a16="http://schemas.microsoft.com/office/drawing/2014/main" id="{EC0D7FBC-55A6-4555-823D-15FEF92AB921}"/>
               </a:ext>
             </a:extLst>
           </p:cNvPr>
@@ -11108,26 +11053,21 @@
             <p:ph type="title"/>
           </p:nvPr>
         </p:nvSpPr>
-        <p:spPr>
-          <a:xfrm>
-            <a:off x="1484311" y="1076417"/>
-            <a:ext cx="10018713" cy="1752599"/>
-          </a:xfrm>
-        </p:spPr>
+        <p:spPr/>
         <p:txBody>
           <a:bodyPr/>
           <a:lstStyle/>
           <a:p>
-            <a:endParaRPr lang="en-IN" dirty="0"/>
+            <a:endParaRPr lang="en-IN"/>
           </a:p>
         </p:txBody>
       </p:sp>
       <p:pic>
         <p:nvPicPr>
-          <p:cNvPr id="7" name="Content Placeholder 6">
+          <p:cNvPr id="4" name="Content Placeholder 3">
             <a:extLst>
               <a:ext uri="{FF2B5EF4-FFF2-40B4-BE49-F238E27FC236}">
-                <a16:creationId xmlns:a16="http://schemas.microsoft.com/office/drawing/2014/main" id="{7AA3B121-90E9-4663-8E39-A1FAE5338638}"/>
+                <a16:creationId xmlns:a16="http://schemas.microsoft.com/office/drawing/2014/main" id="{71C01783-82FD-406B-B247-E88DE6D45ADE}"/>
               </a:ext>
             </a:extLst>
           </p:cNvPr>
@@ -11147,8 +11087,8 @@
         </p:blipFill>
         <p:spPr bwMode="auto">
           <a:xfrm>
-            <a:off x="1" y="861134"/>
-            <a:ext cx="12192000" cy="5996866"/>
+            <a:off x="0" y="685800"/>
+            <a:ext cx="12192000" cy="6172200"/>
           </a:xfrm>
           <a:prstGeom prst="rect">
             <a:avLst/>
@@ -11167,7 +11107,7 @@
           <p:cNvPr id="5" name="TextBox 4">
             <a:extLst>
               <a:ext uri="{FF2B5EF4-FFF2-40B4-BE49-F238E27FC236}">
-                <a16:creationId xmlns:a16="http://schemas.microsoft.com/office/drawing/2014/main" id="{D0C4E700-12D9-4516-9C31-F0930B2F287F}"/>
+                <a16:creationId xmlns:a16="http://schemas.microsoft.com/office/drawing/2014/main" id="{38ED379E-8556-4497-89BF-CD007E9B2D04}"/>
               </a:ext>
             </a:extLst>
           </p:cNvPr>
@@ -11176,7 +11116,7 @@
         </p:nvSpPr>
         <p:spPr>
           <a:xfrm>
-            <a:off x="3970538" y="316468"/>
+            <a:off x="2701030" y="162580"/>
             <a:ext cx="6094520" cy="523220"/>
           </a:xfrm>
           <a:prstGeom prst="rect">
@@ -11190,13 +11130,13 @@
           </a:bodyPr>
           <a:lstStyle/>
           <a:p>
-            <a:pPr lvl="0"/>
+            <a:pPr lvl="0" algn="ctr"/>
             <a:r>
               <a:rPr lang="en-US" sz="2800" b="1" dirty="0">
                 <a:latin typeface="Times New Roman" pitchFamily="18" charset="0"/>
                 <a:cs typeface="Times New Roman" pitchFamily="18" charset="0"/>
               </a:rPr>
-              <a:t>Audit time Configuration</a:t>
+              <a:t>Admin Login:</a:t>
             </a:r>
           </a:p>
         </p:txBody>
@@ -11204,7 +11144,7 @@
     </p:spTree>
     <p:extLst>
       <p:ext uri="{BB962C8B-B14F-4D97-AF65-F5344CB8AC3E}">
-        <p14:creationId xmlns:p14="http://schemas.microsoft.com/office/powerpoint/2010/main" val="2903566342"/>
+        <p14:creationId xmlns:p14="http://schemas.microsoft.com/office/powerpoint/2010/main" val="1561943145"/>
       </p:ext>
     </p:extLst>
   </p:cSld>
@@ -11361,7 +11301,7 @@
           <p:cNvPr id="2" name="Title 1">
             <a:extLst>
               <a:ext uri="{FF2B5EF4-FFF2-40B4-BE49-F238E27FC236}">
-                <a16:creationId xmlns:a16="http://schemas.microsoft.com/office/drawing/2014/main" id="{8C3437CA-ED39-45C6-89CC-68A63329ECCC}"/>
+                <a16:creationId xmlns:a16="http://schemas.microsoft.com/office/drawing/2014/main" id="{3BF1F918-268C-451C-B165-B3756016D46B}"/>
               </a:ext>
             </a:extLst>
           </p:cNvPr>
@@ -11374,161 +11314,64 @@
         </p:nvSpPr>
         <p:spPr>
           <a:xfrm>
-            <a:off x="1564210" y="135385"/>
-            <a:ext cx="10018713" cy="805649"/>
+            <a:off x="1086643" y="82119"/>
+            <a:ext cx="10018713" cy="929936"/>
           </a:xfrm>
         </p:spPr>
         <p:txBody>
-          <a:bodyPr/>
+          <a:bodyPr>
+            <a:normAutofit/>
+          </a:bodyPr>
           <a:lstStyle/>
           <a:p>
-            <a:r>
-              <a:rPr lang="en-US" dirty="0">
-                <a:latin typeface="Algerian" panose="04020705040A02060702" pitchFamily="82" charset="0"/>
-              </a:rPr>
-              <a:t>CONCLUSION AND FUTURE ENHANCEMENT</a:t>
-            </a:r>
-            <a:endParaRPr lang="en-IN" dirty="0">
-              <a:latin typeface="Algerian" panose="04020705040A02060702" pitchFamily="82" charset="0"/>
-            </a:endParaRPr>
-          </a:p>
-        </p:txBody>
-      </p:sp>
-      <p:sp>
-        <p:nvSpPr>
-          <p:cNvPr id="3" name="Content Placeholder 2">
+            <a:endParaRPr lang="en-IN" sz="2800" b="1" dirty="0"/>
+          </a:p>
+        </p:txBody>
+      </p:sp>
+      <p:pic>
+        <p:nvPicPr>
+          <p:cNvPr id="4" name="Content Placeholder 3">
             <a:extLst>
               <a:ext uri="{FF2B5EF4-FFF2-40B4-BE49-F238E27FC236}">
-                <a16:creationId xmlns:a16="http://schemas.microsoft.com/office/drawing/2014/main" id="{A4B6EA16-79D9-4CA7-BA83-D4DAE0DC39C0}"/>
+                <a16:creationId xmlns:a16="http://schemas.microsoft.com/office/drawing/2014/main" id="{C2074AB0-1967-48AB-9554-1D89D8A3B503}"/>
               </a:ext>
             </a:extLst>
           </p:cNvPr>
-          <p:cNvSpPr>
-            <a:spLocks noGrp="1"/>
-          </p:cNvSpPr>
+          <p:cNvPicPr>
+            <a:picLocks noGrp="1"/>
+          </p:cNvPicPr>
           <p:nvPr>
             <p:ph idx="1"/>
           </p:nvPr>
-        </p:nvSpPr>
-        <p:spPr>
+        </p:nvPicPr>
+        <p:blipFill>
+          <a:blip r:embed="rId2"/>
+          <a:srcRect/>
+          <a:stretch>
+            <a:fillRect/>
+          </a:stretch>
+        </p:blipFill>
+        <p:spPr bwMode="auto">
           <a:xfrm>
-            <a:off x="1484310" y="1012055"/>
-            <a:ext cx="10018713" cy="5308846"/>
+            <a:off x="0" y="0"/>
+            <a:ext cx="12192000" cy="6991165"/>
           </a:xfrm>
+          <a:prstGeom prst="rect">
+            <a:avLst/>
+          </a:prstGeom>
+          <a:noFill/>
+          <a:ln w="9525">
+            <a:noFill/>
+            <a:miter lim="800000"/>
+            <a:headEnd/>
+            <a:tailEnd/>
+          </a:ln>
         </p:spPr>
-        <p:txBody>
-          <a:bodyPr anchor="t">
-            <a:normAutofit fontScale="92500" lnSpcReduction="10000"/>
-          </a:bodyPr>
-          <a:lstStyle/>
-          <a:p>
-            <a:pPr lvl="1">
-              <a:buFont typeface="Arial" panose="020B0604020202020204" pitchFamily="34" charset="0"/>
-              <a:buChar char="•"/>
-            </a:pPr>
-            <a:r>
-              <a:rPr lang="en-US" sz="2400" dirty="0">
-                <a:effectLst/>
-                <a:latin typeface="Times New Roman" panose="02020603050405020304" pitchFamily="18" charset="0"/>
-                <a:ea typeface="Times New Roman" panose="02020603050405020304" pitchFamily="18" charset="0"/>
-                <a:cs typeface="Times New Roman" panose="02020603050405020304" pitchFamily="18" charset="0"/>
-              </a:rPr>
-              <a:t>The data auditing in file level, block level, and replica level are achieved for verifying data integrity of the entire file.</a:t>
-            </a:r>
-          </a:p>
-          <a:p>
-            <a:pPr lvl="1">
-              <a:buFont typeface="Arial" panose="020B0604020202020204" pitchFamily="34" charset="0"/>
-              <a:buChar char="•"/>
-            </a:pPr>
-            <a:r>
-              <a:rPr lang="en-US" sz="2400" dirty="0">
-                <a:effectLst/>
-                <a:latin typeface="Times New Roman" panose="02020603050405020304" pitchFamily="18" charset="0"/>
-                <a:ea typeface="Times New Roman" panose="02020603050405020304" pitchFamily="18" charset="0"/>
-                <a:cs typeface="Times New Roman" panose="02020603050405020304" pitchFamily="18" charset="0"/>
-              </a:rPr>
-              <a:t> Few blocks for frequent audit tasks making it computationally efficient and replica level auditing to ensure data consistency across all the replicas in the cloud respectively.</a:t>
-            </a:r>
-          </a:p>
-          <a:p>
-            <a:pPr lvl="1">
-              <a:buFont typeface="Arial" panose="020B0604020202020204" pitchFamily="34" charset="0"/>
-              <a:buChar char="•"/>
-            </a:pPr>
-            <a:r>
-              <a:rPr lang="en-US" sz="2400" dirty="0">
-                <a:effectLst/>
-                <a:latin typeface="Times New Roman" panose="02020603050405020304" pitchFamily="18" charset="0"/>
-                <a:ea typeface="Times New Roman" panose="02020603050405020304" pitchFamily="18" charset="0"/>
-                <a:cs typeface="Times New Roman" panose="02020603050405020304" pitchFamily="18" charset="0"/>
-              </a:rPr>
-              <a:t> Further, the corrupted blocks identified during auditing is localized and corrected to suit the need for real-time applications. Moreover, public auditing preserves the privacy of user data from TPA through the random ordering of the blocks being unknown to TPA and CS. </a:t>
-            </a:r>
-          </a:p>
-          <a:p>
-            <a:pPr lvl="1">
-              <a:buFont typeface="Arial" panose="020B0604020202020204" pitchFamily="34" charset="0"/>
-              <a:buChar char="•"/>
-            </a:pPr>
-            <a:r>
-              <a:rPr lang="en-US" sz="2400" dirty="0">
-                <a:effectLst/>
-                <a:latin typeface="Times New Roman" panose="02020603050405020304" pitchFamily="18" charset="0"/>
-                <a:ea typeface="Times New Roman" panose="02020603050405020304" pitchFamily="18" charset="0"/>
-                <a:cs typeface="Times New Roman" panose="02020603050405020304" pitchFamily="18" charset="0"/>
-              </a:rPr>
-              <a:t>Further data dynamics is performed maintaining public verifiability on the same with reduced complexity which was better than the existing schemes.</a:t>
-            </a:r>
-            <a:endParaRPr lang="en-IN" sz="2400" dirty="0">
-              <a:effectLst/>
-              <a:latin typeface="Times New Roman" panose="02020603050405020304" pitchFamily="18" charset="0"/>
-              <a:ea typeface="Times New Roman" panose="02020603050405020304" pitchFamily="18" charset="0"/>
-              <a:cs typeface="Times New Roman" panose="02020603050405020304" pitchFamily="18" charset="0"/>
-            </a:endParaRPr>
-          </a:p>
-          <a:p>
-            <a:pPr marL="0" indent="0">
-              <a:buNone/>
-            </a:pPr>
-            <a:r>
-              <a:rPr lang="en-IN" dirty="0">
-                <a:latin typeface="Algerian" panose="04020705040A02060702" pitchFamily="82" charset="0"/>
-                <a:cs typeface="Times New Roman" panose="02020603050405020304" pitchFamily="18" charset="0"/>
-              </a:rPr>
-              <a:t>FUTURE ENHANCEMENT:</a:t>
-            </a:r>
-          </a:p>
-          <a:p>
-            <a:pPr lvl="1"/>
-            <a:r>
-              <a:rPr lang="en-US" sz="2400" dirty="0">
-                <a:effectLst/>
-                <a:latin typeface="Times New Roman" panose="02020603050405020304" pitchFamily="18" charset="0"/>
-                <a:ea typeface="Times New Roman" panose="02020603050405020304" pitchFamily="18" charset="0"/>
-                <a:cs typeface="Times New Roman" panose="02020603050405020304" pitchFamily="18" charset="0"/>
-              </a:rPr>
-              <a:t>The future work is to extend the framework for data sharing where data integrity is verified over the shared data across the user group.</a:t>
-            </a:r>
-            <a:endParaRPr lang="en-IN" sz="2400" dirty="0">
-              <a:effectLst/>
-              <a:latin typeface="Times New Roman" panose="02020603050405020304" pitchFamily="18" charset="0"/>
-              <a:ea typeface="Times New Roman" panose="02020603050405020304" pitchFamily="18" charset="0"/>
-              <a:cs typeface="Times New Roman" panose="02020603050405020304" pitchFamily="18" charset="0"/>
-            </a:endParaRPr>
-          </a:p>
-          <a:p>
-            <a:pPr marL="457200" lvl="1" indent="0">
-              <a:buNone/>
-            </a:pPr>
-            <a:endParaRPr lang="en-IN" dirty="0"/>
-          </a:p>
-        </p:txBody>
-      </p:sp>
+      </p:pic>
     </p:spTree>
     <p:extLst>
       <p:ext uri="{BB962C8B-B14F-4D97-AF65-F5344CB8AC3E}">
-        <p14:creationId xmlns:p14="http://schemas.microsoft.com/office/powerpoint/2010/main" val="533682941"/>
+        <p14:creationId xmlns:p14="http://schemas.microsoft.com/office/powerpoint/2010/main" val="805908347"/>
       </p:ext>
     </p:extLst>
   </p:cSld>
@@ -11560,7 +11403,7 @@
           <p:cNvPr id="2" name="Title 1">
             <a:extLst>
               <a:ext uri="{FF2B5EF4-FFF2-40B4-BE49-F238E27FC236}">
-                <a16:creationId xmlns:a16="http://schemas.microsoft.com/office/drawing/2014/main" id="{2AB85173-9EAA-4B5F-BBA2-3DBECFC94371}"/>
+                <a16:creationId xmlns:a16="http://schemas.microsoft.com/office/drawing/2014/main" id="{BFC74F8F-170E-4E2A-A3C7-E13AE4508747}"/>
               </a:ext>
             </a:extLst>
           </p:cNvPr>
@@ -11571,279 +11414,98 @@
             <p:ph type="title"/>
           </p:nvPr>
         </p:nvSpPr>
-        <p:spPr>
-          <a:xfrm>
-            <a:off x="1484311" y="337351"/>
-            <a:ext cx="10018713" cy="1065321"/>
-          </a:xfrm>
-        </p:spPr>
+        <p:spPr/>
         <p:txBody>
           <a:bodyPr/>
           <a:lstStyle/>
           <a:p>
-            <a:r>
-              <a:rPr lang="en-US" b="1" dirty="0">
-                <a:latin typeface="Baskerville Old Face" panose="02020602080505020303" pitchFamily="18" charset="0"/>
-              </a:rPr>
-              <a:t>REFERENCE</a:t>
-            </a:r>
-            <a:endParaRPr lang="en-IN" b="1" dirty="0">
-              <a:latin typeface="Baskerville Old Face" panose="02020602080505020303" pitchFamily="18" charset="0"/>
-            </a:endParaRPr>
-          </a:p>
-        </p:txBody>
-      </p:sp>
-      <p:sp>
-        <p:nvSpPr>
-          <p:cNvPr id="3" name="Content Placeholder 2">
+            <a:endParaRPr lang="en-IN"/>
+          </a:p>
+        </p:txBody>
+      </p:sp>
+      <p:pic>
+        <p:nvPicPr>
+          <p:cNvPr id="4" name="Content Placeholder 3">
             <a:extLst>
               <a:ext uri="{FF2B5EF4-FFF2-40B4-BE49-F238E27FC236}">
-                <a16:creationId xmlns:a16="http://schemas.microsoft.com/office/drawing/2014/main" id="{C7FC4D9E-2D34-418C-963F-41CC9DB224D2}"/>
+                <a16:creationId xmlns:a16="http://schemas.microsoft.com/office/drawing/2014/main" id="{034AD6E9-0A22-4E2F-BA6F-81700BC94600}"/>
               </a:ext>
             </a:extLst>
           </p:cNvPr>
-          <p:cNvSpPr>
-            <a:spLocks noGrp="1"/>
-          </p:cNvSpPr>
+          <p:cNvPicPr>
+            <a:picLocks noGrp="1"/>
+          </p:cNvPicPr>
           <p:nvPr>
             <p:ph idx="1"/>
           </p:nvPr>
+        </p:nvPicPr>
+        <p:blipFill>
+          <a:blip r:embed="rId2"/>
+          <a:srcRect/>
+          <a:stretch>
+            <a:fillRect/>
+          </a:stretch>
+        </p:blipFill>
+        <p:spPr bwMode="auto">
+          <a:xfrm>
+            <a:off x="0" y="798990"/>
+            <a:ext cx="12192000" cy="6059010"/>
+          </a:xfrm>
+          <a:prstGeom prst="rect">
+            <a:avLst/>
+          </a:prstGeom>
+          <a:noFill/>
+          <a:ln w="9525">
+            <a:noFill/>
+            <a:miter lim="800000"/>
+            <a:headEnd/>
+            <a:tailEnd/>
+          </a:ln>
+        </p:spPr>
+      </p:pic>
+      <p:sp>
+        <p:nvSpPr>
+          <p:cNvPr id="5" name="TextBox 4">
+            <a:extLst>
+              <a:ext uri="{FF2B5EF4-FFF2-40B4-BE49-F238E27FC236}">
+                <a16:creationId xmlns:a16="http://schemas.microsoft.com/office/drawing/2014/main" id="{63CB098A-EE3A-4F3C-9EE0-68143C77585E}"/>
+              </a:ext>
+            </a:extLst>
+          </p:cNvPr>
+          <p:cNvSpPr txBox="1"/>
+          <p:nvPr/>
         </p:nvSpPr>
         <p:spPr>
           <a:xfrm>
-            <a:off x="1484310" y="1402673"/>
-            <a:ext cx="10018713" cy="4388528"/>
+            <a:off x="2931850" y="81865"/>
+            <a:ext cx="6094520" cy="523220"/>
           </a:xfrm>
+          <a:prstGeom prst="rect">
+            <a:avLst/>
+          </a:prstGeom>
+          <a:noFill/>
         </p:spPr>
         <p:txBody>
-          <a:bodyPr anchor="t"/>
+          <a:bodyPr wrap="square">
+            <a:spAutoFit/>
+          </a:bodyPr>
           <a:lstStyle/>
           <a:p>
-            <a:pPr marL="0" indent="0">
-              <a:buNone/>
-            </a:pPr>
-            <a:r>
-              <a:rPr kumimoji="0" lang="en-US" sz="2400" b="1" kern="1200" dirty="0">
-                <a:solidFill>
-                  <a:schemeClr val="dk1"/>
-                </a:solidFill>
-                <a:latin typeface="Times New Roman" panose="02020603050405020304" pitchFamily="18" charset="0"/>
-                <a:cs typeface="Times New Roman" panose="02020603050405020304" pitchFamily="18" charset="0"/>
-              </a:rPr>
-              <a:t>1.Identity-Based Distributed Provable Data Possession in Multi-Cloud Storage;</a:t>
-            </a:r>
-            <a:r>
-              <a:rPr kumimoji="0" lang="en-US" sz="2400" kern="1200" dirty="0">
-                <a:solidFill>
-                  <a:schemeClr val="dk1"/>
-                </a:solidFill>
-                <a:latin typeface="Times New Roman" panose="02020603050405020304" pitchFamily="18" charset="0"/>
-                <a:cs typeface="Times New Roman" panose="02020603050405020304" pitchFamily="18" charset="0"/>
-              </a:rPr>
-              <a:t> Giuseppe Ateniese</a:t>
-            </a:r>
-            <a:r>
-              <a:rPr lang="en-US" dirty="0">
-                <a:solidFill>
-                  <a:schemeClr val="dk1"/>
-                </a:solidFill>
-                <a:latin typeface="Times New Roman" panose="02020603050405020304" pitchFamily="18" charset="0"/>
-                <a:cs typeface="Times New Roman" panose="02020603050405020304" pitchFamily="18" charset="0"/>
-              </a:rPr>
-              <a:t>,</a:t>
-            </a:r>
-            <a:r>
-              <a:rPr kumimoji="0" lang="en-US" sz="2400" kern="1200" dirty="0">
-                <a:solidFill>
-                  <a:schemeClr val="dk1"/>
-                </a:solidFill>
-                <a:latin typeface="Times New Roman" panose="02020603050405020304" pitchFamily="18" charset="0"/>
-                <a:cs typeface="Times New Roman" panose="02020603050405020304" pitchFamily="18" charset="0"/>
-              </a:rPr>
-              <a:t>Randal Burns,Reza Curtmola, Joseph Herring-2015.</a:t>
-            </a:r>
-          </a:p>
-          <a:p>
-            <a:pPr marL="0" indent="0">
-              <a:buNone/>
-            </a:pPr>
-            <a:r>
-              <a:rPr lang="en-US" b="1" dirty="0">
-                <a:solidFill>
-                  <a:schemeClr val="dk1"/>
-                </a:solidFill>
-                <a:latin typeface="Times New Roman" panose="02020603050405020304" pitchFamily="18" charset="0"/>
-                <a:cs typeface="Times New Roman" panose="02020603050405020304" pitchFamily="18" charset="0"/>
-              </a:rPr>
-              <a:t>2.</a:t>
-            </a:r>
-            <a:r>
-              <a:rPr kumimoji="0" lang="en-US" sz="2400" b="1" kern="1200" dirty="0">
-                <a:solidFill>
-                  <a:schemeClr val="dk1"/>
-                </a:solidFill>
-                <a:latin typeface="Times New Roman" panose="02020603050405020304" pitchFamily="18" charset="0"/>
-                <a:cs typeface="Times New Roman" panose="02020603050405020304" pitchFamily="18" charset="0"/>
-              </a:rPr>
-              <a:t>An Efficient and Secure Dynamic Auditing Protocol for Data Storage in Cloud Computing;</a:t>
-            </a:r>
-            <a:r>
-              <a:rPr kumimoji="0" lang="en-US" sz="2400" kern="1200" dirty="0">
-                <a:solidFill>
-                  <a:schemeClr val="dk1"/>
-                </a:solidFill>
-                <a:latin typeface="Times New Roman" panose="02020603050405020304" pitchFamily="18" charset="0"/>
-                <a:cs typeface="Times New Roman" panose="02020603050405020304" pitchFamily="18" charset="0"/>
-              </a:rPr>
-              <a:t> Kan Yang, Xiaohua Jia-2012.</a:t>
-            </a:r>
-          </a:p>
-          <a:p>
-            <a:pPr marL="0" indent="0">
-              <a:buNone/>
-            </a:pPr>
-            <a:r>
-              <a:rPr kumimoji="0" lang="en-US" sz="2400" b="1" kern="1200" dirty="0">
-                <a:solidFill>
-                  <a:schemeClr val="dk1"/>
-                </a:solidFill>
-                <a:latin typeface="Times New Roman" panose="02020603050405020304" pitchFamily="18" charset="0"/>
-                <a:cs typeface="Times New Roman" panose="02020603050405020304" pitchFamily="18" charset="0"/>
-              </a:rPr>
-              <a:t>3.Auditing to Keep Online Storage Services Honest;</a:t>
-            </a:r>
-            <a:r>
-              <a:rPr kumimoji="0" lang="en-US" sz="2400" kern="1200" dirty="0">
-                <a:solidFill>
-                  <a:schemeClr val="dk1"/>
-                </a:solidFill>
-                <a:latin typeface="Times New Roman" panose="02020603050405020304" pitchFamily="18" charset="0"/>
-                <a:cs typeface="Times New Roman" panose="02020603050405020304" pitchFamily="18" charset="0"/>
-              </a:rPr>
-              <a:t> Mehul A. Shah, Mary Baker, Jeffrey C. Mogul, Ram Swaminathan-2007.</a:t>
-            </a:r>
-          </a:p>
-          <a:p>
-            <a:pPr marL="0" indent="0">
-              <a:buNone/>
-            </a:pPr>
-            <a:r>
-              <a:rPr kumimoji="0" lang="en-US" sz="2400" b="1" kern="1200" dirty="0">
-                <a:solidFill>
-                  <a:schemeClr val="dk1"/>
-                </a:solidFill>
-                <a:latin typeface="Times New Roman" panose="02020603050405020304" pitchFamily="18" charset="0"/>
-                <a:cs typeface="Times New Roman" panose="02020603050405020304" pitchFamily="18" charset="0"/>
-              </a:rPr>
-              <a:t>4.Provable Data Possession at Untrusted Stores;</a:t>
-            </a:r>
-            <a:r>
-              <a:rPr kumimoji="0" lang="en-US" sz="2400" kern="1200" dirty="0">
-                <a:solidFill>
-                  <a:schemeClr val="dk1"/>
-                </a:solidFill>
-                <a:latin typeface="Times New Roman" panose="02020603050405020304" pitchFamily="18" charset="0"/>
-                <a:cs typeface="Times New Roman" panose="02020603050405020304" pitchFamily="18" charset="0"/>
-              </a:rPr>
-              <a:t> Giuseppe Ateniese Randal Burns Reza Curtmola Joseph Herring† Lea Kissner  Zachary Peterson Dawn Song-2007</a:t>
-            </a:r>
-          </a:p>
-          <a:p>
-            <a:pPr marL="0" indent="0">
-              <a:buNone/>
-            </a:pPr>
-            <a:endParaRPr kumimoji="0" lang="en-US" sz="2400" kern="1200" dirty="0">
-              <a:solidFill>
-                <a:schemeClr val="dk1"/>
-              </a:solidFill>
-              <a:latin typeface="Times New Roman" pitchFamily="18" charset="0"/>
-              <a:ea typeface="+mn-ea"/>
-              <a:cs typeface="Times New Roman" pitchFamily="18" charset="0"/>
-            </a:endParaRPr>
-          </a:p>
-          <a:p>
-            <a:pPr marL="457200" indent="-457200">
-              <a:buFont typeface="Arial"/>
-              <a:buAutoNum type="arabicPeriod"/>
-            </a:pPr>
-            <a:endParaRPr lang="en-US" sz="2400" dirty="0">
-              <a:latin typeface="Times New Roman" pitchFamily="18" charset="0"/>
-              <a:cs typeface="Times New Roman" pitchFamily="18" charset="0"/>
-            </a:endParaRPr>
-          </a:p>
-          <a:p>
-            <a:pPr marL="457200" indent="-457200">
-              <a:buFont typeface="Arial"/>
-              <a:buAutoNum type="arabicPeriod"/>
-            </a:pPr>
-            <a:endParaRPr kumimoji="0" lang="en-US" sz="2400" kern="1200" dirty="0">
-              <a:solidFill>
-                <a:schemeClr val="dk1"/>
-              </a:solidFill>
-              <a:latin typeface="Times New Roman" pitchFamily="18" charset="0"/>
-              <a:ea typeface="+mn-ea"/>
-              <a:cs typeface="Times New Roman" pitchFamily="18" charset="0"/>
-            </a:endParaRPr>
-          </a:p>
-          <a:p>
-            <a:pPr marL="457200" indent="-457200">
-              <a:buFont typeface="Arial"/>
-              <a:buAutoNum type="arabicPeriod"/>
-            </a:pPr>
-            <a:endParaRPr kumimoji="0" lang="en-US" sz="2400" kern="1200" dirty="0">
-              <a:solidFill>
-                <a:schemeClr val="dk1"/>
-              </a:solidFill>
-              <a:latin typeface="Times New Roman" pitchFamily="18" charset="0"/>
-              <a:ea typeface="+mn-ea"/>
-              <a:cs typeface="Times New Roman" pitchFamily="18" charset="0"/>
-            </a:endParaRPr>
-          </a:p>
-          <a:p>
-            <a:pPr marL="457200" indent="-457200">
-              <a:buFont typeface="Arial"/>
-              <a:buAutoNum type="arabicPeriod"/>
-            </a:pPr>
-            <a:endParaRPr kumimoji="0" lang="en-US" sz="2400" kern="1200" dirty="0">
-              <a:solidFill>
-                <a:schemeClr val="dk1"/>
-              </a:solidFill>
-              <a:latin typeface="Times New Roman" pitchFamily="18" charset="0"/>
-              <a:ea typeface="+mn-ea"/>
-              <a:cs typeface="Times New Roman" pitchFamily="18" charset="0"/>
-            </a:endParaRPr>
-          </a:p>
-          <a:p>
-            <a:pPr marL="457200" indent="-457200">
-              <a:buAutoNum type="arabicPeriod"/>
-            </a:pPr>
-            <a:endParaRPr lang="en-US" sz="2400" b="0" dirty="0">
-              <a:latin typeface="Times New Roman" panose="02020603050405020304" pitchFamily="18" charset="0"/>
-              <a:cs typeface="Times New Roman" pitchFamily="18" charset="0"/>
-            </a:endParaRPr>
-          </a:p>
-          <a:p>
-            <a:pPr marL="0" indent="0">
-              <a:buNone/>
-            </a:pPr>
-            <a:endParaRPr kumimoji="0" lang="en-US" sz="2400" kern="1200" dirty="0">
-              <a:solidFill>
-                <a:schemeClr val="dk1"/>
-              </a:solidFill>
-              <a:latin typeface="Times New Roman" pitchFamily="18" charset="0"/>
-              <a:ea typeface="+mn-ea"/>
-              <a:cs typeface="Times New Roman" pitchFamily="18" charset="0"/>
-            </a:endParaRPr>
-          </a:p>
-          <a:p>
-            <a:endParaRPr lang="en-IN" dirty="0"/>
+            <a:pPr lvl="0" algn="ctr"/>
+            <a:r>
+              <a:rPr lang="en-US" sz="2800" b="1" dirty="0">
+                <a:latin typeface="Times New Roman" pitchFamily="18" charset="0"/>
+                <a:cs typeface="Times New Roman" pitchFamily="18" charset="0"/>
+              </a:rPr>
+              <a:t>Configurations</a:t>
+            </a:r>
           </a:p>
         </p:txBody>
       </p:sp>
     </p:spTree>
     <p:extLst>
       <p:ext uri="{BB962C8B-B14F-4D97-AF65-F5344CB8AC3E}">
-        <p14:creationId xmlns:p14="http://schemas.microsoft.com/office/powerpoint/2010/main" val="2712740603"/>
+        <p14:creationId xmlns:p14="http://schemas.microsoft.com/office/powerpoint/2010/main" val="1167787990"/>
       </p:ext>
     </p:extLst>
   </p:cSld>
@@ -11875,7 +11537,7 @@
           <p:cNvPr id="2" name="Title 1">
             <a:extLst>
               <a:ext uri="{FF2B5EF4-FFF2-40B4-BE49-F238E27FC236}">
-                <a16:creationId xmlns:a16="http://schemas.microsoft.com/office/drawing/2014/main" id="{A91A1441-AA81-4043-91D8-4DFE92CBA876}"/>
+                <a16:creationId xmlns:a16="http://schemas.microsoft.com/office/drawing/2014/main" id="{B89325AE-3721-4459-8525-577EE0DAD5BD}"/>
               </a:ext>
             </a:extLst>
           </p:cNvPr>
@@ -11887,421 +11549,72 @@
           </p:nvPr>
         </p:nvSpPr>
         <p:spPr>
-          <a:xfrm flipV="1">
-            <a:off x="1484311" y="488273"/>
-            <a:ext cx="10349623" cy="197528"/>
+          <a:xfrm>
+            <a:off x="1086643" y="310717"/>
+            <a:ext cx="10018713" cy="790113"/>
           </a:xfrm>
         </p:spPr>
         <p:txBody>
           <a:bodyPr>
-            <a:normAutofit fontScale="90000"/>
+            <a:normAutofit/>
           </a:bodyPr>
           <a:lstStyle/>
           <a:p>
-            <a:endParaRPr lang="en-IN" dirty="0"/>
-          </a:p>
-        </p:txBody>
-      </p:sp>
-      <p:sp>
-        <p:nvSpPr>
-          <p:cNvPr id="3" name="Content Placeholder 2">
+            <a:pPr lvl="0"/>
+            <a:r>
+              <a:rPr lang="en-US" sz="2800" b="1" dirty="0">
+                <a:latin typeface="Times New Roman" pitchFamily="18" charset="0"/>
+                <a:cs typeface="Times New Roman" pitchFamily="18" charset="0"/>
+              </a:rPr>
+              <a:t>Server Configuration</a:t>
+            </a:r>
+          </a:p>
+        </p:txBody>
+      </p:sp>
+      <p:pic>
+        <p:nvPicPr>
+          <p:cNvPr id="4" name="Content Placeholder 3">
             <a:extLst>
               <a:ext uri="{FF2B5EF4-FFF2-40B4-BE49-F238E27FC236}">
-                <a16:creationId xmlns:a16="http://schemas.microsoft.com/office/drawing/2014/main" id="{7381409C-76EC-498A-8915-BA2EE699E2DC}"/>
+                <a16:creationId xmlns:a16="http://schemas.microsoft.com/office/drawing/2014/main" id="{B427693B-CBB1-4AA2-8BB7-25901D042B95}"/>
               </a:ext>
             </a:extLst>
           </p:cNvPr>
-          <p:cNvSpPr>
-            <a:spLocks noGrp="1"/>
-          </p:cNvSpPr>
+          <p:cNvPicPr>
+            <a:picLocks noGrp="1"/>
+          </p:cNvPicPr>
           <p:nvPr>
             <p:ph idx="1"/>
           </p:nvPr>
-        </p:nvSpPr>
-        <p:spPr>
+        </p:nvPicPr>
+        <p:blipFill>
+          <a:blip r:embed="rId2"/>
+          <a:srcRect/>
+          <a:stretch>
+            <a:fillRect/>
+          </a:stretch>
+        </p:blipFill>
+        <p:spPr bwMode="auto">
           <a:xfrm>
-            <a:off x="1484310" y="1091953"/>
-            <a:ext cx="10018713" cy="4699247"/>
+            <a:off x="0" y="1100830"/>
+            <a:ext cx="12192000" cy="5757169"/>
           </a:xfrm>
+          <a:prstGeom prst="rect">
+            <a:avLst/>
+          </a:prstGeom>
+          <a:noFill/>
+          <a:ln w="9525">
+            <a:noFill/>
+            <a:miter lim="800000"/>
+            <a:headEnd/>
+            <a:tailEnd/>
+          </a:ln>
         </p:spPr>
-        <p:txBody>
-          <a:bodyPr anchor="t">
-            <a:normAutofit fontScale="92500" lnSpcReduction="10000"/>
-          </a:bodyPr>
-          <a:lstStyle/>
-          <a:p>
-            <a:pPr marL="0" indent="0">
-              <a:buNone/>
-            </a:pPr>
-            <a:r>
-              <a:rPr lang="en-US" dirty="0">
-                <a:latin typeface="Times New Roman" panose="02020603050405020304" pitchFamily="18" charset="0"/>
-                <a:cs typeface="Times New Roman" panose="02020603050405020304" pitchFamily="18" charset="0"/>
-              </a:rPr>
-              <a:t>5.</a:t>
-            </a:r>
-            <a:r>
-              <a:rPr kumimoji="0" lang="en-US" sz="2400" b="1" kern="1200" dirty="0">
-                <a:solidFill>
-                  <a:schemeClr val="dk1"/>
-                </a:solidFill>
-                <a:latin typeface="Times New Roman" panose="02020603050405020304" pitchFamily="18" charset="0"/>
-                <a:cs typeface="Times New Roman" panose="02020603050405020304" pitchFamily="18" charset="0"/>
-              </a:rPr>
-              <a:t> Privacy-Preserving Audit and Extraction of Digital Contents ;</a:t>
-            </a:r>
-            <a:r>
-              <a:rPr kumimoji="0" lang="en-US" sz="2400" kern="1200" dirty="0">
-                <a:solidFill>
-                  <a:schemeClr val="dk1"/>
-                </a:solidFill>
-                <a:latin typeface="Times New Roman" panose="02020603050405020304" pitchFamily="18" charset="0"/>
-                <a:cs typeface="Times New Roman" panose="02020603050405020304" pitchFamily="18" charset="0"/>
-              </a:rPr>
-              <a:t> Cong Wang, Sherman S.-M. Chow-2010.</a:t>
-            </a:r>
-          </a:p>
-          <a:p>
-            <a:pPr marL="0" indent="0">
-              <a:buNone/>
-            </a:pPr>
-            <a:r>
-              <a:rPr lang="en-US" dirty="0">
-                <a:solidFill>
-                  <a:schemeClr val="dk1"/>
-                </a:solidFill>
-                <a:latin typeface="Times New Roman" panose="02020603050405020304" pitchFamily="18" charset="0"/>
-                <a:cs typeface="Times New Roman" pitchFamily="18" charset="0"/>
-              </a:rPr>
-              <a:t>6.</a:t>
-            </a:r>
-            <a:r>
-              <a:rPr kumimoji="0" lang="en-US" sz="2400" b="1" kern="1200" dirty="0">
-                <a:solidFill>
-                  <a:schemeClr val="dk1"/>
-                </a:solidFill>
-                <a:latin typeface="Times New Roman" panose="02020603050405020304" pitchFamily="18" charset="0"/>
-                <a:cs typeface="Times New Roman" panose="02020603050405020304" pitchFamily="18" charset="0"/>
-              </a:rPr>
-              <a:t> Privacy-Preserving Public Auditing for Secure Cloud Storage;</a:t>
-            </a:r>
-            <a:r>
-              <a:rPr kumimoji="0" lang="en-US" sz="2400" kern="1200" dirty="0">
-                <a:solidFill>
-                  <a:schemeClr val="dk1"/>
-                </a:solidFill>
-                <a:latin typeface="Times New Roman" panose="02020603050405020304" pitchFamily="18" charset="0"/>
-                <a:cs typeface="Times New Roman" panose="02020603050405020304" pitchFamily="18" charset="0"/>
-              </a:rPr>
-              <a:t> Mikael Asplund, Simin Nadjm-Tehrani-2011.</a:t>
-            </a:r>
-          </a:p>
-          <a:p>
-            <a:pPr marL="0" indent="0">
-              <a:buNone/>
-            </a:pPr>
-            <a:r>
-              <a:rPr lang="en-US" dirty="0">
-                <a:solidFill>
-                  <a:schemeClr val="dk1"/>
-                </a:solidFill>
-                <a:latin typeface="Times New Roman" panose="02020603050405020304" pitchFamily="18" charset="0"/>
-                <a:cs typeface="Times New Roman" pitchFamily="18" charset="0"/>
-              </a:rPr>
-              <a:t>7.</a:t>
-            </a:r>
-            <a:r>
-              <a:rPr kumimoji="0" lang="en-US" sz="2400" b="1" kern="1200" dirty="0">
-                <a:solidFill>
-                  <a:schemeClr val="dk1"/>
-                </a:solidFill>
-                <a:latin typeface="Times New Roman" panose="02020603050405020304" pitchFamily="18" charset="0"/>
-                <a:cs typeface="Times New Roman" panose="02020603050405020304" pitchFamily="18" charset="0"/>
-              </a:rPr>
-              <a:t> Dynamic Audit Services for Integrity Verification of Outsourced Storages in Clouds;</a:t>
-            </a:r>
-            <a:r>
-              <a:rPr kumimoji="0" lang="en-US" sz="2400" kern="1200" dirty="0">
-                <a:solidFill>
-                  <a:schemeClr val="dk1"/>
-                </a:solidFill>
-                <a:latin typeface="Times New Roman" panose="02020603050405020304" pitchFamily="18" charset="0"/>
-                <a:cs typeface="Times New Roman" panose="02020603050405020304" pitchFamily="18" charset="0"/>
-              </a:rPr>
-              <a:t> Yan Zhu, Huaixi Wang-</a:t>
-            </a:r>
-            <a:r>
-              <a:rPr lang="en-US" sz="2400" b="0" dirty="0">
-                <a:latin typeface="Times New Roman" panose="02020603050405020304" pitchFamily="18" charset="0"/>
-                <a:cs typeface="Times New Roman" panose="02020603050405020304" pitchFamily="18" charset="0"/>
-              </a:rPr>
-              <a:t>2013.</a:t>
-            </a:r>
-          </a:p>
-          <a:p>
-            <a:pPr marL="0" indent="0">
-              <a:buNone/>
-            </a:pPr>
-            <a:r>
-              <a:rPr lang="en-US" dirty="0">
-                <a:latin typeface="Times New Roman" panose="02020603050405020304" pitchFamily="18" charset="0"/>
-                <a:cs typeface="Times New Roman" pitchFamily="18" charset="0"/>
-              </a:rPr>
-              <a:t>8.</a:t>
-            </a:r>
-            <a:r>
-              <a:rPr kumimoji="0" lang="en-US" sz="2400" b="1" kern="1200" dirty="0">
-                <a:solidFill>
-                  <a:schemeClr val="dk1"/>
-                </a:solidFill>
-                <a:latin typeface="Times New Roman" panose="02020603050405020304" pitchFamily="18" charset="0"/>
-                <a:cs typeface="Times New Roman" panose="02020603050405020304" pitchFamily="18" charset="0"/>
-              </a:rPr>
-              <a:t> Oruta: Privacy-Preserving Public Auditing for Shared Data in the Cloud;</a:t>
-            </a:r>
-            <a:r>
-              <a:rPr kumimoji="0" lang="en-US" sz="2400" kern="1200" dirty="0">
-                <a:solidFill>
-                  <a:schemeClr val="dk1"/>
-                </a:solidFill>
-                <a:latin typeface="Times New Roman" panose="02020603050405020304" pitchFamily="18" charset="0"/>
-                <a:cs typeface="Times New Roman" panose="02020603050405020304" pitchFamily="18" charset="0"/>
-              </a:rPr>
-              <a:t>Boyang Wang, Baochun Li, Hui Li-2014.</a:t>
-            </a:r>
-          </a:p>
-          <a:p>
-            <a:pPr marL="0" indent="0">
-              <a:buNone/>
-            </a:pPr>
-            <a:r>
-              <a:rPr lang="en-US" dirty="0">
-                <a:solidFill>
-                  <a:schemeClr val="dk1"/>
-                </a:solidFill>
-                <a:latin typeface="Times New Roman" panose="02020603050405020304" pitchFamily="18" charset="0"/>
-                <a:cs typeface="Times New Roman" pitchFamily="18" charset="0"/>
-              </a:rPr>
-              <a:t>9.</a:t>
-            </a:r>
-            <a:r>
-              <a:rPr kumimoji="0" lang="en-US" sz="2400" b="1" kern="1200" dirty="0">
-                <a:solidFill>
-                  <a:schemeClr val="dk1"/>
-                </a:solidFill>
-                <a:latin typeface="Times New Roman" panose="02020603050405020304" pitchFamily="18" charset="0"/>
-                <a:cs typeface="Times New Roman" panose="02020603050405020304" pitchFamily="18" charset="0"/>
-              </a:rPr>
-              <a:t> Enabling Public Auditability and Data Dynamics for Storage Security in Cloud Computing;</a:t>
-            </a:r>
-            <a:r>
-              <a:rPr kumimoji="0" lang="en-US" sz="2400" kern="1200" dirty="0">
-                <a:solidFill>
-                  <a:schemeClr val="dk1"/>
-                </a:solidFill>
-                <a:latin typeface="Times New Roman" panose="02020603050405020304" pitchFamily="18" charset="0"/>
-                <a:cs typeface="Times New Roman" panose="02020603050405020304" pitchFamily="18" charset="0"/>
-              </a:rPr>
-              <a:t> Qian Wang, Cong Wang, Kui Ren, Wenjing Lou Jin Li-2010.</a:t>
-            </a:r>
-          </a:p>
-          <a:p>
-            <a:pPr marL="0" indent="0">
-              <a:buNone/>
-            </a:pPr>
-            <a:r>
-              <a:rPr lang="en-US" dirty="0">
-                <a:solidFill>
-                  <a:schemeClr val="dk1"/>
-                </a:solidFill>
-                <a:latin typeface="Times New Roman" panose="02020603050405020304" pitchFamily="18" charset="0"/>
-                <a:cs typeface="Times New Roman" pitchFamily="18" charset="0"/>
-              </a:rPr>
-              <a:t>10.</a:t>
-            </a:r>
-            <a:r>
-              <a:rPr kumimoji="0" lang="en-US" sz="2400" b="1" kern="1200" dirty="0">
-                <a:solidFill>
-                  <a:schemeClr val="dk1"/>
-                </a:solidFill>
-                <a:latin typeface="Times New Roman" panose="02020603050405020304" pitchFamily="18" charset="0"/>
-                <a:cs typeface="Times New Roman" panose="02020603050405020304" pitchFamily="18" charset="0"/>
-              </a:rPr>
-              <a:t> Towards Secure and Dependable Storage Services in Cloud </a:t>
-            </a:r>
-          </a:p>
-          <a:p>
-            <a:pPr marL="0" indent="0">
-              <a:buNone/>
-            </a:pPr>
-            <a:r>
-              <a:rPr kumimoji="0" lang="en-US" sz="2400" b="1" kern="1200" dirty="0">
-                <a:solidFill>
-                  <a:schemeClr val="dk1"/>
-                </a:solidFill>
-                <a:latin typeface="Times New Roman" panose="02020603050405020304" pitchFamily="18" charset="0"/>
-                <a:cs typeface="Times New Roman" panose="02020603050405020304" pitchFamily="18" charset="0"/>
-              </a:rPr>
-              <a:t>Computing;</a:t>
-            </a:r>
-            <a:r>
-              <a:rPr kumimoji="0" lang="en-US" sz="2400" kern="1200" dirty="0">
-                <a:solidFill>
-                  <a:schemeClr val="dk1"/>
-                </a:solidFill>
-                <a:latin typeface="Times New Roman" panose="02020603050405020304" pitchFamily="18" charset="0"/>
-                <a:cs typeface="Times New Roman" panose="02020603050405020304" pitchFamily="18" charset="0"/>
-              </a:rPr>
-              <a:t> Cong Wang, Qian Wang, Kui Ren, Ning Cao, Wenjing Lou-2014.</a:t>
-            </a:r>
-          </a:p>
-          <a:p>
-            <a:pPr marL="0" indent="0">
-              <a:buNone/>
-            </a:pPr>
-            <a:endParaRPr kumimoji="0" lang="en-US" sz="2400" kern="1200" dirty="0">
-              <a:solidFill>
-                <a:schemeClr val="dk1"/>
-              </a:solidFill>
-              <a:latin typeface="Times New Roman" pitchFamily="18" charset="0"/>
-              <a:ea typeface="+mn-ea"/>
-              <a:cs typeface="Times New Roman" pitchFamily="18" charset="0"/>
-            </a:endParaRPr>
-          </a:p>
-          <a:p>
-            <a:pPr marL="0" indent="0">
-              <a:buNone/>
-            </a:pPr>
-            <a:endParaRPr kumimoji="0" lang="en-US" sz="2400" kern="1200" dirty="0">
-              <a:solidFill>
-                <a:schemeClr val="dk1"/>
-              </a:solidFill>
-              <a:latin typeface="Times New Roman" pitchFamily="18" charset="0"/>
-              <a:ea typeface="+mn-ea"/>
-              <a:cs typeface="Times New Roman" pitchFamily="18" charset="0"/>
-            </a:endParaRPr>
-          </a:p>
-          <a:p>
-            <a:pPr marL="0" indent="0">
-              <a:buNone/>
-            </a:pPr>
-            <a:endParaRPr kumimoji="0" lang="en-US" sz="2400" kern="1200" dirty="0">
-              <a:solidFill>
-                <a:schemeClr val="dk1"/>
-              </a:solidFill>
-              <a:latin typeface="Times New Roman" pitchFamily="18" charset="0"/>
-              <a:ea typeface="+mn-ea"/>
-              <a:cs typeface="Times New Roman" pitchFamily="18" charset="0"/>
-            </a:endParaRPr>
-          </a:p>
-          <a:p>
-            <a:pPr marL="0" indent="0">
-              <a:buNone/>
-            </a:pPr>
-            <a:endParaRPr kumimoji="0" lang="en-US" sz="2400" kern="1200" dirty="0">
-              <a:solidFill>
-                <a:schemeClr val="dk1"/>
-              </a:solidFill>
-              <a:latin typeface="Times New Roman" pitchFamily="18" charset="0"/>
-              <a:ea typeface="+mn-ea"/>
-              <a:cs typeface="Times New Roman" pitchFamily="18" charset="0"/>
-            </a:endParaRPr>
-          </a:p>
-          <a:p>
-            <a:pPr marL="0" indent="0">
-              <a:buNone/>
-            </a:pPr>
-            <a:endParaRPr lang="en-US" sz="2400" b="0" dirty="0">
-              <a:latin typeface="Times New Roman" pitchFamily="18" charset="0"/>
-              <a:cs typeface="Times New Roman" pitchFamily="18" charset="0"/>
-            </a:endParaRPr>
-          </a:p>
-          <a:p>
-            <a:pPr marL="0" indent="0">
-              <a:buNone/>
-            </a:pPr>
-            <a:endParaRPr kumimoji="0" lang="en-US" sz="2400" kern="1200" dirty="0">
-              <a:solidFill>
-                <a:schemeClr val="dk1"/>
-              </a:solidFill>
-              <a:latin typeface="Times New Roman" pitchFamily="18" charset="0"/>
-              <a:ea typeface="+mn-ea"/>
-              <a:cs typeface="Times New Roman" pitchFamily="18" charset="0"/>
-            </a:endParaRPr>
-          </a:p>
-          <a:p>
-            <a:pPr marL="0" indent="0">
-              <a:buNone/>
-            </a:pPr>
-            <a:endParaRPr kumimoji="0" lang="en-US" sz="2400" kern="1200" dirty="0">
-              <a:solidFill>
-                <a:schemeClr val="dk1"/>
-              </a:solidFill>
-              <a:latin typeface="Times New Roman" pitchFamily="18" charset="0"/>
-              <a:ea typeface="+mn-ea"/>
-              <a:cs typeface="Times New Roman" pitchFamily="18" charset="0"/>
-            </a:endParaRPr>
-          </a:p>
-          <a:p>
-            <a:pPr marL="0" indent="0">
-              <a:buNone/>
-            </a:pPr>
-            <a:endParaRPr lang="en-US" sz="2400" dirty="0">
-              <a:latin typeface="Times New Roman" pitchFamily="18" charset="0"/>
-              <a:cs typeface="Times New Roman" pitchFamily="18" charset="0"/>
-            </a:endParaRPr>
-          </a:p>
-          <a:p>
-            <a:pPr marL="0" indent="0">
-              <a:buNone/>
-            </a:pPr>
-            <a:endParaRPr kumimoji="0" lang="en-US" sz="2400" kern="1200" dirty="0">
-              <a:solidFill>
-                <a:schemeClr val="dk1"/>
-              </a:solidFill>
-              <a:latin typeface="Times New Roman" pitchFamily="18" charset="0"/>
-              <a:ea typeface="+mn-ea"/>
-              <a:cs typeface="Times New Roman" pitchFamily="18" charset="0"/>
-            </a:endParaRPr>
-          </a:p>
-          <a:p>
-            <a:pPr marL="0" indent="0">
-              <a:buNone/>
-            </a:pPr>
-            <a:endParaRPr kumimoji="0" lang="en-US" sz="2400" kern="1200" dirty="0">
-              <a:solidFill>
-                <a:schemeClr val="dk1"/>
-              </a:solidFill>
-              <a:latin typeface="Times New Roman" pitchFamily="18" charset="0"/>
-              <a:ea typeface="+mn-ea"/>
-              <a:cs typeface="Times New Roman" pitchFamily="18" charset="0"/>
-            </a:endParaRPr>
-          </a:p>
-          <a:p>
-            <a:pPr marL="0" indent="0">
-              <a:buNone/>
-            </a:pPr>
-            <a:endParaRPr kumimoji="0" lang="en-US" sz="2400" kern="1200" dirty="0">
-              <a:solidFill>
-                <a:schemeClr val="dk1"/>
-              </a:solidFill>
-              <a:latin typeface="Times New Roman" pitchFamily="18" charset="0"/>
-              <a:ea typeface="+mn-ea"/>
-              <a:cs typeface="Times New Roman" pitchFamily="18" charset="0"/>
-            </a:endParaRPr>
-          </a:p>
-          <a:p>
-            <a:pPr marL="0" indent="0">
-              <a:buNone/>
-            </a:pPr>
-            <a:endParaRPr lang="en-IN" dirty="0"/>
-          </a:p>
-        </p:txBody>
-      </p:sp>
+      </p:pic>
     </p:spTree>
     <p:extLst>
       <p:ext uri="{BB962C8B-B14F-4D97-AF65-F5344CB8AC3E}">
-        <p14:creationId xmlns:p14="http://schemas.microsoft.com/office/powerpoint/2010/main" val="3826605520"/>
+        <p14:creationId xmlns:p14="http://schemas.microsoft.com/office/powerpoint/2010/main" val="3047224078"/>
       </p:ext>
     </p:extLst>
   </p:cSld>
@@ -12333,6 +11646,1117 @@
           <p:cNvPr id="2" name="Title 1">
             <a:extLst>
               <a:ext uri="{FF2B5EF4-FFF2-40B4-BE49-F238E27FC236}">
+                <a16:creationId xmlns:a16="http://schemas.microsoft.com/office/drawing/2014/main" id="{05DB440B-E0C7-4ED6-8B6E-5B0C13E7D17C}"/>
+              </a:ext>
+            </a:extLst>
+          </p:cNvPr>
+          <p:cNvSpPr>
+            <a:spLocks noGrp="1"/>
+          </p:cNvSpPr>
+          <p:nvPr>
+            <p:ph type="title"/>
+          </p:nvPr>
+        </p:nvSpPr>
+        <p:spPr>
+          <a:xfrm>
+            <a:off x="1484311" y="1076417"/>
+            <a:ext cx="10018713" cy="1752599"/>
+          </a:xfrm>
+        </p:spPr>
+        <p:txBody>
+          <a:bodyPr/>
+          <a:lstStyle/>
+          <a:p>
+            <a:endParaRPr lang="en-IN" dirty="0"/>
+          </a:p>
+        </p:txBody>
+      </p:sp>
+      <p:pic>
+        <p:nvPicPr>
+          <p:cNvPr id="7" name="Content Placeholder 6">
+            <a:extLst>
+              <a:ext uri="{FF2B5EF4-FFF2-40B4-BE49-F238E27FC236}">
+                <a16:creationId xmlns:a16="http://schemas.microsoft.com/office/drawing/2014/main" id="{7AA3B121-90E9-4663-8E39-A1FAE5338638}"/>
+              </a:ext>
+            </a:extLst>
+          </p:cNvPr>
+          <p:cNvPicPr>
+            <a:picLocks noGrp="1"/>
+          </p:cNvPicPr>
+          <p:nvPr>
+            <p:ph idx="1"/>
+          </p:nvPr>
+        </p:nvPicPr>
+        <p:blipFill>
+          <a:blip r:embed="rId2"/>
+          <a:srcRect/>
+          <a:stretch>
+            <a:fillRect/>
+          </a:stretch>
+        </p:blipFill>
+        <p:spPr bwMode="auto">
+          <a:xfrm>
+            <a:off x="1" y="861134"/>
+            <a:ext cx="12192000" cy="5996866"/>
+          </a:xfrm>
+          <a:prstGeom prst="rect">
+            <a:avLst/>
+          </a:prstGeom>
+          <a:noFill/>
+          <a:ln w="9525">
+            <a:noFill/>
+            <a:miter lim="800000"/>
+            <a:headEnd/>
+            <a:tailEnd/>
+          </a:ln>
+        </p:spPr>
+      </p:pic>
+      <p:sp>
+        <p:nvSpPr>
+          <p:cNvPr id="5" name="TextBox 4">
+            <a:extLst>
+              <a:ext uri="{FF2B5EF4-FFF2-40B4-BE49-F238E27FC236}">
+                <a16:creationId xmlns:a16="http://schemas.microsoft.com/office/drawing/2014/main" id="{D0C4E700-12D9-4516-9C31-F0930B2F287F}"/>
+              </a:ext>
+            </a:extLst>
+          </p:cNvPr>
+          <p:cNvSpPr txBox="1"/>
+          <p:nvPr/>
+        </p:nvSpPr>
+        <p:spPr>
+          <a:xfrm>
+            <a:off x="3970538" y="316468"/>
+            <a:ext cx="6094520" cy="523220"/>
+          </a:xfrm>
+          <a:prstGeom prst="rect">
+            <a:avLst/>
+          </a:prstGeom>
+          <a:noFill/>
+        </p:spPr>
+        <p:txBody>
+          <a:bodyPr wrap="square">
+            <a:spAutoFit/>
+          </a:bodyPr>
+          <a:lstStyle/>
+          <a:p>
+            <a:pPr lvl="0"/>
+            <a:r>
+              <a:rPr lang="en-US" sz="2800" b="1" dirty="0">
+                <a:latin typeface="Times New Roman" pitchFamily="18" charset="0"/>
+                <a:cs typeface="Times New Roman" pitchFamily="18" charset="0"/>
+              </a:rPr>
+              <a:t>Audit time Configuration</a:t>
+            </a:r>
+          </a:p>
+        </p:txBody>
+      </p:sp>
+    </p:spTree>
+    <p:extLst>
+      <p:ext uri="{BB962C8B-B14F-4D97-AF65-F5344CB8AC3E}">
+        <p14:creationId xmlns:p14="http://schemas.microsoft.com/office/powerpoint/2010/main" val="2903566342"/>
+      </p:ext>
+    </p:extLst>
+  </p:cSld>
+  <p:clrMapOvr>
+    <a:masterClrMapping/>
+  </p:clrMapOvr>
+</p:sld>
+</file>
+
+<file path=ppt/slides/slide34.xml><?xml version="1.0" encoding="utf-8"?>
+<p:sld xmlns:a="http://schemas.openxmlformats.org/drawingml/2006/main" xmlns:r="http://schemas.openxmlformats.org/officeDocument/2006/relationships" xmlns:p="http://schemas.openxmlformats.org/presentationml/2006/main">
+  <p:cSld>
+    <p:spTree>
+      <p:nvGrpSpPr>
+        <p:cNvPr id="1" name=""/>
+        <p:cNvGrpSpPr/>
+        <p:nvPr/>
+      </p:nvGrpSpPr>
+      <p:grpSpPr>
+        <a:xfrm>
+          <a:off x="0" y="0"/>
+          <a:ext cx="0" cy="0"/>
+          <a:chOff x="0" y="0"/>
+          <a:chExt cx="0" cy="0"/>
+        </a:xfrm>
+      </p:grpSpPr>
+      <p:sp>
+        <p:nvSpPr>
+          <p:cNvPr id="2" name="Title 1">
+            <a:extLst>
+              <a:ext uri="{FF2B5EF4-FFF2-40B4-BE49-F238E27FC236}">
+                <a16:creationId xmlns:a16="http://schemas.microsoft.com/office/drawing/2014/main" id="{8C3437CA-ED39-45C6-89CC-68A63329ECCC}"/>
+              </a:ext>
+            </a:extLst>
+          </p:cNvPr>
+          <p:cNvSpPr>
+            <a:spLocks noGrp="1"/>
+          </p:cNvSpPr>
+          <p:nvPr>
+            <p:ph type="title"/>
+          </p:nvPr>
+        </p:nvSpPr>
+        <p:spPr>
+          <a:xfrm>
+            <a:off x="1564210" y="135385"/>
+            <a:ext cx="10018713" cy="805649"/>
+          </a:xfrm>
+        </p:spPr>
+        <p:txBody>
+          <a:bodyPr/>
+          <a:lstStyle/>
+          <a:p>
+            <a:r>
+              <a:rPr lang="en-US" dirty="0">
+                <a:latin typeface="Algerian" panose="04020705040A02060702" pitchFamily="82" charset="0"/>
+              </a:rPr>
+              <a:t>CONCLUSION AND FUTURE ENHANCEMENT</a:t>
+            </a:r>
+            <a:endParaRPr lang="en-IN" dirty="0">
+              <a:latin typeface="Algerian" panose="04020705040A02060702" pitchFamily="82" charset="0"/>
+            </a:endParaRPr>
+          </a:p>
+        </p:txBody>
+      </p:sp>
+      <p:sp>
+        <p:nvSpPr>
+          <p:cNvPr id="3" name="Content Placeholder 2">
+            <a:extLst>
+              <a:ext uri="{FF2B5EF4-FFF2-40B4-BE49-F238E27FC236}">
+                <a16:creationId xmlns:a16="http://schemas.microsoft.com/office/drawing/2014/main" id="{A4B6EA16-79D9-4CA7-BA83-D4DAE0DC39C0}"/>
+              </a:ext>
+            </a:extLst>
+          </p:cNvPr>
+          <p:cNvSpPr>
+            <a:spLocks noGrp="1"/>
+          </p:cNvSpPr>
+          <p:nvPr>
+            <p:ph idx="1"/>
+          </p:nvPr>
+        </p:nvSpPr>
+        <p:spPr>
+          <a:xfrm>
+            <a:off x="1484310" y="1012055"/>
+            <a:ext cx="10018713" cy="5308846"/>
+          </a:xfrm>
+        </p:spPr>
+        <p:txBody>
+          <a:bodyPr anchor="t">
+            <a:normAutofit fontScale="92500" lnSpcReduction="10000"/>
+          </a:bodyPr>
+          <a:lstStyle/>
+          <a:p>
+            <a:pPr lvl="1">
+              <a:buFont typeface="Arial" panose="020B0604020202020204" pitchFamily="34" charset="0"/>
+              <a:buChar char="•"/>
+            </a:pPr>
+            <a:r>
+              <a:rPr lang="en-US" sz="2400" dirty="0">
+                <a:effectLst/>
+                <a:latin typeface="Times New Roman" panose="02020603050405020304" pitchFamily="18" charset="0"/>
+                <a:ea typeface="Times New Roman" panose="02020603050405020304" pitchFamily="18" charset="0"/>
+                <a:cs typeface="Times New Roman" panose="02020603050405020304" pitchFamily="18" charset="0"/>
+              </a:rPr>
+              <a:t>The data auditing in file level, block level, and replica level are achieved for verifying data integrity of the entire file.</a:t>
+            </a:r>
+          </a:p>
+          <a:p>
+            <a:pPr lvl="1">
+              <a:buFont typeface="Arial" panose="020B0604020202020204" pitchFamily="34" charset="0"/>
+              <a:buChar char="•"/>
+            </a:pPr>
+            <a:r>
+              <a:rPr lang="en-US" sz="2400" dirty="0">
+                <a:effectLst/>
+                <a:latin typeface="Times New Roman" panose="02020603050405020304" pitchFamily="18" charset="0"/>
+                <a:ea typeface="Times New Roman" panose="02020603050405020304" pitchFamily="18" charset="0"/>
+                <a:cs typeface="Times New Roman" panose="02020603050405020304" pitchFamily="18" charset="0"/>
+              </a:rPr>
+              <a:t> Few blocks for frequent audit tasks making it computationally efficient and replica level auditing to ensure data consistency across all the replicas in the cloud respectively.</a:t>
+            </a:r>
+          </a:p>
+          <a:p>
+            <a:pPr lvl="1">
+              <a:buFont typeface="Arial" panose="020B0604020202020204" pitchFamily="34" charset="0"/>
+              <a:buChar char="•"/>
+            </a:pPr>
+            <a:r>
+              <a:rPr lang="en-US" sz="2400" dirty="0">
+                <a:effectLst/>
+                <a:latin typeface="Times New Roman" panose="02020603050405020304" pitchFamily="18" charset="0"/>
+                <a:ea typeface="Times New Roman" panose="02020603050405020304" pitchFamily="18" charset="0"/>
+                <a:cs typeface="Times New Roman" panose="02020603050405020304" pitchFamily="18" charset="0"/>
+              </a:rPr>
+              <a:t> Further, the corrupted blocks identified during auditing is localized and corrected to suit the need for real-time applications. Moreover, public auditing preserves the privacy of user data from TPA through the random ordering of the blocks being unknown to TPA and CS. </a:t>
+            </a:r>
+          </a:p>
+          <a:p>
+            <a:pPr lvl="1">
+              <a:buFont typeface="Arial" panose="020B0604020202020204" pitchFamily="34" charset="0"/>
+              <a:buChar char="•"/>
+            </a:pPr>
+            <a:r>
+              <a:rPr lang="en-US" sz="2400" dirty="0">
+                <a:effectLst/>
+                <a:latin typeface="Times New Roman" panose="02020603050405020304" pitchFamily="18" charset="0"/>
+                <a:ea typeface="Times New Roman" panose="02020603050405020304" pitchFamily="18" charset="0"/>
+                <a:cs typeface="Times New Roman" panose="02020603050405020304" pitchFamily="18" charset="0"/>
+              </a:rPr>
+              <a:t>Further data dynamics is performed maintaining public verifiability on the same with reduced complexity which was better than the existing schemes.</a:t>
+            </a:r>
+            <a:endParaRPr lang="en-IN" sz="2400" dirty="0">
+              <a:effectLst/>
+              <a:latin typeface="Times New Roman" panose="02020603050405020304" pitchFamily="18" charset="0"/>
+              <a:ea typeface="Times New Roman" panose="02020603050405020304" pitchFamily="18" charset="0"/>
+              <a:cs typeface="Times New Roman" panose="02020603050405020304" pitchFamily="18" charset="0"/>
+            </a:endParaRPr>
+          </a:p>
+          <a:p>
+            <a:pPr marL="0" indent="0">
+              <a:buNone/>
+            </a:pPr>
+            <a:r>
+              <a:rPr lang="en-IN" dirty="0">
+                <a:latin typeface="Algerian" panose="04020705040A02060702" pitchFamily="82" charset="0"/>
+                <a:cs typeface="Times New Roman" panose="02020603050405020304" pitchFamily="18" charset="0"/>
+              </a:rPr>
+              <a:t>FUTURE ENHANCEMENT:</a:t>
+            </a:r>
+          </a:p>
+          <a:p>
+            <a:pPr lvl="1"/>
+            <a:r>
+              <a:rPr lang="en-US" sz="2400" dirty="0">
+                <a:effectLst/>
+                <a:latin typeface="Times New Roman" panose="02020603050405020304" pitchFamily="18" charset="0"/>
+                <a:ea typeface="Times New Roman" panose="02020603050405020304" pitchFamily="18" charset="0"/>
+                <a:cs typeface="Times New Roman" panose="02020603050405020304" pitchFamily="18" charset="0"/>
+              </a:rPr>
+              <a:t>The future work is to extend the framework for data sharing where data integrity is verified over the shared data across the user group.</a:t>
+            </a:r>
+            <a:endParaRPr lang="en-IN" sz="2400" dirty="0">
+              <a:effectLst/>
+              <a:latin typeface="Times New Roman" panose="02020603050405020304" pitchFamily="18" charset="0"/>
+              <a:ea typeface="Times New Roman" panose="02020603050405020304" pitchFamily="18" charset="0"/>
+              <a:cs typeface="Times New Roman" panose="02020603050405020304" pitchFamily="18" charset="0"/>
+            </a:endParaRPr>
+          </a:p>
+          <a:p>
+            <a:pPr marL="457200" lvl="1" indent="0">
+              <a:buNone/>
+            </a:pPr>
+            <a:endParaRPr lang="en-IN" dirty="0"/>
+          </a:p>
+        </p:txBody>
+      </p:sp>
+    </p:spTree>
+    <p:extLst>
+      <p:ext uri="{BB962C8B-B14F-4D97-AF65-F5344CB8AC3E}">
+        <p14:creationId xmlns:p14="http://schemas.microsoft.com/office/powerpoint/2010/main" val="533682941"/>
+      </p:ext>
+    </p:extLst>
+  </p:cSld>
+  <p:clrMapOvr>
+    <a:masterClrMapping/>
+  </p:clrMapOvr>
+</p:sld>
+</file>
+
+<file path=ppt/slides/slide35.xml><?xml version="1.0" encoding="utf-8"?>
+<p:sld xmlns:a="http://schemas.openxmlformats.org/drawingml/2006/main" xmlns:r="http://schemas.openxmlformats.org/officeDocument/2006/relationships" xmlns:p="http://schemas.openxmlformats.org/presentationml/2006/main">
+  <p:cSld>
+    <p:spTree>
+      <p:nvGrpSpPr>
+        <p:cNvPr id="1" name=""/>
+        <p:cNvGrpSpPr/>
+        <p:nvPr/>
+      </p:nvGrpSpPr>
+      <p:grpSpPr>
+        <a:xfrm>
+          <a:off x="0" y="0"/>
+          <a:ext cx="0" cy="0"/>
+          <a:chOff x="0" y="0"/>
+          <a:chExt cx="0" cy="0"/>
+        </a:xfrm>
+      </p:grpSpPr>
+      <p:sp>
+        <p:nvSpPr>
+          <p:cNvPr id="2" name="Title 1">
+            <a:extLst>
+              <a:ext uri="{FF2B5EF4-FFF2-40B4-BE49-F238E27FC236}">
+                <a16:creationId xmlns:a16="http://schemas.microsoft.com/office/drawing/2014/main" id="{2AB85173-9EAA-4B5F-BBA2-3DBECFC94371}"/>
+              </a:ext>
+            </a:extLst>
+          </p:cNvPr>
+          <p:cNvSpPr>
+            <a:spLocks noGrp="1"/>
+          </p:cNvSpPr>
+          <p:nvPr>
+            <p:ph type="title"/>
+          </p:nvPr>
+        </p:nvSpPr>
+        <p:spPr>
+          <a:xfrm>
+            <a:off x="1484311" y="337351"/>
+            <a:ext cx="10018713" cy="1065321"/>
+          </a:xfrm>
+        </p:spPr>
+        <p:txBody>
+          <a:bodyPr/>
+          <a:lstStyle/>
+          <a:p>
+            <a:r>
+              <a:rPr lang="en-US" b="1" dirty="0">
+                <a:latin typeface="Baskerville Old Face" panose="02020602080505020303" pitchFamily="18" charset="0"/>
+              </a:rPr>
+              <a:t>REFERENCE</a:t>
+            </a:r>
+            <a:endParaRPr lang="en-IN" b="1" dirty="0">
+              <a:latin typeface="Baskerville Old Face" panose="02020602080505020303" pitchFamily="18" charset="0"/>
+            </a:endParaRPr>
+          </a:p>
+        </p:txBody>
+      </p:sp>
+      <p:sp>
+        <p:nvSpPr>
+          <p:cNvPr id="3" name="Content Placeholder 2">
+            <a:extLst>
+              <a:ext uri="{FF2B5EF4-FFF2-40B4-BE49-F238E27FC236}">
+                <a16:creationId xmlns:a16="http://schemas.microsoft.com/office/drawing/2014/main" id="{C7FC4D9E-2D34-418C-963F-41CC9DB224D2}"/>
+              </a:ext>
+            </a:extLst>
+          </p:cNvPr>
+          <p:cNvSpPr>
+            <a:spLocks noGrp="1"/>
+          </p:cNvSpPr>
+          <p:nvPr>
+            <p:ph idx="1"/>
+          </p:nvPr>
+        </p:nvSpPr>
+        <p:spPr>
+          <a:xfrm>
+            <a:off x="1484310" y="1402673"/>
+            <a:ext cx="10018713" cy="4388528"/>
+          </a:xfrm>
+        </p:spPr>
+        <p:txBody>
+          <a:bodyPr anchor="t"/>
+          <a:lstStyle/>
+          <a:p>
+            <a:pPr marL="0" indent="0">
+              <a:buNone/>
+            </a:pPr>
+            <a:r>
+              <a:rPr kumimoji="0" lang="en-US" sz="2400" b="1" kern="1200" dirty="0">
+                <a:solidFill>
+                  <a:schemeClr val="dk1"/>
+                </a:solidFill>
+                <a:latin typeface="Times New Roman" panose="02020603050405020304" pitchFamily="18" charset="0"/>
+                <a:cs typeface="Times New Roman" panose="02020603050405020304" pitchFamily="18" charset="0"/>
+              </a:rPr>
+              <a:t>1.Identity-Based Distributed Provable Data Possession in Multi-Cloud Storage;</a:t>
+            </a:r>
+            <a:r>
+              <a:rPr kumimoji="0" lang="en-US" sz="2400" kern="1200" dirty="0">
+                <a:solidFill>
+                  <a:schemeClr val="dk1"/>
+                </a:solidFill>
+                <a:latin typeface="Times New Roman" panose="02020603050405020304" pitchFamily="18" charset="0"/>
+                <a:cs typeface="Times New Roman" panose="02020603050405020304" pitchFamily="18" charset="0"/>
+              </a:rPr>
+              <a:t> Giuseppe Ateniese</a:t>
+            </a:r>
+            <a:r>
+              <a:rPr lang="en-US" dirty="0">
+                <a:solidFill>
+                  <a:schemeClr val="dk1"/>
+                </a:solidFill>
+                <a:latin typeface="Times New Roman" panose="02020603050405020304" pitchFamily="18" charset="0"/>
+                <a:cs typeface="Times New Roman" panose="02020603050405020304" pitchFamily="18" charset="0"/>
+              </a:rPr>
+              <a:t>,</a:t>
+            </a:r>
+            <a:r>
+              <a:rPr kumimoji="0" lang="en-US" sz="2400" kern="1200" dirty="0">
+                <a:solidFill>
+                  <a:schemeClr val="dk1"/>
+                </a:solidFill>
+                <a:latin typeface="Times New Roman" panose="02020603050405020304" pitchFamily="18" charset="0"/>
+                <a:cs typeface="Times New Roman" panose="02020603050405020304" pitchFamily="18" charset="0"/>
+              </a:rPr>
+              <a:t>Randal Burns,Reza Curtmola, Joseph Herring-2015.</a:t>
+            </a:r>
+          </a:p>
+          <a:p>
+            <a:pPr marL="0" indent="0">
+              <a:buNone/>
+            </a:pPr>
+            <a:r>
+              <a:rPr lang="en-US" b="1" dirty="0">
+                <a:solidFill>
+                  <a:schemeClr val="dk1"/>
+                </a:solidFill>
+                <a:latin typeface="Times New Roman" panose="02020603050405020304" pitchFamily="18" charset="0"/>
+                <a:cs typeface="Times New Roman" panose="02020603050405020304" pitchFamily="18" charset="0"/>
+              </a:rPr>
+              <a:t>2.</a:t>
+            </a:r>
+            <a:r>
+              <a:rPr kumimoji="0" lang="en-US" sz="2400" b="1" kern="1200" dirty="0">
+                <a:solidFill>
+                  <a:schemeClr val="dk1"/>
+                </a:solidFill>
+                <a:latin typeface="Times New Roman" panose="02020603050405020304" pitchFamily="18" charset="0"/>
+                <a:cs typeface="Times New Roman" panose="02020603050405020304" pitchFamily="18" charset="0"/>
+              </a:rPr>
+              <a:t>An Efficient and Secure Dynamic Auditing Protocol for Data Storage in Cloud Computing;</a:t>
+            </a:r>
+            <a:r>
+              <a:rPr kumimoji="0" lang="en-US" sz="2400" kern="1200" dirty="0">
+                <a:solidFill>
+                  <a:schemeClr val="dk1"/>
+                </a:solidFill>
+                <a:latin typeface="Times New Roman" panose="02020603050405020304" pitchFamily="18" charset="0"/>
+                <a:cs typeface="Times New Roman" panose="02020603050405020304" pitchFamily="18" charset="0"/>
+              </a:rPr>
+              <a:t> Kan Yang, Xiaohua Jia-2012.</a:t>
+            </a:r>
+          </a:p>
+          <a:p>
+            <a:pPr marL="0" indent="0">
+              <a:buNone/>
+            </a:pPr>
+            <a:r>
+              <a:rPr kumimoji="0" lang="en-US" sz="2400" b="1" kern="1200" dirty="0">
+                <a:solidFill>
+                  <a:schemeClr val="dk1"/>
+                </a:solidFill>
+                <a:latin typeface="Times New Roman" panose="02020603050405020304" pitchFamily="18" charset="0"/>
+                <a:cs typeface="Times New Roman" panose="02020603050405020304" pitchFamily="18" charset="0"/>
+              </a:rPr>
+              <a:t>3.Auditing to Keep Online Storage Services Honest;</a:t>
+            </a:r>
+            <a:r>
+              <a:rPr kumimoji="0" lang="en-US" sz="2400" kern="1200" dirty="0">
+                <a:solidFill>
+                  <a:schemeClr val="dk1"/>
+                </a:solidFill>
+                <a:latin typeface="Times New Roman" panose="02020603050405020304" pitchFamily="18" charset="0"/>
+                <a:cs typeface="Times New Roman" panose="02020603050405020304" pitchFamily="18" charset="0"/>
+              </a:rPr>
+              <a:t> Mehul A. Shah, Mary Baker, Jeffrey C. Mogul, Ram Swaminathan-2007.</a:t>
+            </a:r>
+          </a:p>
+          <a:p>
+            <a:pPr marL="0" indent="0">
+              <a:buNone/>
+            </a:pPr>
+            <a:r>
+              <a:rPr kumimoji="0" lang="en-US" sz="2400" b="1" kern="1200" dirty="0">
+                <a:solidFill>
+                  <a:schemeClr val="dk1"/>
+                </a:solidFill>
+                <a:latin typeface="Times New Roman" panose="02020603050405020304" pitchFamily="18" charset="0"/>
+                <a:cs typeface="Times New Roman" panose="02020603050405020304" pitchFamily="18" charset="0"/>
+              </a:rPr>
+              <a:t>4.Provable Data Possession at Untrusted Stores;</a:t>
+            </a:r>
+            <a:r>
+              <a:rPr kumimoji="0" lang="en-US" sz="2400" kern="1200" dirty="0">
+                <a:solidFill>
+                  <a:schemeClr val="dk1"/>
+                </a:solidFill>
+                <a:latin typeface="Times New Roman" panose="02020603050405020304" pitchFamily="18" charset="0"/>
+                <a:cs typeface="Times New Roman" panose="02020603050405020304" pitchFamily="18" charset="0"/>
+              </a:rPr>
+              <a:t> Giuseppe Ateniese Randal Burns Reza Curtmola Joseph Herring† Lea Kissner  Zachary Peterson Dawn Song-2007</a:t>
+            </a:r>
+          </a:p>
+          <a:p>
+            <a:pPr marL="0" indent="0">
+              <a:buNone/>
+            </a:pPr>
+            <a:endParaRPr kumimoji="0" lang="en-US" sz="2400" kern="1200" dirty="0">
+              <a:solidFill>
+                <a:schemeClr val="dk1"/>
+              </a:solidFill>
+              <a:latin typeface="Times New Roman" pitchFamily="18" charset="0"/>
+              <a:ea typeface="+mn-ea"/>
+              <a:cs typeface="Times New Roman" pitchFamily="18" charset="0"/>
+            </a:endParaRPr>
+          </a:p>
+          <a:p>
+            <a:pPr marL="457200" indent="-457200">
+              <a:buFont typeface="Arial"/>
+              <a:buAutoNum type="arabicPeriod"/>
+            </a:pPr>
+            <a:endParaRPr lang="en-US" sz="2400" dirty="0">
+              <a:latin typeface="Times New Roman" pitchFamily="18" charset="0"/>
+              <a:cs typeface="Times New Roman" pitchFamily="18" charset="0"/>
+            </a:endParaRPr>
+          </a:p>
+          <a:p>
+            <a:pPr marL="457200" indent="-457200">
+              <a:buFont typeface="Arial"/>
+              <a:buAutoNum type="arabicPeriod"/>
+            </a:pPr>
+            <a:endParaRPr kumimoji="0" lang="en-US" sz="2400" kern="1200" dirty="0">
+              <a:solidFill>
+                <a:schemeClr val="dk1"/>
+              </a:solidFill>
+              <a:latin typeface="Times New Roman" pitchFamily="18" charset="0"/>
+              <a:ea typeface="+mn-ea"/>
+              <a:cs typeface="Times New Roman" pitchFamily="18" charset="0"/>
+            </a:endParaRPr>
+          </a:p>
+          <a:p>
+            <a:pPr marL="457200" indent="-457200">
+              <a:buFont typeface="Arial"/>
+              <a:buAutoNum type="arabicPeriod"/>
+            </a:pPr>
+            <a:endParaRPr kumimoji="0" lang="en-US" sz="2400" kern="1200" dirty="0">
+              <a:solidFill>
+                <a:schemeClr val="dk1"/>
+              </a:solidFill>
+              <a:latin typeface="Times New Roman" pitchFamily="18" charset="0"/>
+              <a:ea typeface="+mn-ea"/>
+              <a:cs typeface="Times New Roman" pitchFamily="18" charset="0"/>
+            </a:endParaRPr>
+          </a:p>
+          <a:p>
+            <a:pPr marL="457200" indent="-457200">
+              <a:buFont typeface="Arial"/>
+              <a:buAutoNum type="arabicPeriod"/>
+            </a:pPr>
+            <a:endParaRPr kumimoji="0" lang="en-US" sz="2400" kern="1200" dirty="0">
+              <a:solidFill>
+                <a:schemeClr val="dk1"/>
+              </a:solidFill>
+              <a:latin typeface="Times New Roman" pitchFamily="18" charset="0"/>
+              <a:ea typeface="+mn-ea"/>
+              <a:cs typeface="Times New Roman" pitchFamily="18" charset="0"/>
+            </a:endParaRPr>
+          </a:p>
+          <a:p>
+            <a:pPr marL="457200" indent="-457200">
+              <a:buAutoNum type="arabicPeriod"/>
+            </a:pPr>
+            <a:endParaRPr lang="en-US" sz="2400" b="0" dirty="0">
+              <a:latin typeface="Times New Roman" panose="02020603050405020304" pitchFamily="18" charset="0"/>
+              <a:cs typeface="Times New Roman" pitchFamily="18" charset="0"/>
+            </a:endParaRPr>
+          </a:p>
+          <a:p>
+            <a:pPr marL="0" indent="0">
+              <a:buNone/>
+            </a:pPr>
+            <a:endParaRPr kumimoji="0" lang="en-US" sz="2400" kern="1200" dirty="0">
+              <a:solidFill>
+                <a:schemeClr val="dk1"/>
+              </a:solidFill>
+              <a:latin typeface="Times New Roman" pitchFamily="18" charset="0"/>
+              <a:ea typeface="+mn-ea"/>
+              <a:cs typeface="Times New Roman" pitchFamily="18" charset="0"/>
+            </a:endParaRPr>
+          </a:p>
+          <a:p>
+            <a:endParaRPr lang="en-IN" dirty="0"/>
+          </a:p>
+        </p:txBody>
+      </p:sp>
+    </p:spTree>
+    <p:extLst>
+      <p:ext uri="{BB962C8B-B14F-4D97-AF65-F5344CB8AC3E}">
+        <p14:creationId xmlns:p14="http://schemas.microsoft.com/office/powerpoint/2010/main" val="2712740603"/>
+      </p:ext>
+    </p:extLst>
+  </p:cSld>
+  <p:clrMapOvr>
+    <a:masterClrMapping/>
+  </p:clrMapOvr>
+</p:sld>
+</file>
+
+<file path=ppt/slides/slide36.xml><?xml version="1.0" encoding="utf-8"?>
+<p:sld xmlns:a="http://schemas.openxmlformats.org/drawingml/2006/main" xmlns:r="http://schemas.openxmlformats.org/officeDocument/2006/relationships" xmlns:p="http://schemas.openxmlformats.org/presentationml/2006/main">
+  <p:cSld>
+    <p:spTree>
+      <p:nvGrpSpPr>
+        <p:cNvPr id="1" name=""/>
+        <p:cNvGrpSpPr/>
+        <p:nvPr/>
+      </p:nvGrpSpPr>
+      <p:grpSpPr>
+        <a:xfrm>
+          <a:off x="0" y="0"/>
+          <a:ext cx="0" cy="0"/>
+          <a:chOff x="0" y="0"/>
+          <a:chExt cx="0" cy="0"/>
+        </a:xfrm>
+      </p:grpSpPr>
+      <p:sp>
+        <p:nvSpPr>
+          <p:cNvPr id="2" name="Title 1">
+            <a:extLst>
+              <a:ext uri="{FF2B5EF4-FFF2-40B4-BE49-F238E27FC236}">
+                <a16:creationId xmlns:a16="http://schemas.microsoft.com/office/drawing/2014/main" id="{A91A1441-AA81-4043-91D8-4DFE92CBA876}"/>
+              </a:ext>
+            </a:extLst>
+          </p:cNvPr>
+          <p:cNvSpPr>
+            <a:spLocks noGrp="1"/>
+          </p:cNvSpPr>
+          <p:nvPr>
+            <p:ph type="title"/>
+          </p:nvPr>
+        </p:nvSpPr>
+        <p:spPr>
+          <a:xfrm flipV="1">
+            <a:off x="1484311" y="488273"/>
+            <a:ext cx="10349623" cy="197528"/>
+          </a:xfrm>
+        </p:spPr>
+        <p:txBody>
+          <a:bodyPr>
+            <a:normAutofit fontScale="90000"/>
+          </a:bodyPr>
+          <a:lstStyle/>
+          <a:p>
+            <a:endParaRPr lang="en-IN" dirty="0"/>
+          </a:p>
+        </p:txBody>
+      </p:sp>
+      <p:sp>
+        <p:nvSpPr>
+          <p:cNvPr id="3" name="Content Placeholder 2">
+            <a:extLst>
+              <a:ext uri="{FF2B5EF4-FFF2-40B4-BE49-F238E27FC236}">
+                <a16:creationId xmlns:a16="http://schemas.microsoft.com/office/drawing/2014/main" id="{7381409C-76EC-498A-8915-BA2EE699E2DC}"/>
+              </a:ext>
+            </a:extLst>
+          </p:cNvPr>
+          <p:cNvSpPr>
+            <a:spLocks noGrp="1"/>
+          </p:cNvSpPr>
+          <p:nvPr>
+            <p:ph idx="1"/>
+          </p:nvPr>
+        </p:nvSpPr>
+        <p:spPr>
+          <a:xfrm>
+            <a:off x="1484310" y="1091953"/>
+            <a:ext cx="10018713" cy="4699247"/>
+          </a:xfrm>
+        </p:spPr>
+        <p:txBody>
+          <a:bodyPr anchor="t">
+            <a:normAutofit fontScale="92500" lnSpcReduction="10000"/>
+          </a:bodyPr>
+          <a:lstStyle/>
+          <a:p>
+            <a:pPr marL="0" indent="0">
+              <a:buNone/>
+            </a:pPr>
+            <a:r>
+              <a:rPr lang="en-US" dirty="0">
+                <a:latin typeface="Times New Roman" panose="02020603050405020304" pitchFamily="18" charset="0"/>
+                <a:cs typeface="Times New Roman" panose="02020603050405020304" pitchFamily="18" charset="0"/>
+              </a:rPr>
+              <a:t>5.</a:t>
+            </a:r>
+            <a:r>
+              <a:rPr kumimoji="0" lang="en-US" sz="2400" b="1" kern="1200" dirty="0">
+                <a:solidFill>
+                  <a:schemeClr val="dk1"/>
+                </a:solidFill>
+                <a:latin typeface="Times New Roman" panose="02020603050405020304" pitchFamily="18" charset="0"/>
+                <a:cs typeface="Times New Roman" panose="02020603050405020304" pitchFamily="18" charset="0"/>
+              </a:rPr>
+              <a:t> Privacy-Preserving Audit and Extraction of Digital Contents ;</a:t>
+            </a:r>
+            <a:r>
+              <a:rPr kumimoji="0" lang="en-US" sz="2400" kern="1200" dirty="0">
+                <a:solidFill>
+                  <a:schemeClr val="dk1"/>
+                </a:solidFill>
+                <a:latin typeface="Times New Roman" panose="02020603050405020304" pitchFamily="18" charset="0"/>
+                <a:cs typeface="Times New Roman" panose="02020603050405020304" pitchFamily="18" charset="0"/>
+              </a:rPr>
+              <a:t> Cong Wang, Sherman S.-M. Chow-2010.</a:t>
+            </a:r>
+          </a:p>
+          <a:p>
+            <a:pPr marL="0" indent="0">
+              <a:buNone/>
+            </a:pPr>
+            <a:r>
+              <a:rPr lang="en-US" dirty="0">
+                <a:solidFill>
+                  <a:schemeClr val="dk1"/>
+                </a:solidFill>
+                <a:latin typeface="Times New Roman" panose="02020603050405020304" pitchFamily="18" charset="0"/>
+                <a:cs typeface="Times New Roman" pitchFamily="18" charset="0"/>
+              </a:rPr>
+              <a:t>6.</a:t>
+            </a:r>
+            <a:r>
+              <a:rPr kumimoji="0" lang="en-US" sz="2400" b="1" kern="1200" dirty="0">
+                <a:solidFill>
+                  <a:schemeClr val="dk1"/>
+                </a:solidFill>
+                <a:latin typeface="Times New Roman" panose="02020603050405020304" pitchFamily="18" charset="0"/>
+                <a:cs typeface="Times New Roman" panose="02020603050405020304" pitchFamily="18" charset="0"/>
+              </a:rPr>
+              <a:t> Privacy-Preserving Public Auditing for Secure Cloud Storage;</a:t>
+            </a:r>
+            <a:r>
+              <a:rPr kumimoji="0" lang="en-US" sz="2400" kern="1200" dirty="0">
+                <a:solidFill>
+                  <a:schemeClr val="dk1"/>
+                </a:solidFill>
+                <a:latin typeface="Times New Roman" panose="02020603050405020304" pitchFamily="18" charset="0"/>
+                <a:cs typeface="Times New Roman" panose="02020603050405020304" pitchFamily="18" charset="0"/>
+              </a:rPr>
+              <a:t> Mikael Asplund, Simin Nadjm-Tehrani-2011.</a:t>
+            </a:r>
+          </a:p>
+          <a:p>
+            <a:pPr marL="0" indent="0">
+              <a:buNone/>
+            </a:pPr>
+            <a:r>
+              <a:rPr lang="en-US" dirty="0">
+                <a:solidFill>
+                  <a:schemeClr val="dk1"/>
+                </a:solidFill>
+                <a:latin typeface="Times New Roman" panose="02020603050405020304" pitchFamily="18" charset="0"/>
+                <a:cs typeface="Times New Roman" pitchFamily="18" charset="0"/>
+              </a:rPr>
+              <a:t>7.</a:t>
+            </a:r>
+            <a:r>
+              <a:rPr kumimoji="0" lang="en-US" sz="2400" b="1" kern="1200" dirty="0">
+                <a:solidFill>
+                  <a:schemeClr val="dk1"/>
+                </a:solidFill>
+                <a:latin typeface="Times New Roman" panose="02020603050405020304" pitchFamily="18" charset="0"/>
+                <a:cs typeface="Times New Roman" panose="02020603050405020304" pitchFamily="18" charset="0"/>
+              </a:rPr>
+              <a:t> Dynamic Audit Services for Integrity Verification of Outsourced Storages in Clouds;</a:t>
+            </a:r>
+            <a:r>
+              <a:rPr kumimoji="0" lang="en-US" sz="2400" kern="1200" dirty="0">
+                <a:solidFill>
+                  <a:schemeClr val="dk1"/>
+                </a:solidFill>
+                <a:latin typeface="Times New Roman" panose="02020603050405020304" pitchFamily="18" charset="0"/>
+                <a:cs typeface="Times New Roman" panose="02020603050405020304" pitchFamily="18" charset="0"/>
+              </a:rPr>
+              <a:t> Yan Zhu, Huaixi Wang-</a:t>
+            </a:r>
+            <a:r>
+              <a:rPr lang="en-US" sz="2400" b="0" dirty="0">
+                <a:latin typeface="Times New Roman" panose="02020603050405020304" pitchFamily="18" charset="0"/>
+                <a:cs typeface="Times New Roman" panose="02020603050405020304" pitchFamily="18" charset="0"/>
+              </a:rPr>
+              <a:t>2013.</a:t>
+            </a:r>
+          </a:p>
+          <a:p>
+            <a:pPr marL="0" indent="0">
+              <a:buNone/>
+            </a:pPr>
+            <a:r>
+              <a:rPr lang="en-US" dirty="0">
+                <a:latin typeface="Times New Roman" panose="02020603050405020304" pitchFamily="18" charset="0"/>
+                <a:cs typeface="Times New Roman" pitchFamily="18" charset="0"/>
+              </a:rPr>
+              <a:t>8.</a:t>
+            </a:r>
+            <a:r>
+              <a:rPr kumimoji="0" lang="en-US" sz="2400" b="1" kern="1200" dirty="0">
+                <a:solidFill>
+                  <a:schemeClr val="dk1"/>
+                </a:solidFill>
+                <a:latin typeface="Times New Roman" panose="02020603050405020304" pitchFamily="18" charset="0"/>
+                <a:cs typeface="Times New Roman" panose="02020603050405020304" pitchFamily="18" charset="0"/>
+              </a:rPr>
+              <a:t> Oruta: Privacy-Preserving Public Auditing for Shared Data in the Cloud;</a:t>
+            </a:r>
+            <a:r>
+              <a:rPr kumimoji="0" lang="en-US" sz="2400" kern="1200" dirty="0">
+                <a:solidFill>
+                  <a:schemeClr val="dk1"/>
+                </a:solidFill>
+                <a:latin typeface="Times New Roman" panose="02020603050405020304" pitchFamily="18" charset="0"/>
+                <a:cs typeface="Times New Roman" panose="02020603050405020304" pitchFamily="18" charset="0"/>
+              </a:rPr>
+              <a:t>Boyang Wang, Baochun Li, Hui Li-2014.</a:t>
+            </a:r>
+          </a:p>
+          <a:p>
+            <a:pPr marL="0" indent="0">
+              <a:buNone/>
+            </a:pPr>
+            <a:r>
+              <a:rPr lang="en-US" dirty="0">
+                <a:solidFill>
+                  <a:schemeClr val="dk1"/>
+                </a:solidFill>
+                <a:latin typeface="Times New Roman" panose="02020603050405020304" pitchFamily="18" charset="0"/>
+                <a:cs typeface="Times New Roman" pitchFamily="18" charset="0"/>
+              </a:rPr>
+              <a:t>9.</a:t>
+            </a:r>
+            <a:r>
+              <a:rPr kumimoji="0" lang="en-US" sz="2400" b="1" kern="1200" dirty="0">
+                <a:solidFill>
+                  <a:schemeClr val="dk1"/>
+                </a:solidFill>
+                <a:latin typeface="Times New Roman" panose="02020603050405020304" pitchFamily="18" charset="0"/>
+                <a:cs typeface="Times New Roman" panose="02020603050405020304" pitchFamily="18" charset="0"/>
+              </a:rPr>
+              <a:t> Enabling Public Auditability and Data Dynamics for Storage Security in Cloud Computing;</a:t>
+            </a:r>
+            <a:r>
+              <a:rPr kumimoji="0" lang="en-US" sz="2400" kern="1200" dirty="0">
+                <a:solidFill>
+                  <a:schemeClr val="dk1"/>
+                </a:solidFill>
+                <a:latin typeface="Times New Roman" panose="02020603050405020304" pitchFamily="18" charset="0"/>
+                <a:cs typeface="Times New Roman" panose="02020603050405020304" pitchFamily="18" charset="0"/>
+              </a:rPr>
+              <a:t> Qian Wang, Cong Wang, Kui Ren, Wenjing Lou Jin Li-2010.</a:t>
+            </a:r>
+          </a:p>
+          <a:p>
+            <a:pPr marL="0" indent="0">
+              <a:buNone/>
+            </a:pPr>
+            <a:r>
+              <a:rPr lang="en-US" dirty="0">
+                <a:solidFill>
+                  <a:schemeClr val="dk1"/>
+                </a:solidFill>
+                <a:latin typeface="Times New Roman" panose="02020603050405020304" pitchFamily="18" charset="0"/>
+                <a:cs typeface="Times New Roman" pitchFamily="18" charset="0"/>
+              </a:rPr>
+              <a:t>10.</a:t>
+            </a:r>
+            <a:r>
+              <a:rPr kumimoji="0" lang="en-US" sz="2400" b="1" kern="1200" dirty="0">
+                <a:solidFill>
+                  <a:schemeClr val="dk1"/>
+                </a:solidFill>
+                <a:latin typeface="Times New Roman" panose="02020603050405020304" pitchFamily="18" charset="0"/>
+                <a:cs typeface="Times New Roman" panose="02020603050405020304" pitchFamily="18" charset="0"/>
+              </a:rPr>
+              <a:t> Towards Secure and Dependable Storage Services in Cloud </a:t>
+            </a:r>
+          </a:p>
+          <a:p>
+            <a:pPr marL="0" indent="0">
+              <a:buNone/>
+            </a:pPr>
+            <a:r>
+              <a:rPr kumimoji="0" lang="en-US" sz="2400" b="1" kern="1200" dirty="0">
+                <a:solidFill>
+                  <a:schemeClr val="dk1"/>
+                </a:solidFill>
+                <a:latin typeface="Times New Roman" panose="02020603050405020304" pitchFamily="18" charset="0"/>
+                <a:cs typeface="Times New Roman" panose="02020603050405020304" pitchFamily="18" charset="0"/>
+              </a:rPr>
+              <a:t>Computing;</a:t>
+            </a:r>
+            <a:r>
+              <a:rPr kumimoji="0" lang="en-US" sz="2400" kern="1200" dirty="0">
+                <a:solidFill>
+                  <a:schemeClr val="dk1"/>
+                </a:solidFill>
+                <a:latin typeface="Times New Roman" panose="02020603050405020304" pitchFamily="18" charset="0"/>
+                <a:cs typeface="Times New Roman" panose="02020603050405020304" pitchFamily="18" charset="0"/>
+              </a:rPr>
+              <a:t> Cong Wang, Qian Wang, Kui Ren, Ning Cao, Wenjing Lou-2014.</a:t>
+            </a:r>
+          </a:p>
+          <a:p>
+            <a:pPr marL="0" indent="0">
+              <a:buNone/>
+            </a:pPr>
+            <a:endParaRPr kumimoji="0" lang="en-US" sz="2400" kern="1200" dirty="0">
+              <a:solidFill>
+                <a:schemeClr val="dk1"/>
+              </a:solidFill>
+              <a:latin typeface="Times New Roman" pitchFamily="18" charset="0"/>
+              <a:ea typeface="+mn-ea"/>
+              <a:cs typeface="Times New Roman" pitchFamily="18" charset="0"/>
+            </a:endParaRPr>
+          </a:p>
+          <a:p>
+            <a:pPr marL="0" indent="0">
+              <a:buNone/>
+            </a:pPr>
+            <a:endParaRPr kumimoji="0" lang="en-US" sz="2400" kern="1200" dirty="0">
+              <a:solidFill>
+                <a:schemeClr val="dk1"/>
+              </a:solidFill>
+              <a:latin typeface="Times New Roman" pitchFamily="18" charset="0"/>
+              <a:ea typeface="+mn-ea"/>
+              <a:cs typeface="Times New Roman" pitchFamily="18" charset="0"/>
+            </a:endParaRPr>
+          </a:p>
+          <a:p>
+            <a:pPr marL="0" indent="0">
+              <a:buNone/>
+            </a:pPr>
+            <a:endParaRPr kumimoji="0" lang="en-US" sz="2400" kern="1200" dirty="0">
+              <a:solidFill>
+                <a:schemeClr val="dk1"/>
+              </a:solidFill>
+              <a:latin typeface="Times New Roman" pitchFamily="18" charset="0"/>
+              <a:ea typeface="+mn-ea"/>
+              <a:cs typeface="Times New Roman" pitchFamily="18" charset="0"/>
+            </a:endParaRPr>
+          </a:p>
+          <a:p>
+            <a:pPr marL="0" indent="0">
+              <a:buNone/>
+            </a:pPr>
+            <a:endParaRPr kumimoji="0" lang="en-US" sz="2400" kern="1200" dirty="0">
+              <a:solidFill>
+                <a:schemeClr val="dk1"/>
+              </a:solidFill>
+              <a:latin typeface="Times New Roman" pitchFamily="18" charset="0"/>
+              <a:ea typeface="+mn-ea"/>
+              <a:cs typeface="Times New Roman" pitchFamily="18" charset="0"/>
+            </a:endParaRPr>
+          </a:p>
+          <a:p>
+            <a:pPr marL="0" indent="0">
+              <a:buNone/>
+            </a:pPr>
+            <a:endParaRPr lang="en-US" sz="2400" b="0" dirty="0">
+              <a:latin typeface="Times New Roman" pitchFamily="18" charset="0"/>
+              <a:cs typeface="Times New Roman" pitchFamily="18" charset="0"/>
+            </a:endParaRPr>
+          </a:p>
+          <a:p>
+            <a:pPr marL="0" indent="0">
+              <a:buNone/>
+            </a:pPr>
+            <a:endParaRPr kumimoji="0" lang="en-US" sz="2400" kern="1200" dirty="0">
+              <a:solidFill>
+                <a:schemeClr val="dk1"/>
+              </a:solidFill>
+              <a:latin typeface="Times New Roman" pitchFamily="18" charset="0"/>
+              <a:ea typeface="+mn-ea"/>
+              <a:cs typeface="Times New Roman" pitchFamily="18" charset="0"/>
+            </a:endParaRPr>
+          </a:p>
+          <a:p>
+            <a:pPr marL="0" indent="0">
+              <a:buNone/>
+            </a:pPr>
+            <a:endParaRPr kumimoji="0" lang="en-US" sz="2400" kern="1200" dirty="0">
+              <a:solidFill>
+                <a:schemeClr val="dk1"/>
+              </a:solidFill>
+              <a:latin typeface="Times New Roman" pitchFamily="18" charset="0"/>
+              <a:ea typeface="+mn-ea"/>
+              <a:cs typeface="Times New Roman" pitchFamily="18" charset="0"/>
+            </a:endParaRPr>
+          </a:p>
+          <a:p>
+            <a:pPr marL="0" indent="0">
+              <a:buNone/>
+            </a:pPr>
+            <a:endParaRPr lang="en-US" sz="2400" dirty="0">
+              <a:latin typeface="Times New Roman" pitchFamily="18" charset="0"/>
+              <a:cs typeface="Times New Roman" pitchFamily="18" charset="0"/>
+            </a:endParaRPr>
+          </a:p>
+          <a:p>
+            <a:pPr marL="0" indent="0">
+              <a:buNone/>
+            </a:pPr>
+            <a:endParaRPr kumimoji="0" lang="en-US" sz="2400" kern="1200" dirty="0">
+              <a:solidFill>
+                <a:schemeClr val="dk1"/>
+              </a:solidFill>
+              <a:latin typeface="Times New Roman" pitchFamily="18" charset="0"/>
+              <a:ea typeface="+mn-ea"/>
+              <a:cs typeface="Times New Roman" pitchFamily="18" charset="0"/>
+            </a:endParaRPr>
+          </a:p>
+          <a:p>
+            <a:pPr marL="0" indent="0">
+              <a:buNone/>
+            </a:pPr>
+            <a:endParaRPr kumimoji="0" lang="en-US" sz="2400" kern="1200" dirty="0">
+              <a:solidFill>
+                <a:schemeClr val="dk1"/>
+              </a:solidFill>
+              <a:latin typeface="Times New Roman" pitchFamily="18" charset="0"/>
+              <a:ea typeface="+mn-ea"/>
+              <a:cs typeface="Times New Roman" pitchFamily="18" charset="0"/>
+            </a:endParaRPr>
+          </a:p>
+          <a:p>
+            <a:pPr marL="0" indent="0">
+              <a:buNone/>
+            </a:pPr>
+            <a:endParaRPr kumimoji="0" lang="en-US" sz="2400" kern="1200" dirty="0">
+              <a:solidFill>
+                <a:schemeClr val="dk1"/>
+              </a:solidFill>
+              <a:latin typeface="Times New Roman" pitchFamily="18" charset="0"/>
+              <a:ea typeface="+mn-ea"/>
+              <a:cs typeface="Times New Roman" pitchFamily="18" charset="0"/>
+            </a:endParaRPr>
+          </a:p>
+          <a:p>
+            <a:pPr marL="0" indent="0">
+              <a:buNone/>
+            </a:pPr>
+            <a:endParaRPr lang="en-IN" dirty="0"/>
+          </a:p>
+        </p:txBody>
+      </p:sp>
+    </p:spTree>
+    <p:extLst>
+      <p:ext uri="{BB962C8B-B14F-4D97-AF65-F5344CB8AC3E}">
+        <p14:creationId xmlns:p14="http://schemas.microsoft.com/office/powerpoint/2010/main" val="3826605520"/>
+      </p:ext>
+    </p:extLst>
+  </p:cSld>
+  <p:clrMapOvr>
+    <a:masterClrMapping/>
+  </p:clrMapOvr>
+</p:sld>
+</file>
+
+<file path=ppt/slides/slide37.xml><?xml version="1.0" encoding="utf-8"?>
+<p:sld xmlns:a="http://schemas.openxmlformats.org/drawingml/2006/main" xmlns:r="http://schemas.openxmlformats.org/officeDocument/2006/relationships" xmlns:p="http://schemas.openxmlformats.org/presentationml/2006/main">
+  <p:cSld>
+    <p:spTree>
+      <p:nvGrpSpPr>
+        <p:cNvPr id="1" name=""/>
+        <p:cNvGrpSpPr/>
+        <p:nvPr/>
+      </p:nvGrpSpPr>
+      <p:grpSpPr>
+        <a:xfrm>
+          <a:off x="0" y="0"/>
+          <a:ext cx="0" cy="0"/>
+          <a:chOff x="0" y="0"/>
+          <a:chExt cx="0" cy="0"/>
+        </a:xfrm>
+      </p:grpSpPr>
+      <p:sp>
+        <p:nvSpPr>
+          <p:cNvPr id="2" name="Title 1">
+            <a:extLst>
+              <a:ext uri="{FF2B5EF4-FFF2-40B4-BE49-F238E27FC236}">
                 <a16:creationId xmlns:a16="http://schemas.microsoft.com/office/drawing/2014/main" id="{22809722-CE21-499D-8915-07CC6C4C75C9}"/>
               </a:ext>
             </a:extLst>
@@ -12381,7 +12805,7 @@
 </p:sld>
 </file>
 
-<file path=ppt/slides/slide34.xml><?xml version="1.0" encoding="utf-8"?>
+<file path=ppt/slides/slide4.xml><?xml version="1.0" encoding="utf-8"?>
 <p:sld xmlns:a="http://schemas.openxmlformats.org/drawingml/2006/main" xmlns:r="http://schemas.openxmlformats.org/officeDocument/2006/relationships" xmlns:p="http://schemas.openxmlformats.org/presentationml/2006/main">
   <p:cSld>
     <p:spTree>
@@ -12491,7 +12915,7 @@
 </p:sld>
 </file>
 
-<file path=ppt/slides/slide35.xml><?xml version="1.0" encoding="utf-8"?>
+<file path=ppt/slides/slide5.xml><?xml version="1.0" encoding="utf-8"?>
 <p:sld xmlns:a="http://schemas.openxmlformats.org/drawingml/2006/main" xmlns:r="http://schemas.openxmlformats.org/officeDocument/2006/relationships" xmlns:p="http://schemas.openxmlformats.org/presentationml/2006/main">
   <p:cSld>
     <p:spTree>
@@ -12601,205 +13025,7 @@
 </p:sld>
 </file>
 
-<file path=ppt/slides/slide36.xml><?xml version="1.0" encoding="utf-8"?>
-<p:sld xmlns:a="http://schemas.openxmlformats.org/drawingml/2006/main" xmlns:r="http://schemas.openxmlformats.org/officeDocument/2006/relationships" xmlns:p="http://schemas.openxmlformats.org/presentationml/2006/main">
-  <p:cSld>
-    <p:spTree>
-      <p:nvGrpSpPr>
-        <p:cNvPr id="1" name=""/>
-        <p:cNvGrpSpPr/>
-        <p:nvPr/>
-      </p:nvGrpSpPr>
-      <p:grpSpPr>
-        <a:xfrm>
-          <a:off x="0" y="0"/>
-          <a:ext cx="0" cy="0"/>
-          <a:chOff x="0" y="0"/>
-          <a:chExt cx="0" cy="0"/>
-        </a:xfrm>
-      </p:grpSpPr>
-      <p:sp>
-        <p:nvSpPr>
-          <p:cNvPr id="2" name="Title 1">
-            <a:extLst>
-              <a:ext uri="{FF2B5EF4-FFF2-40B4-BE49-F238E27FC236}">
-                <a16:creationId xmlns:a16="http://schemas.microsoft.com/office/drawing/2014/main" id="{66BC1719-A7A7-4523-AE04-932B3C9B25B4}"/>
-              </a:ext>
-            </a:extLst>
-          </p:cNvPr>
-          <p:cNvSpPr>
-            <a:spLocks noGrp="1"/>
-          </p:cNvSpPr>
-          <p:nvPr>
-            <p:ph type="title"/>
-          </p:nvPr>
-        </p:nvSpPr>
-        <p:spPr>
-          <a:xfrm>
-            <a:off x="1484311" y="213064"/>
-            <a:ext cx="10018713" cy="1278385"/>
-          </a:xfrm>
-        </p:spPr>
-        <p:txBody>
-          <a:bodyPr/>
-          <a:lstStyle/>
-          <a:p>
-            <a:r>
-              <a:rPr lang="en-US" b="1" dirty="0">
-                <a:latin typeface="Times New Roman" panose="02020603050405020304" pitchFamily="18" charset="0"/>
-                <a:cs typeface="Times New Roman" panose="02020603050405020304" pitchFamily="18" charset="0"/>
-              </a:rPr>
-              <a:t>COLLABERATION DIAGRAM</a:t>
-            </a:r>
-            <a:endParaRPr lang="en-IN" b="1" dirty="0">
-              <a:latin typeface="Times New Roman" panose="02020603050405020304" pitchFamily="18" charset="0"/>
-              <a:cs typeface="Times New Roman" panose="02020603050405020304" pitchFamily="18" charset="0"/>
-            </a:endParaRPr>
-          </a:p>
-        </p:txBody>
-      </p:sp>
-      <p:pic>
-        <p:nvPicPr>
-          <p:cNvPr id="5" name="Content Placeholder 4">
-            <a:extLst>
-              <a:ext uri="{FF2B5EF4-FFF2-40B4-BE49-F238E27FC236}">
-                <a16:creationId xmlns:a16="http://schemas.microsoft.com/office/drawing/2014/main" id="{2CF75A87-2174-4683-B104-CFA76B1BA24B}"/>
-              </a:ext>
-            </a:extLst>
-          </p:cNvPr>
-          <p:cNvPicPr>
-            <a:picLocks noGrp="1" noChangeAspect="1"/>
-          </p:cNvPicPr>
-          <p:nvPr>
-            <p:ph idx="1"/>
-          </p:nvPr>
-        </p:nvPicPr>
-        <p:blipFill>
-          <a:blip r:embed="rId2"/>
-          <a:stretch>
-            <a:fillRect/>
-          </a:stretch>
-        </p:blipFill>
-        <p:spPr>
-          <a:xfrm>
-            <a:off x="2041865" y="1322772"/>
-            <a:ext cx="9738804" cy="4856085"/>
-          </a:xfrm>
-        </p:spPr>
-      </p:pic>
-    </p:spTree>
-    <p:extLst>
-      <p:ext uri="{BB962C8B-B14F-4D97-AF65-F5344CB8AC3E}">
-        <p14:creationId xmlns:p14="http://schemas.microsoft.com/office/powerpoint/2010/main" val="2580784549"/>
-      </p:ext>
-    </p:extLst>
-  </p:cSld>
-  <p:clrMapOvr>
-    <a:masterClrMapping/>
-  </p:clrMapOvr>
-</p:sld>
-</file>
-
-<file path=ppt/slides/slide37.xml><?xml version="1.0" encoding="utf-8"?>
-<p:sld xmlns:a="http://schemas.openxmlformats.org/drawingml/2006/main" xmlns:r="http://schemas.openxmlformats.org/officeDocument/2006/relationships" xmlns:p="http://schemas.openxmlformats.org/presentationml/2006/main">
-  <p:cSld>
-    <p:spTree>
-      <p:nvGrpSpPr>
-        <p:cNvPr id="1" name=""/>
-        <p:cNvGrpSpPr/>
-        <p:nvPr/>
-      </p:nvGrpSpPr>
-      <p:grpSpPr>
-        <a:xfrm>
-          <a:off x="0" y="0"/>
-          <a:ext cx="0" cy="0"/>
-          <a:chOff x="0" y="0"/>
-          <a:chExt cx="0" cy="0"/>
-        </a:xfrm>
-      </p:grpSpPr>
-      <p:sp>
-        <p:nvSpPr>
-          <p:cNvPr id="2" name="Title 1">
-            <a:extLst>
-              <a:ext uri="{FF2B5EF4-FFF2-40B4-BE49-F238E27FC236}">
-                <a16:creationId xmlns:a16="http://schemas.microsoft.com/office/drawing/2014/main" id="{C0A31F5E-4FA2-4A87-90E0-7352E50C1582}"/>
-              </a:ext>
-            </a:extLst>
-          </p:cNvPr>
-          <p:cNvSpPr>
-            <a:spLocks noGrp="1"/>
-          </p:cNvSpPr>
-          <p:nvPr>
-            <p:ph type="title"/>
-          </p:nvPr>
-        </p:nvSpPr>
-        <p:spPr>
-          <a:xfrm>
-            <a:off x="1484311" y="71021"/>
-            <a:ext cx="10018713" cy="1331652"/>
-          </a:xfrm>
-        </p:spPr>
-        <p:txBody>
-          <a:bodyPr/>
-          <a:lstStyle/>
-          <a:p>
-            <a:r>
-              <a:rPr lang="en-US" b="1" dirty="0">
-                <a:latin typeface="Times New Roman" panose="02020603050405020304" pitchFamily="18" charset="0"/>
-                <a:cs typeface="Times New Roman" panose="02020603050405020304" pitchFamily="18" charset="0"/>
-              </a:rPr>
-              <a:t>SEQUENCE DIAGRAM</a:t>
-            </a:r>
-            <a:endParaRPr lang="en-IN" b="1" dirty="0">
-              <a:latin typeface="Times New Roman" panose="02020603050405020304" pitchFamily="18" charset="0"/>
-              <a:cs typeface="Times New Roman" panose="02020603050405020304" pitchFamily="18" charset="0"/>
-            </a:endParaRPr>
-          </a:p>
-        </p:txBody>
-      </p:sp>
-      <p:pic>
-        <p:nvPicPr>
-          <p:cNvPr id="5" name="Content Placeholder 4">
-            <a:extLst>
-              <a:ext uri="{FF2B5EF4-FFF2-40B4-BE49-F238E27FC236}">
-                <a16:creationId xmlns:a16="http://schemas.microsoft.com/office/drawing/2014/main" id="{595824CB-136A-467C-87D8-09A3CADC412E}"/>
-              </a:ext>
-            </a:extLst>
-          </p:cNvPr>
-          <p:cNvPicPr>
-            <a:picLocks noGrp="1" noChangeAspect="1"/>
-          </p:cNvPicPr>
-          <p:nvPr>
-            <p:ph idx="1"/>
-          </p:nvPr>
-        </p:nvPicPr>
-        <p:blipFill>
-          <a:blip r:embed="rId2"/>
-          <a:stretch>
-            <a:fillRect/>
-          </a:stretch>
-        </p:blipFill>
-        <p:spPr>
-          <a:xfrm>
-            <a:off x="2228295" y="1402672"/>
-            <a:ext cx="9392575" cy="5033639"/>
-          </a:xfrm>
-        </p:spPr>
-      </p:pic>
-    </p:spTree>
-    <p:extLst>
-      <p:ext uri="{BB962C8B-B14F-4D97-AF65-F5344CB8AC3E}">
-        <p14:creationId xmlns:p14="http://schemas.microsoft.com/office/powerpoint/2010/main" val="2691927280"/>
-      </p:ext>
-    </p:extLst>
-  </p:cSld>
-  <p:clrMapOvr>
-    <a:masterClrMapping/>
-  </p:clrMapOvr>
-</p:sld>
-</file>
-
-<file path=ppt/slides/slide4.xml><?xml version="1.0" encoding="utf-8"?>
+<file path=ppt/slides/slide6.xml><?xml version="1.0" encoding="utf-8"?>
 <p:sld xmlns:a="http://schemas.openxmlformats.org/drawingml/2006/main" xmlns:r="http://schemas.openxmlformats.org/officeDocument/2006/relationships" xmlns:p="http://schemas.openxmlformats.org/presentationml/2006/main">
   <p:cSld>
     <p:spTree>
@@ -12909,7 +13135,7 @@
 </p:sld>
 </file>
 
-<file path=ppt/slides/slide5.xml><?xml version="1.0" encoding="utf-8"?>
+<file path=ppt/slides/slide7.xml><?xml version="1.0" encoding="utf-8"?>
 <p:sld xmlns:a="http://schemas.openxmlformats.org/drawingml/2006/main" xmlns:r="http://schemas.openxmlformats.org/officeDocument/2006/relationships" xmlns:p="http://schemas.openxmlformats.org/presentationml/2006/main">
   <p:cSld>
     <p:spTree>
@@ -13097,7 +13323,7 @@
 </p:sld>
 </file>
 
-<file path=ppt/slides/slide6.xml><?xml version="1.0" encoding="utf-8"?>
+<file path=ppt/slides/slide8.xml><?xml version="1.0" encoding="utf-8"?>
 <p:sld xmlns:a="http://schemas.openxmlformats.org/drawingml/2006/main" xmlns:r="http://schemas.openxmlformats.org/officeDocument/2006/relationships" xmlns:p="http://schemas.openxmlformats.org/presentationml/2006/main">
   <p:cSld>
     <p:spTree>
@@ -13324,7 +13550,7 @@
 </p:sld>
 </file>
 
-<file path=ppt/slides/slide7.xml><?xml version="1.0" encoding="utf-8"?>
+<file path=ppt/slides/slide9.xml><?xml version="1.0" encoding="utf-8"?>
 <p:sld xmlns:a="http://schemas.openxmlformats.org/drawingml/2006/main" xmlns:r="http://schemas.openxmlformats.org/officeDocument/2006/relationships" xmlns:p="http://schemas.openxmlformats.org/presentationml/2006/main">
   <p:cSld>
     <p:spTree>
@@ -13438,232 +13664,6 @@
     <p:extLst>
       <p:ext uri="{BB962C8B-B14F-4D97-AF65-F5344CB8AC3E}">
         <p14:creationId xmlns:p14="http://schemas.microsoft.com/office/powerpoint/2010/main" val="2038436294"/>
-      </p:ext>
-    </p:extLst>
-  </p:cSld>
-  <p:clrMapOvr>
-    <a:masterClrMapping/>
-  </p:clrMapOvr>
-</p:sld>
-</file>
-
-<file path=ppt/slides/slide8.xml><?xml version="1.0" encoding="utf-8"?>
-<p:sld xmlns:a="http://schemas.openxmlformats.org/drawingml/2006/main" xmlns:r="http://schemas.openxmlformats.org/officeDocument/2006/relationships" xmlns:p="http://schemas.openxmlformats.org/presentationml/2006/main">
-  <p:cSld>
-    <p:spTree>
-      <p:nvGrpSpPr>
-        <p:cNvPr id="1" name=""/>
-        <p:cNvGrpSpPr/>
-        <p:nvPr/>
-      </p:nvGrpSpPr>
-      <p:grpSpPr>
-        <a:xfrm>
-          <a:off x="0" y="0"/>
-          <a:ext cx="0" cy="0"/>
-          <a:chOff x="0" y="0"/>
-          <a:chExt cx="0" cy="0"/>
-        </a:xfrm>
-      </p:grpSpPr>
-      <p:sp>
-        <p:nvSpPr>
-          <p:cNvPr id="2" name="Title 1">
-            <a:extLst>
-              <a:ext uri="{FF2B5EF4-FFF2-40B4-BE49-F238E27FC236}">
-                <a16:creationId xmlns:a16="http://schemas.microsoft.com/office/drawing/2014/main" id="{67E3BDE7-D491-4285-9EF3-565E14284BC7}"/>
-              </a:ext>
-            </a:extLst>
-          </p:cNvPr>
-          <p:cNvSpPr>
-            <a:spLocks noGrp="1"/>
-          </p:cNvSpPr>
-          <p:nvPr>
-            <p:ph type="title"/>
-          </p:nvPr>
-        </p:nvSpPr>
-        <p:spPr>
-          <a:xfrm>
-            <a:off x="1484311" y="186431"/>
-            <a:ext cx="10018713" cy="1402672"/>
-          </a:xfrm>
-        </p:spPr>
-        <p:txBody>
-          <a:bodyPr>
-            <a:normAutofit fontScale="90000"/>
-          </a:bodyPr>
-          <a:lstStyle/>
-          <a:p>
-            <a:r>
-              <a:rPr lang="en-US" sz="4400" b="1" dirty="0">
-                <a:latin typeface="Times New Roman" panose="02020603050405020304" pitchFamily="18" charset="0"/>
-                <a:cs typeface="Times New Roman" panose="02020603050405020304" pitchFamily="18" charset="0"/>
-              </a:rPr>
-              <a:t>SYSTEM DESIGN</a:t>
-            </a:r>
-            <a:br>
-              <a:rPr lang="en-US" sz="4400" b="1" dirty="0">
-                <a:latin typeface="Times New Roman" panose="02020603050405020304" pitchFamily="18" charset="0"/>
-                <a:cs typeface="Times New Roman" panose="02020603050405020304" pitchFamily="18" charset="0"/>
-              </a:rPr>
-            </a:br>
-            <a:r>
-              <a:rPr lang="en-US" sz="3100" b="1" dirty="0">
-                <a:latin typeface="Times New Roman" panose="02020603050405020304" pitchFamily="18" charset="0"/>
-                <a:cs typeface="Times New Roman" panose="02020603050405020304" pitchFamily="18" charset="0"/>
-              </a:rPr>
-              <a:t>UML DIAGRAMS</a:t>
-            </a:r>
-            <a:br>
-              <a:rPr lang="en-US" sz="4400" b="1" dirty="0">
-                <a:latin typeface="Times New Roman" panose="02020603050405020304" pitchFamily="18" charset="0"/>
-                <a:cs typeface="Times New Roman" panose="02020603050405020304" pitchFamily="18" charset="0"/>
-              </a:rPr>
-            </a:br>
-            <a:r>
-              <a:rPr lang="en-US" sz="3100" b="1" dirty="0">
-                <a:latin typeface="Times New Roman" panose="02020603050405020304" pitchFamily="18" charset="0"/>
-                <a:cs typeface="Times New Roman" panose="02020603050405020304" pitchFamily="18" charset="0"/>
-              </a:rPr>
-              <a:t>USE CASE DIAGRAM</a:t>
-            </a:r>
-            <a:endParaRPr lang="en-IN" sz="3100" b="1" dirty="0">
-              <a:latin typeface="Times New Roman" panose="02020603050405020304" pitchFamily="18" charset="0"/>
-              <a:cs typeface="Times New Roman" panose="02020603050405020304" pitchFamily="18" charset="0"/>
-            </a:endParaRPr>
-          </a:p>
-        </p:txBody>
-      </p:sp>
-      <p:pic>
-        <p:nvPicPr>
-          <p:cNvPr id="5" name="Content Placeholder 4">
-            <a:extLst>
-              <a:ext uri="{FF2B5EF4-FFF2-40B4-BE49-F238E27FC236}">
-                <a16:creationId xmlns:a16="http://schemas.microsoft.com/office/drawing/2014/main" id="{2FFA2779-BB2A-4AB7-95F5-6E88B17CBB4B}"/>
-              </a:ext>
-            </a:extLst>
-          </p:cNvPr>
-          <p:cNvPicPr>
-            <a:picLocks noGrp="1" noChangeAspect="1"/>
-          </p:cNvPicPr>
-          <p:nvPr>
-            <p:ph idx="1"/>
-          </p:nvPr>
-        </p:nvPicPr>
-        <p:blipFill>
-          <a:blip r:embed="rId2"/>
-          <a:stretch>
-            <a:fillRect/>
-          </a:stretch>
-        </p:blipFill>
-        <p:spPr>
-          <a:xfrm>
-            <a:off x="2476870" y="1917699"/>
-            <a:ext cx="9170633" cy="4678409"/>
-          </a:xfrm>
-        </p:spPr>
-      </p:pic>
-    </p:spTree>
-    <p:extLst>
-      <p:ext uri="{BB962C8B-B14F-4D97-AF65-F5344CB8AC3E}">
-        <p14:creationId xmlns:p14="http://schemas.microsoft.com/office/powerpoint/2010/main" val="3926109631"/>
-      </p:ext>
-    </p:extLst>
-  </p:cSld>
-  <p:clrMapOvr>
-    <a:masterClrMapping/>
-  </p:clrMapOvr>
-</p:sld>
-</file>
-
-<file path=ppt/slides/slide9.xml><?xml version="1.0" encoding="utf-8"?>
-<p:sld xmlns:a="http://schemas.openxmlformats.org/drawingml/2006/main" xmlns:r="http://schemas.openxmlformats.org/officeDocument/2006/relationships" xmlns:p="http://schemas.openxmlformats.org/presentationml/2006/main">
-  <p:cSld>
-    <p:spTree>
-      <p:nvGrpSpPr>
-        <p:cNvPr id="1" name=""/>
-        <p:cNvGrpSpPr/>
-        <p:nvPr/>
-      </p:nvGrpSpPr>
-      <p:grpSpPr>
-        <a:xfrm>
-          <a:off x="0" y="0"/>
-          <a:ext cx="0" cy="0"/>
-          <a:chOff x="0" y="0"/>
-          <a:chExt cx="0" cy="0"/>
-        </a:xfrm>
-      </p:grpSpPr>
-      <p:sp>
-        <p:nvSpPr>
-          <p:cNvPr id="2" name="Title 1">
-            <a:extLst>
-              <a:ext uri="{FF2B5EF4-FFF2-40B4-BE49-F238E27FC236}">
-                <a16:creationId xmlns:a16="http://schemas.microsoft.com/office/drawing/2014/main" id="{F02AD415-CA9D-41DE-8DDD-1B4411BAC20F}"/>
-              </a:ext>
-            </a:extLst>
-          </p:cNvPr>
-          <p:cNvSpPr>
-            <a:spLocks noGrp="1"/>
-          </p:cNvSpPr>
-          <p:nvPr>
-            <p:ph type="title"/>
-          </p:nvPr>
-        </p:nvSpPr>
-        <p:spPr>
-          <a:xfrm>
-            <a:off x="1484311" y="124287"/>
-            <a:ext cx="10018713" cy="1438184"/>
-          </a:xfrm>
-        </p:spPr>
-        <p:txBody>
-          <a:bodyPr/>
-          <a:lstStyle/>
-          <a:p>
-            <a:r>
-              <a:rPr lang="en-US" b="1" dirty="0">
-                <a:latin typeface="Times New Roman" panose="02020603050405020304" pitchFamily="18" charset="0"/>
-                <a:cs typeface="Times New Roman" panose="02020603050405020304" pitchFamily="18" charset="0"/>
-              </a:rPr>
-              <a:t>ACTIVITY DIAGRAM</a:t>
-            </a:r>
-            <a:endParaRPr lang="en-IN" b="1" dirty="0">
-              <a:latin typeface="Times New Roman" panose="02020603050405020304" pitchFamily="18" charset="0"/>
-              <a:cs typeface="Times New Roman" panose="02020603050405020304" pitchFamily="18" charset="0"/>
-            </a:endParaRPr>
-          </a:p>
-        </p:txBody>
-      </p:sp>
-      <p:pic>
-        <p:nvPicPr>
-          <p:cNvPr id="5" name="Content Placeholder 4">
-            <a:extLst>
-              <a:ext uri="{FF2B5EF4-FFF2-40B4-BE49-F238E27FC236}">
-                <a16:creationId xmlns:a16="http://schemas.microsoft.com/office/drawing/2014/main" id="{BD71D8CE-730D-42F2-BBCF-C6502F3A9A8E}"/>
-              </a:ext>
-            </a:extLst>
-          </p:cNvPr>
-          <p:cNvPicPr>
-            <a:picLocks noGrp="1" noChangeAspect="1"/>
-          </p:cNvPicPr>
-          <p:nvPr>
-            <p:ph idx="1"/>
-          </p:nvPr>
-        </p:nvPicPr>
-        <p:blipFill>
-          <a:blip r:embed="rId2"/>
-          <a:stretch>
-            <a:fillRect/>
-          </a:stretch>
-        </p:blipFill>
-        <p:spPr>
-          <a:xfrm>
-            <a:off x="2299317" y="1562471"/>
-            <a:ext cx="9445840" cy="4971494"/>
-          </a:xfrm>
-        </p:spPr>
-      </p:pic>
-    </p:spTree>
-    <p:extLst>
-      <p:ext uri="{BB962C8B-B14F-4D97-AF65-F5344CB8AC3E}">
-        <p14:creationId xmlns:p14="http://schemas.microsoft.com/office/powerpoint/2010/main" val="3951707323"/>
       </p:ext>
     </p:extLst>
   </p:cSld>
